--- a/8月总结.pptx
+++ b/8月总结.pptx
@@ -7,6 +7,9 @@
   <p:sldIdLst>
     <p:sldId id="256" r:id="rId2"/>
     <p:sldId id="257" r:id="rId3"/>
+    <p:sldId id="258" r:id="rId4"/>
+    <p:sldId id="259" r:id="rId5"/>
+    <p:sldId id="260" r:id="rId6"/>
   </p:sldIdLst>
   <p:sldSz cx="12192000" cy="6858000"/>
   <p:notesSz cx="6858000" cy="9144000"/>
@@ -105,6 +108,11 @@
       </a:defRPr>
     </a:lvl9pPr>
   </p:defaultTextStyle>
+  <p:extLst>
+    <p:ext uri="{EFAFB233-063F-42B5-8137-9DF3F51BA10A}">
+      <p15:sldGuideLst xmlns:p15="http://schemas.microsoft.com/office/powerpoint/2012/main"/>
+    </p:ext>
+  </p:extLst>
 </p:presentation>
 </file>
 
@@ -255,7 +263,7 @@
           <a:p>
             <a:fld id="{8861D62B-9EBE-6545-8A0C-465B59AD6B07}" type="datetimeFigureOut">
               <a:rPr kumimoji="1" lang="zh-CN" altLang="en-US" smtClean="0"/>
-              <a:t>2018/9/5</a:t>
+              <a:t>2018/9/7</a:t>
             </a:fld>
             <a:endParaRPr kumimoji="1" lang="zh-CN" altLang="en-US"/>
           </a:p>
@@ -428,7 +436,7 @@
           <a:p>
             <a:fld id="{8861D62B-9EBE-6545-8A0C-465B59AD6B07}" type="datetimeFigureOut">
               <a:rPr kumimoji="1" lang="zh-CN" altLang="en-US" smtClean="0"/>
-              <a:t>2018/9/5</a:t>
+              <a:t>2018/9/7</a:t>
             </a:fld>
             <a:endParaRPr kumimoji="1" lang="zh-CN" altLang="en-US"/>
           </a:p>
@@ -611,7 +619,7 @@
           <a:p>
             <a:fld id="{8861D62B-9EBE-6545-8A0C-465B59AD6B07}" type="datetimeFigureOut">
               <a:rPr kumimoji="1" lang="zh-CN" altLang="en-US" smtClean="0"/>
-              <a:t>2018/9/5</a:t>
+              <a:t>2018/9/7</a:t>
             </a:fld>
             <a:endParaRPr kumimoji="1" lang="zh-CN" altLang="en-US"/>
           </a:p>
@@ -784,7 +792,7 @@
           <a:p>
             <a:fld id="{8861D62B-9EBE-6545-8A0C-465B59AD6B07}" type="datetimeFigureOut">
               <a:rPr kumimoji="1" lang="zh-CN" altLang="en-US" smtClean="0"/>
-              <a:t>2018/9/5</a:t>
+              <a:t>2018/9/7</a:t>
             </a:fld>
             <a:endParaRPr kumimoji="1" lang="zh-CN" altLang="en-US"/>
           </a:p>
@@ -1062,7 +1070,7 @@
           <a:p>
             <a:fld id="{8861D62B-9EBE-6545-8A0C-465B59AD6B07}" type="datetimeFigureOut">
               <a:rPr kumimoji="1" lang="zh-CN" altLang="en-US" smtClean="0"/>
-              <a:t>2018/9/5</a:t>
+              <a:t>2018/9/7</a:t>
             </a:fld>
             <a:endParaRPr kumimoji="1" lang="zh-CN" altLang="en-US"/>
           </a:p>
@@ -1277,7 +1285,7 @@
           <a:p>
             <a:fld id="{8861D62B-9EBE-6545-8A0C-465B59AD6B07}" type="datetimeFigureOut">
               <a:rPr kumimoji="1" lang="zh-CN" altLang="en-US" smtClean="0"/>
-              <a:t>2018/9/5</a:t>
+              <a:t>2018/9/7</a:t>
             </a:fld>
             <a:endParaRPr kumimoji="1" lang="zh-CN" altLang="en-US"/>
           </a:p>
@@ -1645,7 +1653,7 @@
           <a:p>
             <a:fld id="{8861D62B-9EBE-6545-8A0C-465B59AD6B07}" type="datetimeFigureOut">
               <a:rPr kumimoji="1" lang="zh-CN" altLang="en-US" smtClean="0"/>
-              <a:t>2018/9/5</a:t>
+              <a:t>2018/9/7</a:t>
             </a:fld>
             <a:endParaRPr kumimoji="1" lang="zh-CN" altLang="en-US"/>
           </a:p>
@@ -1786,7 +1794,7 @@
           <a:p>
             <a:fld id="{8861D62B-9EBE-6545-8A0C-465B59AD6B07}" type="datetimeFigureOut">
               <a:rPr kumimoji="1" lang="zh-CN" altLang="en-US" smtClean="0"/>
-              <a:t>2018/9/5</a:t>
+              <a:t>2018/9/7</a:t>
             </a:fld>
             <a:endParaRPr kumimoji="1" lang="zh-CN" altLang="en-US"/>
           </a:p>
@@ -1899,7 +1907,7 @@
           <a:p>
             <a:fld id="{8861D62B-9EBE-6545-8A0C-465B59AD6B07}" type="datetimeFigureOut">
               <a:rPr kumimoji="1" lang="zh-CN" altLang="en-US" smtClean="0"/>
-              <a:t>2018/9/5</a:t>
+              <a:t>2018/9/7</a:t>
             </a:fld>
             <a:endParaRPr kumimoji="1" lang="zh-CN" altLang="en-US"/>
           </a:p>
@@ -2188,7 +2196,7 @@
           <a:p>
             <a:fld id="{8861D62B-9EBE-6545-8A0C-465B59AD6B07}" type="datetimeFigureOut">
               <a:rPr kumimoji="1" lang="zh-CN" altLang="en-US" smtClean="0"/>
-              <a:t>2018/9/5</a:t>
+              <a:t>2018/9/7</a:t>
             </a:fld>
             <a:endParaRPr kumimoji="1" lang="zh-CN" altLang="en-US"/>
           </a:p>
@@ -2479,7 +2487,7 @@
           <a:p>
             <a:fld id="{8861D62B-9EBE-6545-8A0C-465B59AD6B07}" type="datetimeFigureOut">
               <a:rPr kumimoji="1" lang="zh-CN" altLang="en-US" smtClean="0"/>
-              <a:t>2018/9/5</a:t>
+              <a:t>2018/9/7</a:t>
             </a:fld>
             <a:endParaRPr kumimoji="1" lang="zh-CN" altLang="en-US"/>
           </a:p>
@@ -2695,7 +2703,7 @@
           <a:p>
             <a:fld id="{8861D62B-9EBE-6545-8A0C-465B59AD6B07}" type="datetimeFigureOut">
               <a:rPr kumimoji="1" lang="zh-CN" altLang="en-US" smtClean="0"/>
-              <a:t>2018/9/5</a:t>
+              <a:t>2018/9/7</a:t>
             </a:fld>
             <a:endParaRPr kumimoji="1" lang="zh-CN" altLang="en-US"/>
           </a:p>
@@ -3280,11 +3288,7 @@
             <a:pPr lvl="1"/>
             <a:r>
               <a:rPr kumimoji="1" lang="zh-CN" altLang="en-US" dirty="0"/>
-              <a:t>购物场景中的用户</a:t>
-            </a:r>
-            <a:r>
-              <a:rPr kumimoji="1" lang="zh-CN" altLang="en-US"/>
-              <a:t>意图分析与识别</a:t>
+              <a:t>用户意图分析与识别</a:t>
             </a:r>
             <a:endParaRPr kumimoji="1" lang="en-US" altLang="zh-CN" dirty="0"/>
           </a:p>
@@ -3298,6 +3302,3928 @@
     <p:extLst>
       <p:ext uri="{BB962C8B-B14F-4D97-AF65-F5344CB8AC3E}">
         <p14:creationId xmlns:p14="http://schemas.microsoft.com/office/powerpoint/2010/main" val="2242218909"/>
+      </p:ext>
+    </p:extLst>
+  </p:cSld>
+  <p:clrMapOvr>
+    <a:masterClrMapping/>
+  </p:clrMapOvr>
+</p:sld>
+</file>
+
+<file path=ppt/slides/slide3.xml><?xml version="1.0" encoding="utf-8"?>
+<p:sld xmlns:a="http://schemas.openxmlformats.org/drawingml/2006/main" xmlns:r="http://schemas.openxmlformats.org/officeDocument/2006/relationships" xmlns:p="http://schemas.openxmlformats.org/presentationml/2006/main">
+  <p:cSld>
+    <p:spTree>
+      <p:nvGrpSpPr>
+        <p:cNvPr id="1" name=""/>
+        <p:cNvGrpSpPr/>
+        <p:nvPr/>
+      </p:nvGrpSpPr>
+      <p:grpSpPr>
+        <a:xfrm>
+          <a:off x="0" y="0"/>
+          <a:ext cx="0" cy="0"/>
+          <a:chOff x="0" y="0"/>
+          <a:chExt cx="0" cy="0"/>
+        </a:xfrm>
+      </p:grpSpPr>
+      <p:sp>
+        <p:nvSpPr>
+          <p:cNvPr id="2" name="标题 1">
+            <a:extLst>
+              <a:ext uri="{FF2B5EF4-FFF2-40B4-BE49-F238E27FC236}">
+                <a16:creationId xmlns:a16="http://schemas.microsoft.com/office/drawing/2014/main" id="{1584FD86-A9B5-4714-BEE5-5C537E531EA3}"/>
+              </a:ext>
+            </a:extLst>
+          </p:cNvPr>
+          <p:cNvSpPr>
+            <a:spLocks noGrp="1"/>
+          </p:cNvSpPr>
+          <p:nvPr>
+            <p:ph type="title"/>
+          </p:nvPr>
+        </p:nvSpPr>
+        <p:spPr/>
+        <p:txBody>
+          <a:bodyPr/>
+          <a:lstStyle/>
+          <a:p>
+            <a:r>
+              <a:rPr lang="zh-CN" altLang="en-US" dirty="0"/>
+              <a:t>基于非补偿决策策略的推荐系统</a:t>
+            </a:r>
+          </a:p>
+        </p:txBody>
+      </p:sp>
+      <p:sp>
+        <p:nvSpPr>
+          <p:cNvPr id="4" name="文本占位符 3">
+            <a:extLst>
+              <a:ext uri="{FF2B5EF4-FFF2-40B4-BE49-F238E27FC236}">
+                <a16:creationId xmlns:a16="http://schemas.microsoft.com/office/drawing/2014/main" id="{17449ACA-D529-4D78-B648-CC83A1AE6684}"/>
+              </a:ext>
+            </a:extLst>
+          </p:cNvPr>
+          <p:cNvSpPr>
+            <a:spLocks noGrp="1"/>
+          </p:cNvSpPr>
+          <p:nvPr>
+            <p:ph type="body" idx="1"/>
+          </p:nvPr>
+        </p:nvSpPr>
+        <p:spPr/>
+        <p:txBody>
+          <a:bodyPr/>
+          <a:lstStyle/>
+          <a:p>
+            <a:r>
+              <a:rPr lang="zh-CN" altLang="en-US" dirty="0"/>
+              <a:t>传统的矩阵分解技术</a:t>
+            </a:r>
+          </a:p>
+        </p:txBody>
+      </p:sp>
+      <p:sp>
+        <p:nvSpPr>
+          <p:cNvPr id="5" name="内容占位符 4">
+            <a:extLst>
+              <a:ext uri="{FF2B5EF4-FFF2-40B4-BE49-F238E27FC236}">
+                <a16:creationId xmlns:a16="http://schemas.microsoft.com/office/drawing/2014/main" id="{B6BDF8BF-E47D-440A-9DDD-447976CEEB25}"/>
+              </a:ext>
+            </a:extLst>
+          </p:cNvPr>
+          <p:cNvSpPr>
+            <a:spLocks noGrp="1"/>
+          </p:cNvSpPr>
+          <p:nvPr>
+            <p:ph sz="half" idx="2"/>
+          </p:nvPr>
+        </p:nvSpPr>
+        <p:spPr/>
+        <p:txBody>
+          <a:bodyPr>
+            <a:normAutofit fontScale="70000" lnSpcReduction="20000"/>
+          </a:bodyPr>
+          <a:lstStyle/>
+          <a:p>
+            <a:r>
+              <a:rPr lang="zh-CN" altLang="en-US" sz="2300" dirty="0"/>
+              <a:t>总体评价基于对产品各方面的打分加权和</a:t>
+            </a:r>
+            <a:endParaRPr lang="en-US" altLang="zh-CN" sz="2300" dirty="0"/>
+          </a:p>
+          <a:p>
+            <a:r>
+              <a:rPr lang="en-US" altLang="zh-CN" sz="2300" dirty="0"/>
+              <a:t> </a:t>
+            </a:r>
+            <a:r>
+              <a:rPr lang="zh-CN" altLang="en-US" sz="2300" dirty="0"/>
+              <a:t>属于补偿策略：表现好的方面“补偿”表现差的方面</a:t>
+            </a:r>
+            <a:endParaRPr lang="en-US" altLang="zh-CN" sz="2300" dirty="0"/>
+          </a:p>
+          <a:p>
+            <a:pPr marL="0" indent="0">
+              <a:buNone/>
+            </a:pPr>
+            <a:r>
+              <a:rPr lang="en-US" altLang="zh-CN" dirty="0"/>
+              <a:t> </a:t>
+            </a:r>
+          </a:p>
+          <a:p>
+            <a:pPr marL="0" indent="0">
+              <a:buNone/>
+            </a:pPr>
+            <a:r>
+              <a:rPr lang="en-US" altLang="zh-CN" dirty="0"/>
+              <a:t> </a:t>
+            </a:r>
+          </a:p>
+          <a:p>
+            <a:pPr marL="0" indent="0">
+              <a:buNone/>
+            </a:pPr>
+            <a:r>
+              <a:rPr lang="en-US" altLang="zh-CN" dirty="0"/>
+              <a:t> </a:t>
+            </a:r>
+          </a:p>
+          <a:p>
+            <a:pPr marL="0" indent="0">
+              <a:buNone/>
+            </a:pPr>
+            <a:r>
+              <a:rPr lang="en-US" altLang="zh-CN" dirty="0"/>
+              <a:t> </a:t>
+            </a:r>
+          </a:p>
+          <a:p>
+            <a:pPr marL="0" indent="0">
+              <a:buNone/>
+            </a:pPr>
+            <a:r>
+              <a:rPr lang="en-US" altLang="zh-CN" dirty="0"/>
+              <a:t> </a:t>
+            </a:r>
+          </a:p>
+          <a:p>
+            <a:pPr marL="0" indent="0">
+              <a:buNone/>
+            </a:pPr>
+            <a:r>
+              <a:rPr lang="en-US" altLang="zh-CN" dirty="0"/>
+              <a:t> </a:t>
+            </a:r>
+          </a:p>
+          <a:p>
+            <a:pPr marL="0" indent="0">
+              <a:buNone/>
+            </a:pPr>
+            <a:r>
+              <a:rPr lang="en-US" altLang="zh-CN" dirty="0"/>
+              <a:t> </a:t>
+            </a:r>
+          </a:p>
+          <a:p>
+            <a:pPr marL="0" indent="0">
+              <a:buNone/>
+            </a:pPr>
+            <a:r>
+              <a:rPr lang="en-US" altLang="zh-CN" dirty="0"/>
+              <a:t> </a:t>
+            </a:r>
+            <a:endParaRPr lang="zh-CN" altLang="en-US" dirty="0"/>
+          </a:p>
+        </p:txBody>
+      </p:sp>
+      <p:sp>
+        <p:nvSpPr>
+          <p:cNvPr id="6" name="文本占位符 5">
+            <a:extLst>
+              <a:ext uri="{FF2B5EF4-FFF2-40B4-BE49-F238E27FC236}">
+                <a16:creationId xmlns:a16="http://schemas.microsoft.com/office/drawing/2014/main" id="{74B1BB9E-B9C9-4A8B-99BF-36167B2FF25B}"/>
+              </a:ext>
+            </a:extLst>
+          </p:cNvPr>
+          <p:cNvSpPr>
+            <a:spLocks noGrp="1"/>
+          </p:cNvSpPr>
+          <p:nvPr>
+            <p:ph type="body" sz="quarter" idx="3"/>
+          </p:nvPr>
+        </p:nvSpPr>
+        <p:spPr/>
+        <p:txBody>
+          <a:bodyPr/>
+          <a:lstStyle/>
+          <a:p>
+            <a:r>
+              <a:rPr lang="zh-CN" altLang="en-US" dirty="0"/>
+              <a:t>我们的工作</a:t>
+            </a:r>
+          </a:p>
+        </p:txBody>
+      </p:sp>
+      <p:sp>
+        <p:nvSpPr>
+          <p:cNvPr id="7" name="内容占位符 6">
+            <a:extLst>
+              <a:ext uri="{FF2B5EF4-FFF2-40B4-BE49-F238E27FC236}">
+                <a16:creationId xmlns:a16="http://schemas.microsoft.com/office/drawing/2014/main" id="{8FAC9BFC-DB05-4049-88B2-7F4297D502D4}"/>
+              </a:ext>
+            </a:extLst>
+          </p:cNvPr>
+          <p:cNvSpPr>
+            <a:spLocks noGrp="1"/>
+          </p:cNvSpPr>
+          <p:nvPr>
+            <p:ph sz="quarter" idx="4"/>
+          </p:nvPr>
+        </p:nvSpPr>
+        <p:spPr/>
+        <p:txBody>
+          <a:bodyPr>
+            <a:normAutofit fontScale="70000" lnSpcReduction="20000"/>
+          </a:bodyPr>
+          <a:lstStyle/>
+          <a:p>
+            <a:r>
+              <a:rPr lang="zh-CN" altLang="en-US" sz="2300" dirty="0"/>
+              <a:t>购物心理学发现用户更多采用非补偿策略</a:t>
+            </a:r>
+            <a:endParaRPr lang="en-US" altLang="zh-CN" sz="2300" dirty="0"/>
+          </a:p>
+          <a:p>
+            <a:r>
+              <a:rPr lang="zh-CN" altLang="en-US" sz="2300" dirty="0"/>
+              <a:t>提出了一个基于非补偿模型的通用框架，实验证明该框架能提升不同的现有系统推荐性能，包括评分和排序模型</a:t>
+            </a:r>
+            <a:endParaRPr lang="en-US" altLang="zh-CN" sz="2300" dirty="0"/>
+          </a:p>
+          <a:p>
+            <a:endParaRPr lang="zh-CN" altLang="en-US" dirty="0"/>
+          </a:p>
+        </p:txBody>
+      </p:sp>
+      <p:sp>
+        <p:nvSpPr>
+          <p:cNvPr id="8" name="TextBox 22">
+            <a:extLst>
+              <a:ext uri="{FF2B5EF4-FFF2-40B4-BE49-F238E27FC236}">
+                <a16:creationId xmlns:a16="http://schemas.microsoft.com/office/drawing/2014/main" id="{E27FFA6A-655F-4B8E-A871-602CAABC2287}"/>
+              </a:ext>
+            </a:extLst>
+          </p:cNvPr>
+          <p:cNvSpPr txBox="1"/>
+          <p:nvPr/>
+        </p:nvSpPr>
+        <p:spPr>
+          <a:xfrm>
+            <a:off x="84695" y="3802615"/>
+            <a:ext cx="1653017" cy="369332"/>
+          </a:xfrm>
+          <a:prstGeom prst="rect">
+            <a:avLst/>
+          </a:prstGeom>
+          <a:noFill/>
+        </p:spPr>
+        <p:txBody>
+          <a:bodyPr wrap="none" rtlCol="0">
+            <a:spAutoFit/>
+          </a:bodyPr>
+          <a:lstStyle/>
+          <a:p>
+            <a:r>
+              <a:rPr lang="en-US" altLang="zh-CN" dirty="0">
+                <a:latin typeface="Times New Roman" panose="02020603050405020304" pitchFamily="18" charset="0"/>
+                <a:cs typeface="Times New Roman" panose="02020603050405020304" pitchFamily="18" charset="0"/>
+              </a:rPr>
+              <a:t>User preference</a:t>
+            </a:r>
+            <a:endParaRPr lang="zh-CN" altLang="en-US" dirty="0">
+              <a:latin typeface="Times New Roman" panose="02020603050405020304" pitchFamily="18" charset="0"/>
+              <a:cs typeface="Times New Roman" panose="02020603050405020304" pitchFamily="18" charset="0"/>
+            </a:endParaRPr>
+          </a:p>
+        </p:txBody>
+      </p:sp>
+      <p:graphicFrame>
+        <p:nvGraphicFramePr>
+          <p:cNvPr id="9" name="表格 8">
+            <a:extLst>
+              <a:ext uri="{FF2B5EF4-FFF2-40B4-BE49-F238E27FC236}">
+                <a16:creationId xmlns:a16="http://schemas.microsoft.com/office/drawing/2014/main" id="{E3DD2680-E3C0-465A-A119-024C0128649F}"/>
+              </a:ext>
+            </a:extLst>
+          </p:cNvPr>
+          <p:cNvGraphicFramePr>
+            <a:graphicFrameLocks noGrp="1"/>
+          </p:cNvGraphicFramePr>
+          <p:nvPr>
+            <p:extLst>
+              <p:ext uri="{D42A27DB-BD31-4B8C-83A1-F6EECF244321}">
+                <p14:modId xmlns:p14="http://schemas.microsoft.com/office/powerpoint/2010/main" val="3935084707"/>
+              </p:ext>
+            </p:extLst>
+          </p:nvPr>
+        </p:nvGraphicFramePr>
+        <p:xfrm>
+          <a:off x="1072927" y="4209067"/>
+          <a:ext cx="4534185" cy="1828800"/>
+        </p:xfrm>
+        <a:graphic>
+          <a:graphicData uri="http://schemas.openxmlformats.org/drawingml/2006/table">
+            <a:tbl>
+              <a:tblPr firstRow="1" bandRow="1">
+                <a:tableStyleId>{2D5ABB26-0587-4C30-8999-92F81FD0307C}</a:tableStyleId>
+              </a:tblPr>
+              <a:tblGrid>
+                <a:gridCol w="679217">
+                  <a:extLst>
+                    <a:ext uri="{9D8B030D-6E8A-4147-A177-3AD203B41FA5}">
+                      <a16:colId xmlns:a16="http://schemas.microsoft.com/office/drawing/2014/main" val="20000"/>
+                    </a:ext>
+                  </a:extLst>
+                </a:gridCol>
+                <a:gridCol w="762831">
+                  <a:extLst>
+                    <a:ext uri="{9D8B030D-6E8A-4147-A177-3AD203B41FA5}">
+                      <a16:colId xmlns:a16="http://schemas.microsoft.com/office/drawing/2014/main" val="20001"/>
+                    </a:ext>
+                  </a:extLst>
+                </a:gridCol>
+                <a:gridCol w="814429">
+                  <a:extLst>
+                    <a:ext uri="{9D8B030D-6E8A-4147-A177-3AD203B41FA5}">
+                      <a16:colId xmlns:a16="http://schemas.microsoft.com/office/drawing/2014/main" val="20002"/>
+                    </a:ext>
+                  </a:extLst>
+                </a:gridCol>
+                <a:gridCol w="668944">
+                  <a:extLst>
+                    <a:ext uri="{9D8B030D-6E8A-4147-A177-3AD203B41FA5}">
+                      <a16:colId xmlns:a16="http://schemas.microsoft.com/office/drawing/2014/main" val="20003"/>
+                    </a:ext>
+                  </a:extLst>
+                </a:gridCol>
+                <a:gridCol w="769848">
+                  <a:extLst>
+                    <a:ext uri="{9D8B030D-6E8A-4147-A177-3AD203B41FA5}">
+                      <a16:colId xmlns:a16="http://schemas.microsoft.com/office/drawing/2014/main" val="20004"/>
+                    </a:ext>
+                  </a:extLst>
+                </a:gridCol>
+                <a:gridCol w="838916">
+                  <a:extLst>
+                    <a:ext uri="{9D8B030D-6E8A-4147-A177-3AD203B41FA5}">
+                      <a16:colId xmlns:a16="http://schemas.microsoft.com/office/drawing/2014/main" val="20005"/>
+                    </a:ext>
+                  </a:extLst>
+                </a:gridCol>
+              </a:tblGrid>
+              <a:tr h="216024">
+                <a:tc>
+                  <a:txBody>
+                    <a:bodyPr/>
+                    <a:lstStyle/>
+                    <a:p>
+                      <a:pPr algn="ctr"/>
+                      <a:r>
+                        <a:rPr lang="en-US" altLang="zh-CN" sz="1400" dirty="0">
+                          <a:latin typeface="Times New Roman" panose="02020603050405020304" pitchFamily="18" charset="0"/>
+                          <a:cs typeface="Times New Roman" panose="02020603050405020304" pitchFamily="18" charset="0"/>
+                        </a:rPr>
+                        <a:t>phone</a:t>
+                      </a:r>
+                      <a:endParaRPr lang="zh-CN" altLang="en-US" sz="1400" dirty="0">
+                        <a:latin typeface="Times New Roman" panose="02020603050405020304" pitchFamily="18" charset="0"/>
+                        <a:cs typeface="Times New Roman" panose="02020603050405020304" pitchFamily="18" charset="0"/>
+                      </a:endParaRPr>
+                    </a:p>
+                  </a:txBody>
+                  <a:tcPr>
+                    <a:lnL w="12700" cap="flat" cmpd="sng" algn="ctr">
+                      <a:solidFill>
+                        <a:schemeClr val="tx1"/>
+                      </a:solidFill>
+                      <a:prstDash val="solid"/>
+                      <a:round/>
+                      <a:headEnd type="none" w="med" len="med"/>
+                      <a:tailEnd type="none" w="med" len="med"/>
+                    </a:lnL>
+                    <a:lnR w="12700" cap="flat" cmpd="sng" algn="ctr">
+                      <a:solidFill>
+                        <a:schemeClr val="tx1"/>
+                      </a:solidFill>
+                      <a:prstDash val="solid"/>
+                      <a:round/>
+                      <a:headEnd type="none" w="med" len="med"/>
+                      <a:tailEnd type="none" w="med" len="med"/>
+                    </a:lnR>
+                    <a:lnT w="12700" cap="flat" cmpd="sng" algn="ctr">
+                      <a:solidFill>
+                        <a:schemeClr val="tx1"/>
+                      </a:solidFill>
+                      <a:prstDash val="solid"/>
+                      <a:round/>
+                      <a:headEnd type="none" w="med" len="med"/>
+                      <a:tailEnd type="none" w="med" len="med"/>
+                    </a:lnT>
+                    <a:lnB w="12700" cap="flat" cmpd="sng" algn="ctr">
+                      <a:solidFill>
+                        <a:schemeClr val="tx1"/>
+                      </a:solidFill>
+                      <a:prstDash val="solid"/>
+                      <a:round/>
+                      <a:headEnd type="none" w="med" len="med"/>
+                      <a:tailEnd type="none" w="med" len="med"/>
+                    </a:lnB>
+                  </a:tcPr>
+                </a:tc>
+                <a:tc>
+                  <a:txBody>
+                    <a:bodyPr/>
+                    <a:lstStyle/>
+                    <a:p>
+                      <a:pPr algn="ctr"/>
+                      <a:r>
+                        <a:rPr lang="en-US" altLang="zh-CN" sz="1400" dirty="0" err="1">
+                          <a:latin typeface="Times New Roman" panose="02020603050405020304" pitchFamily="18" charset="0"/>
+                          <a:cs typeface="Times New Roman" panose="02020603050405020304" pitchFamily="18" charset="0"/>
+                        </a:rPr>
+                        <a:t>os</a:t>
+                      </a:r>
+                      <a:endParaRPr lang="zh-CN" altLang="en-US" sz="1400" dirty="0">
+                        <a:latin typeface="Times New Roman" panose="02020603050405020304" pitchFamily="18" charset="0"/>
+                        <a:cs typeface="Times New Roman" panose="02020603050405020304" pitchFamily="18" charset="0"/>
+                      </a:endParaRPr>
+                    </a:p>
+                  </a:txBody>
+                  <a:tcPr>
+                    <a:lnL w="12700" cap="flat" cmpd="sng" algn="ctr">
+                      <a:solidFill>
+                        <a:schemeClr val="tx1"/>
+                      </a:solidFill>
+                      <a:prstDash val="solid"/>
+                      <a:round/>
+                      <a:headEnd type="none" w="med" len="med"/>
+                      <a:tailEnd type="none" w="med" len="med"/>
+                    </a:lnL>
+                    <a:lnR w="12700" cap="flat" cmpd="sng" algn="ctr">
+                      <a:solidFill>
+                        <a:schemeClr val="tx1"/>
+                      </a:solidFill>
+                      <a:prstDash val="solid"/>
+                      <a:round/>
+                      <a:headEnd type="none" w="med" len="med"/>
+                      <a:tailEnd type="none" w="med" len="med"/>
+                    </a:lnR>
+                    <a:lnT w="12700" cap="flat" cmpd="sng" algn="ctr">
+                      <a:solidFill>
+                        <a:schemeClr val="tx1"/>
+                      </a:solidFill>
+                      <a:prstDash val="solid"/>
+                      <a:round/>
+                      <a:headEnd type="none" w="med" len="med"/>
+                      <a:tailEnd type="none" w="med" len="med"/>
+                    </a:lnT>
+                    <a:lnB w="12700" cap="flat" cmpd="sng" algn="ctr">
+                      <a:solidFill>
+                        <a:schemeClr val="tx1"/>
+                      </a:solidFill>
+                      <a:prstDash val="solid"/>
+                      <a:round/>
+                      <a:headEnd type="none" w="med" len="med"/>
+                      <a:tailEnd type="none" w="med" len="med"/>
+                    </a:lnB>
+                  </a:tcPr>
+                </a:tc>
+                <a:tc>
+                  <a:txBody>
+                    <a:bodyPr/>
+                    <a:lstStyle/>
+                    <a:p>
+                      <a:pPr algn="ctr"/>
+                      <a:r>
+                        <a:rPr lang="en-US" altLang="zh-CN" sz="1400" dirty="0">
+                          <a:latin typeface="Times New Roman" panose="02020603050405020304" pitchFamily="18" charset="0"/>
+                          <a:cs typeface="Times New Roman" panose="02020603050405020304" pitchFamily="18" charset="0"/>
+                        </a:rPr>
+                        <a:t>camera</a:t>
+                      </a:r>
+                      <a:endParaRPr lang="zh-CN" altLang="en-US" sz="1400" dirty="0">
+                        <a:latin typeface="Times New Roman" panose="02020603050405020304" pitchFamily="18" charset="0"/>
+                        <a:cs typeface="Times New Roman" panose="02020603050405020304" pitchFamily="18" charset="0"/>
+                      </a:endParaRPr>
+                    </a:p>
+                  </a:txBody>
+                  <a:tcPr>
+                    <a:lnL w="12700" cap="flat" cmpd="sng" algn="ctr">
+                      <a:solidFill>
+                        <a:schemeClr val="tx1"/>
+                      </a:solidFill>
+                      <a:prstDash val="solid"/>
+                      <a:round/>
+                      <a:headEnd type="none" w="med" len="med"/>
+                      <a:tailEnd type="none" w="med" len="med"/>
+                    </a:lnL>
+                    <a:lnR w="12700" cap="flat" cmpd="sng" algn="ctr">
+                      <a:solidFill>
+                        <a:schemeClr val="tx1"/>
+                      </a:solidFill>
+                      <a:prstDash val="solid"/>
+                      <a:round/>
+                      <a:headEnd type="none" w="med" len="med"/>
+                      <a:tailEnd type="none" w="med" len="med"/>
+                    </a:lnR>
+                    <a:lnT w="12700" cap="flat" cmpd="sng" algn="ctr">
+                      <a:solidFill>
+                        <a:schemeClr val="tx1"/>
+                      </a:solidFill>
+                      <a:prstDash val="solid"/>
+                      <a:round/>
+                      <a:headEnd type="none" w="med" len="med"/>
+                      <a:tailEnd type="none" w="med" len="med"/>
+                    </a:lnT>
+                    <a:lnB w="12700" cap="flat" cmpd="sng" algn="ctr">
+                      <a:solidFill>
+                        <a:schemeClr val="tx1"/>
+                      </a:solidFill>
+                      <a:prstDash val="solid"/>
+                      <a:round/>
+                      <a:headEnd type="none" w="med" len="med"/>
+                      <a:tailEnd type="none" w="med" len="med"/>
+                    </a:lnB>
+                  </a:tcPr>
+                </a:tc>
+                <a:tc>
+                  <a:txBody>
+                    <a:bodyPr/>
+                    <a:lstStyle/>
+                    <a:p>
+                      <a:pPr algn="ctr"/>
+                      <a:r>
+                        <a:rPr lang="en-US" altLang="zh-CN" sz="1400" dirty="0">
+                          <a:latin typeface="Times New Roman" panose="02020603050405020304" pitchFamily="18" charset="0"/>
+                          <a:cs typeface="Times New Roman" panose="02020603050405020304" pitchFamily="18" charset="0"/>
+                        </a:rPr>
+                        <a:t>price</a:t>
+                      </a:r>
+                      <a:endParaRPr lang="zh-CN" altLang="en-US" sz="1400" dirty="0">
+                        <a:latin typeface="Times New Roman" panose="02020603050405020304" pitchFamily="18" charset="0"/>
+                        <a:cs typeface="Times New Roman" panose="02020603050405020304" pitchFamily="18" charset="0"/>
+                      </a:endParaRPr>
+                    </a:p>
+                  </a:txBody>
+                  <a:tcPr>
+                    <a:lnL w="12700" cap="flat" cmpd="sng" algn="ctr">
+                      <a:solidFill>
+                        <a:schemeClr val="tx1"/>
+                      </a:solidFill>
+                      <a:prstDash val="solid"/>
+                      <a:round/>
+                      <a:headEnd type="none" w="med" len="med"/>
+                      <a:tailEnd type="none" w="med" len="med"/>
+                    </a:lnL>
+                    <a:lnR w="12700" cap="flat" cmpd="sng" algn="ctr">
+                      <a:solidFill>
+                        <a:schemeClr val="tx1"/>
+                      </a:solidFill>
+                      <a:prstDash val="solid"/>
+                      <a:round/>
+                      <a:headEnd type="none" w="med" len="med"/>
+                      <a:tailEnd type="none" w="med" len="med"/>
+                    </a:lnR>
+                    <a:lnT w="12700" cap="flat" cmpd="sng" algn="ctr">
+                      <a:solidFill>
+                        <a:schemeClr val="tx1"/>
+                      </a:solidFill>
+                      <a:prstDash val="solid"/>
+                      <a:round/>
+                      <a:headEnd type="none" w="med" len="med"/>
+                      <a:tailEnd type="none" w="med" len="med"/>
+                    </a:lnT>
+                    <a:lnB w="12700" cap="flat" cmpd="sng" algn="ctr">
+                      <a:solidFill>
+                        <a:schemeClr val="tx1"/>
+                      </a:solidFill>
+                      <a:prstDash val="solid"/>
+                      <a:round/>
+                      <a:headEnd type="none" w="med" len="med"/>
+                      <a:tailEnd type="none" w="med" len="med"/>
+                    </a:lnB>
+                  </a:tcPr>
+                </a:tc>
+                <a:tc>
+                  <a:txBody>
+                    <a:bodyPr/>
+                    <a:lstStyle/>
+                    <a:p>
+                      <a:pPr algn="ctr"/>
+                      <a:r>
+                        <a:rPr lang="en-US" altLang="zh-CN" sz="1400" dirty="0">
+                          <a:latin typeface="Times New Roman" panose="02020603050405020304" pitchFamily="18" charset="0"/>
+                          <a:cs typeface="Times New Roman" panose="02020603050405020304" pitchFamily="18" charset="0"/>
+                        </a:rPr>
+                        <a:t>Battery</a:t>
+                      </a:r>
+                      <a:endParaRPr lang="zh-CN" altLang="en-US" sz="1400" dirty="0">
+                        <a:latin typeface="Times New Roman" panose="02020603050405020304" pitchFamily="18" charset="0"/>
+                        <a:cs typeface="Times New Roman" panose="02020603050405020304" pitchFamily="18" charset="0"/>
+                      </a:endParaRPr>
+                    </a:p>
+                  </a:txBody>
+                  <a:tcPr>
+                    <a:lnL w="12700" cap="flat" cmpd="sng" algn="ctr">
+                      <a:solidFill>
+                        <a:schemeClr val="tx1"/>
+                      </a:solidFill>
+                      <a:prstDash val="solid"/>
+                      <a:round/>
+                      <a:headEnd type="none" w="med" len="med"/>
+                      <a:tailEnd type="none" w="med" len="med"/>
+                    </a:lnL>
+                    <a:lnR w="12700" cap="flat" cmpd="sng" algn="ctr">
+                      <a:solidFill>
+                        <a:schemeClr val="tx1"/>
+                      </a:solidFill>
+                      <a:prstDash val="solid"/>
+                      <a:round/>
+                      <a:headEnd type="none" w="med" len="med"/>
+                      <a:tailEnd type="none" w="med" len="med"/>
+                    </a:lnR>
+                    <a:lnT w="12700" cap="flat" cmpd="sng" algn="ctr">
+                      <a:solidFill>
+                        <a:schemeClr val="tx1"/>
+                      </a:solidFill>
+                      <a:prstDash val="solid"/>
+                      <a:round/>
+                      <a:headEnd type="none" w="med" len="med"/>
+                      <a:tailEnd type="none" w="med" len="med"/>
+                    </a:lnT>
+                    <a:lnB w="12700" cap="flat" cmpd="sng" algn="ctr">
+                      <a:solidFill>
+                        <a:schemeClr val="tx1"/>
+                      </a:solidFill>
+                      <a:prstDash val="solid"/>
+                      <a:round/>
+                      <a:headEnd type="none" w="med" len="med"/>
+                      <a:tailEnd type="none" w="med" len="med"/>
+                    </a:lnB>
+                  </a:tcPr>
+                </a:tc>
+                <a:tc>
+                  <a:txBody>
+                    <a:bodyPr/>
+                    <a:lstStyle/>
+                    <a:p>
+                      <a:pPr algn="ctr"/>
+                      <a:r>
+                        <a:rPr lang="en-US" altLang="zh-CN" sz="1400" dirty="0">
+                          <a:latin typeface="Times New Roman" panose="02020603050405020304" pitchFamily="18" charset="0"/>
+                          <a:cs typeface="Times New Roman" panose="02020603050405020304" pitchFamily="18" charset="0"/>
+                        </a:rPr>
+                        <a:t>pixel</a:t>
+                      </a:r>
+                      <a:endParaRPr lang="zh-CN" altLang="en-US" sz="1400" dirty="0">
+                        <a:latin typeface="Times New Roman" panose="02020603050405020304" pitchFamily="18" charset="0"/>
+                        <a:cs typeface="Times New Roman" panose="02020603050405020304" pitchFamily="18" charset="0"/>
+                      </a:endParaRPr>
+                    </a:p>
+                  </a:txBody>
+                  <a:tcPr>
+                    <a:lnL w="12700" cap="flat" cmpd="sng" algn="ctr">
+                      <a:solidFill>
+                        <a:schemeClr val="tx1"/>
+                      </a:solidFill>
+                      <a:prstDash val="solid"/>
+                      <a:round/>
+                      <a:headEnd type="none" w="med" len="med"/>
+                      <a:tailEnd type="none" w="med" len="med"/>
+                    </a:lnL>
+                    <a:lnR w="12700" cap="flat" cmpd="sng" algn="ctr">
+                      <a:solidFill>
+                        <a:schemeClr val="tx1"/>
+                      </a:solidFill>
+                      <a:prstDash val="solid"/>
+                      <a:round/>
+                      <a:headEnd type="none" w="med" len="med"/>
+                      <a:tailEnd type="none" w="med" len="med"/>
+                    </a:lnR>
+                    <a:lnT w="12700" cap="flat" cmpd="sng" algn="ctr">
+                      <a:solidFill>
+                        <a:schemeClr val="tx1"/>
+                      </a:solidFill>
+                      <a:prstDash val="solid"/>
+                      <a:round/>
+                      <a:headEnd type="none" w="med" len="med"/>
+                      <a:tailEnd type="none" w="med" len="med"/>
+                    </a:lnT>
+                    <a:lnB w="12700" cap="flat" cmpd="sng" algn="ctr">
+                      <a:solidFill>
+                        <a:schemeClr val="tx1"/>
+                      </a:solidFill>
+                      <a:prstDash val="solid"/>
+                      <a:round/>
+                      <a:headEnd type="none" w="med" len="med"/>
+                      <a:tailEnd type="none" w="med" len="med"/>
+                    </a:lnB>
+                  </a:tcPr>
+                </a:tc>
+                <a:extLst>
+                  <a:ext uri="{0D108BD9-81ED-4DB2-BD59-A6C34878D82A}">
+                    <a16:rowId xmlns:a16="http://schemas.microsoft.com/office/drawing/2014/main" val="10000"/>
+                  </a:ext>
+                </a:extLst>
+              </a:tr>
+              <a:tr h="300000">
+                <a:tc>
+                  <a:txBody>
+                    <a:bodyPr/>
+                    <a:lstStyle/>
+                    <a:p>
+                      <a:pPr algn="ctr"/>
+                      <a:r>
+                        <a:rPr lang="en-US" altLang="zh-CN" sz="1400" dirty="0">
+                          <a:latin typeface="Times New Roman" panose="02020603050405020304" pitchFamily="18" charset="0"/>
+                          <a:cs typeface="Times New Roman" panose="02020603050405020304" pitchFamily="18" charset="0"/>
+                        </a:rPr>
+                        <a:t>A</a:t>
+                      </a:r>
+                      <a:endParaRPr lang="zh-CN" altLang="en-US" sz="1400" dirty="0">
+                        <a:latin typeface="Times New Roman" panose="02020603050405020304" pitchFamily="18" charset="0"/>
+                        <a:cs typeface="Times New Roman" panose="02020603050405020304" pitchFamily="18" charset="0"/>
+                      </a:endParaRPr>
+                    </a:p>
+                  </a:txBody>
+                  <a:tcPr>
+                    <a:lnL w="12700" cap="flat" cmpd="sng" algn="ctr">
+                      <a:solidFill>
+                        <a:schemeClr val="tx1"/>
+                      </a:solidFill>
+                      <a:prstDash val="solid"/>
+                      <a:round/>
+                      <a:headEnd type="none" w="med" len="med"/>
+                      <a:tailEnd type="none" w="med" len="med"/>
+                    </a:lnL>
+                    <a:lnR w="12700" cap="flat" cmpd="sng" algn="ctr">
+                      <a:solidFill>
+                        <a:schemeClr val="tx1"/>
+                      </a:solidFill>
+                      <a:prstDash val="solid"/>
+                      <a:round/>
+                      <a:headEnd type="none" w="med" len="med"/>
+                      <a:tailEnd type="none" w="med" len="med"/>
+                    </a:lnR>
+                    <a:lnT w="12700" cap="flat" cmpd="sng" algn="ctr">
+                      <a:solidFill>
+                        <a:schemeClr val="tx1"/>
+                      </a:solidFill>
+                      <a:prstDash val="solid"/>
+                      <a:round/>
+                      <a:headEnd type="none" w="med" len="med"/>
+                      <a:tailEnd type="none" w="med" len="med"/>
+                    </a:lnT>
+                    <a:lnB w="12700" cap="flat" cmpd="sng" algn="ctr">
+                      <a:solidFill>
+                        <a:schemeClr val="tx1"/>
+                      </a:solidFill>
+                      <a:prstDash val="solid"/>
+                      <a:round/>
+                      <a:headEnd type="none" w="med" len="med"/>
+                      <a:tailEnd type="none" w="med" len="med"/>
+                    </a:lnB>
+                  </a:tcPr>
+                </a:tc>
+                <a:tc>
+                  <a:txBody>
+                    <a:bodyPr/>
+                    <a:lstStyle/>
+                    <a:p>
+                      <a:pPr algn="ctr"/>
+                      <a:r>
+                        <a:rPr lang="en-US" altLang="zh-CN" sz="1400" dirty="0">
+                          <a:latin typeface="Times New Roman" panose="02020603050405020304" pitchFamily="18" charset="0"/>
+                          <a:cs typeface="Times New Roman" panose="02020603050405020304" pitchFamily="18" charset="0"/>
+                        </a:rPr>
+                        <a:t>4</a:t>
+                      </a:r>
+                      <a:endParaRPr lang="zh-CN" altLang="en-US" sz="1400" dirty="0">
+                        <a:latin typeface="Times New Roman" panose="02020603050405020304" pitchFamily="18" charset="0"/>
+                        <a:cs typeface="Times New Roman" panose="02020603050405020304" pitchFamily="18" charset="0"/>
+                      </a:endParaRPr>
+                    </a:p>
+                  </a:txBody>
+                  <a:tcPr>
+                    <a:lnL w="12700" cap="flat" cmpd="sng" algn="ctr">
+                      <a:solidFill>
+                        <a:schemeClr val="tx1"/>
+                      </a:solidFill>
+                      <a:prstDash val="solid"/>
+                      <a:round/>
+                      <a:headEnd type="none" w="med" len="med"/>
+                      <a:tailEnd type="none" w="med" len="med"/>
+                    </a:lnL>
+                    <a:lnR w="12700" cap="flat" cmpd="sng" algn="ctr">
+                      <a:solidFill>
+                        <a:schemeClr val="tx1"/>
+                      </a:solidFill>
+                      <a:prstDash val="solid"/>
+                      <a:round/>
+                      <a:headEnd type="none" w="med" len="med"/>
+                      <a:tailEnd type="none" w="med" len="med"/>
+                    </a:lnR>
+                    <a:lnT w="12700" cap="flat" cmpd="sng" algn="ctr">
+                      <a:solidFill>
+                        <a:schemeClr val="tx1"/>
+                      </a:solidFill>
+                      <a:prstDash val="solid"/>
+                      <a:round/>
+                      <a:headEnd type="none" w="med" len="med"/>
+                      <a:tailEnd type="none" w="med" len="med"/>
+                    </a:lnT>
+                    <a:lnB w="12700" cap="flat" cmpd="sng" algn="ctr">
+                      <a:solidFill>
+                        <a:schemeClr val="tx1"/>
+                      </a:solidFill>
+                      <a:prstDash val="solid"/>
+                      <a:round/>
+                      <a:headEnd type="none" w="med" len="med"/>
+                      <a:tailEnd type="none" w="med" len="med"/>
+                    </a:lnB>
+                  </a:tcPr>
+                </a:tc>
+                <a:tc>
+                  <a:txBody>
+                    <a:bodyPr/>
+                    <a:lstStyle/>
+                    <a:p>
+                      <a:pPr algn="ctr"/>
+                      <a:r>
+                        <a:rPr lang="en-US" altLang="zh-CN" sz="1400" dirty="0">
+                          <a:latin typeface="Times New Roman" panose="02020603050405020304" pitchFamily="18" charset="0"/>
+                          <a:cs typeface="Times New Roman" panose="02020603050405020304" pitchFamily="18" charset="0"/>
+                        </a:rPr>
+                        <a:t>5</a:t>
+                      </a:r>
+                      <a:endParaRPr lang="zh-CN" altLang="en-US" sz="1400" dirty="0">
+                        <a:latin typeface="Times New Roman" panose="02020603050405020304" pitchFamily="18" charset="0"/>
+                        <a:cs typeface="Times New Roman" panose="02020603050405020304" pitchFamily="18" charset="0"/>
+                      </a:endParaRPr>
+                    </a:p>
+                  </a:txBody>
+                  <a:tcPr>
+                    <a:lnL w="12700" cap="flat" cmpd="sng" algn="ctr">
+                      <a:solidFill>
+                        <a:schemeClr val="tx1"/>
+                      </a:solidFill>
+                      <a:prstDash val="solid"/>
+                      <a:round/>
+                      <a:headEnd type="none" w="med" len="med"/>
+                      <a:tailEnd type="none" w="med" len="med"/>
+                    </a:lnL>
+                    <a:lnR w="12700" cap="flat" cmpd="sng" algn="ctr">
+                      <a:solidFill>
+                        <a:schemeClr val="tx1"/>
+                      </a:solidFill>
+                      <a:prstDash val="solid"/>
+                      <a:round/>
+                      <a:headEnd type="none" w="med" len="med"/>
+                      <a:tailEnd type="none" w="med" len="med"/>
+                    </a:lnR>
+                    <a:lnT w="12700" cap="flat" cmpd="sng" algn="ctr">
+                      <a:solidFill>
+                        <a:schemeClr val="tx1"/>
+                      </a:solidFill>
+                      <a:prstDash val="solid"/>
+                      <a:round/>
+                      <a:headEnd type="none" w="med" len="med"/>
+                      <a:tailEnd type="none" w="med" len="med"/>
+                    </a:lnT>
+                    <a:lnB w="12700" cap="flat" cmpd="sng" algn="ctr">
+                      <a:solidFill>
+                        <a:schemeClr val="tx1"/>
+                      </a:solidFill>
+                      <a:prstDash val="solid"/>
+                      <a:round/>
+                      <a:headEnd type="none" w="med" len="med"/>
+                      <a:tailEnd type="none" w="med" len="med"/>
+                    </a:lnB>
+                  </a:tcPr>
+                </a:tc>
+                <a:tc>
+                  <a:txBody>
+                    <a:bodyPr/>
+                    <a:lstStyle/>
+                    <a:p>
+                      <a:pPr algn="ctr"/>
+                      <a:r>
+                        <a:rPr lang="en-US" altLang="zh-CN" sz="1400" dirty="0">
+                          <a:latin typeface="Times New Roman" panose="02020603050405020304" pitchFamily="18" charset="0"/>
+                          <a:cs typeface="Times New Roman" panose="02020603050405020304" pitchFamily="18" charset="0"/>
+                        </a:rPr>
+                        <a:t>4</a:t>
+                      </a:r>
+                      <a:endParaRPr lang="zh-CN" altLang="en-US" sz="1400" dirty="0">
+                        <a:latin typeface="Times New Roman" panose="02020603050405020304" pitchFamily="18" charset="0"/>
+                        <a:cs typeface="Times New Roman" panose="02020603050405020304" pitchFamily="18" charset="0"/>
+                      </a:endParaRPr>
+                    </a:p>
+                  </a:txBody>
+                  <a:tcPr>
+                    <a:lnL w="12700" cap="flat" cmpd="sng" algn="ctr">
+                      <a:solidFill>
+                        <a:schemeClr val="tx1"/>
+                      </a:solidFill>
+                      <a:prstDash val="solid"/>
+                      <a:round/>
+                      <a:headEnd type="none" w="med" len="med"/>
+                      <a:tailEnd type="none" w="med" len="med"/>
+                    </a:lnL>
+                    <a:lnR w="12700" cap="flat" cmpd="sng" algn="ctr">
+                      <a:solidFill>
+                        <a:schemeClr val="tx1"/>
+                      </a:solidFill>
+                      <a:prstDash val="solid"/>
+                      <a:round/>
+                      <a:headEnd type="none" w="med" len="med"/>
+                      <a:tailEnd type="none" w="med" len="med"/>
+                    </a:lnR>
+                    <a:lnT w="12700" cap="flat" cmpd="sng" algn="ctr">
+                      <a:solidFill>
+                        <a:schemeClr val="tx1"/>
+                      </a:solidFill>
+                      <a:prstDash val="solid"/>
+                      <a:round/>
+                      <a:headEnd type="none" w="med" len="med"/>
+                      <a:tailEnd type="none" w="med" len="med"/>
+                    </a:lnT>
+                    <a:lnB w="12700" cap="flat" cmpd="sng" algn="ctr">
+                      <a:solidFill>
+                        <a:schemeClr val="tx1"/>
+                      </a:solidFill>
+                      <a:prstDash val="solid"/>
+                      <a:round/>
+                      <a:headEnd type="none" w="med" len="med"/>
+                      <a:tailEnd type="none" w="med" len="med"/>
+                    </a:lnB>
+                  </a:tcPr>
+                </a:tc>
+                <a:tc>
+                  <a:txBody>
+                    <a:bodyPr/>
+                    <a:lstStyle/>
+                    <a:p>
+                      <a:pPr algn="ctr"/>
+                      <a:r>
+                        <a:rPr lang="en-US" altLang="zh-CN" sz="1400" dirty="0">
+                          <a:latin typeface="Times New Roman" panose="02020603050405020304" pitchFamily="18" charset="0"/>
+                          <a:cs typeface="Times New Roman" panose="02020603050405020304" pitchFamily="18" charset="0"/>
+                        </a:rPr>
+                        <a:t>1</a:t>
+                      </a:r>
+                      <a:endParaRPr lang="zh-CN" altLang="en-US" sz="1400" dirty="0">
+                        <a:latin typeface="Times New Roman" panose="02020603050405020304" pitchFamily="18" charset="0"/>
+                        <a:cs typeface="Times New Roman" panose="02020603050405020304" pitchFamily="18" charset="0"/>
+                      </a:endParaRPr>
+                    </a:p>
+                  </a:txBody>
+                  <a:tcPr>
+                    <a:lnL w="12700" cap="flat" cmpd="sng" algn="ctr">
+                      <a:solidFill>
+                        <a:schemeClr val="tx1"/>
+                      </a:solidFill>
+                      <a:prstDash val="solid"/>
+                      <a:round/>
+                      <a:headEnd type="none" w="med" len="med"/>
+                      <a:tailEnd type="none" w="med" len="med"/>
+                    </a:lnL>
+                    <a:lnR w="12700" cap="flat" cmpd="sng" algn="ctr">
+                      <a:solidFill>
+                        <a:schemeClr val="tx1"/>
+                      </a:solidFill>
+                      <a:prstDash val="solid"/>
+                      <a:round/>
+                      <a:headEnd type="none" w="med" len="med"/>
+                      <a:tailEnd type="none" w="med" len="med"/>
+                    </a:lnR>
+                    <a:lnT w="12700" cap="flat" cmpd="sng" algn="ctr">
+                      <a:solidFill>
+                        <a:schemeClr val="tx1"/>
+                      </a:solidFill>
+                      <a:prstDash val="solid"/>
+                      <a:round/>
+                      <a:headEnd type="none" w="med" len="med"/>
+                      <a:tailEnd type="none" w="med" len="med"/>
+                    </a:lnT>
+                    <a:lnB w="12700" cap="flat" cmpd="sng" algn="ctr">
+                      <a:solidFill>
+                        <a:schemeClr val="tx1"/>
+                      </a:solidFill>
+                      <a:prstDash val="solid"/>
+                      <a:round/>
+                      <a:headEnd type="none" w="med" len="med"/>
+                      <a:tailEnd type="none" w="med" len="med"/>
+                    </a:lnB>
+                  </a:tcPr>
+                </a:tc>
+                <a:tc>
+                  <a:txBody>
+                    <a:bodyPr/>
+                    <a:lstStyle/>
+                    <a:p>
+                      <a:pPr algn="ctr"/>
+                      <a:r>
+                        <a:rPr lang="en-US" altLang="zh-CN" sz="1400" dirty="0">
+                          <a:latin typeface="Times New Roman" panose="02020603050405020304" pitchFamily="18" charset="0"/>
+                          <a:cs typeface="Times New Roman" panose="02020603050405020304" pitchFamily="18" charset="0"/>
+                        </a:rPr>
+                        <a:t>1</a:t>
+                      </a:r>
+                      <a:endParaRPr lang="zh-CN" altLang="en-US" sz="1400" dirty="0">
+                        <a:latin typeface="Times New Roman" panose="02020603050405020304" pitchFamily="18" charset="0"/>
+                        <a:cs typeface="Times New Roman" panose="02020603050405020304" pitchFamily="18" charset="0"/>
+                      </a:endParaRPr>
+                    </a:p>
+                  </a:txBody>
+                  <a:tcPr>
+                    <a:lnL w="12700" cap="flat" cmpd="sng" algn="ctr">
+                      <a:solidFill>
+                        <a:schemeClr val="tx1"/>
+                      </a:solidFill>
+                      <a:prstDash val="solid"/>
+                      <a:round/>
+                      <a:headEnd type="none" w="med" len="med"/>
+                      <a:tailEnd type="none" w="med" len="med"/>
+                    </a:lnL>
+                    <a:lnR w="12700" cap="flat" cmpd="sng" algn="ctr">
+                      <a:solidFill>
+                        <a:schemeClr val="tx1"/>
+                      </a:solidFill>
+                      <a:prstDash val="solid"/>
+                      <a:round/>
+                      <a:headEnd type="none" w="med" len="med"/>
+                      <a:tailEnd type="none" w="med" len="med"/>
+                    </a:lnR>
+                    <a:lnT w="12700" cap="flat" cmpd="sng" algn="ctr">
+                      <a:solidFill>
+                        <a:schemeClr val="tx1"/>
+                      </a:solidFill>
+                      <a:prstDash val="solid"/>
+                      <a:round/>
+                      <a:headEnd type="none" w="med" len="med"/>
+                      <a:tailEnd type="none" w="med" len="med"/>
+                    </a:lnT>
+                    <a:lnB w="12700" cap="flat" cmpd="sng" algn="ctr">
+                      <a:solidFill>
+                        <a:schemeClr val="tx1"/>
+                      </a:solidFill>
+                      <a:prstDash val="solid"/>
+                      <a:round/>
+                      <a:headEnd type="none" w="med" len="med"/>
+                      <a:tailEnd type="none" w="med" len="med"/>
+                    </a:lnB>
+                  </a:tcPr>
+                </a:tc>
+                <a:extLst>
+                  <a:ext uri="{0D108BD9-81ED-4DB2-BD59-A6C34878D82A}">
+                    <a16:rowId xmlns:a16="http://schemas.microsoft.com/office/drawing/2014/main" val="10001"/>
+                  </a:ext>
+                </a:extLst>
+              </a:tr>
+              <a:tr h="300000">
+                <a:tc>
+                  <a:txBody>
+                    <a:bodyPr/>
+                    <a:lstStyle/>
+                    <a:p>
+                      <a:pPr algn="ctr"/>
+                      <a:r>
+                        <a:rPr lang="en-US" altLang="zh-CN" sz="1400" dirty="0">
+                          <a:latin typeface="Times New Roman" panose="02020603050405020304" pitchFamily="18" charset="0"/>
+                          <a:cs typeface="Times New Roman" panose="02020603050405020304" pitchFamily="18" charset="0"/>
+                        </a:rPr>
+                        <a:t>B</a:t>
+                      </a:r>
+                      <a:endParaRPr lang="zh-CN" altLang="en-US" sz="1400" dirty="0">
+                        <a:latin typeface="Times New Roman" panose="02020603050405020304" pitchFamily="18" charset="0"/>
+                        <a:cs typeface="Times New Roman" panose="02020603050405020304" pitchFamily="18" charset="0"/>
+                      </a:endParaRPr>
+                    </a:p>
+                  </a:txBody>
+                  <a:tcPr>
+                    <a:lnL w="12700" cap="flat" cmpd="sng" algn="ctr">
+                      <a:solidFill>
+                        <a:schemeClr val="tx1"/>
+                      </a:solidFill>
+                      <a:prstDash val="solid"/>
+                      <a:round/>
+                      <a:headEnd type="none" w="med" len="med"/>
+                      <a:tailEnd type="none" w="med" len="med"/>
+                    </a:lnL>
+                    <a:lnR w="12700" cap="flat" cmpd="sng" algn="ctr">
+                      <a:solidFill>
+                        <a:schemeClr val="tx1"/>
+                      </a:solidFill>
+                      <a:prstDash val="solid"/>
+                      <a:round/>
+                      <a:headEnd type="none" w="med" len="med"/>
+                      <a:tailEnd type="none" w="med" len="med"/>
+                    </a:lnR>
+                    <a:lnT w="12700" cap="flat" cmpd="sng" algn="ctr">
+                      <a:solidFill>
+                        <a:schemeClr val="tx1"/>
+                      </a:solidFill>
+                      <a:prstDash val="solid"/>
+                      <a:round/>
+                      <a:headEnd type="none" w="med" len="med"/>
+                      <a:tailEnd type="none" w="med" len="med"/>
+                    </a:lnT>
+                    <a:lnB w="12700" cap="flat" cmpd="sng" algn="ctr">
+                      <a:solidFill>
+                        <a:schemeClr val="tx1"/>
+                      </a:solidFill>
+                      <a:prstDash val="solid"/>
+                      <a:round/>
+                      <a:headEnd type="none" w="med" len="med"/>
+                      <a:tailEnd type="none" w="med" len="med"/>
+                    </a:lnB>
+                  </a:tcPr>
+                </a:tc>
+                <a:tc>
+                  <a:txBody>
+                    <a:bodyPr/>
+                    <a:lstStyle/>
+                    <a:p>
+                      <a:pPr algn="ctr"/>
+                      <a:r>
+                        <a:rPr lang="en-US" altLang="zh-CN" sz="1400" dirty="0">
+                          <a:latin typeface="Times New Roman" panose="02020603050405020304" pitchFamily="18" charset="0"/>
+                          <a:cs typeface="Times New Roman" panose="02020603050405020304" pitchFamily="18" charset="0"/>
+                        </a:rPr>
+                        <a:t>1</a:t>
+                      </a:r>
+                      <a:endParaRPr lang="zh-CN" altLang="en-US" sz="1400" dirty="0">
+                        <a:latin typeface="Times New Roman" panose="02020603050405020304" pitchFamily="18" charset="0"/>
+                        <a:cs typeface="Times New Roman" panose="02020603050405020304" pitchFamily="18" charset="0"/>
+                      </a:endParaRPr>
+                    </a:p>
+                  </a:txBody>
+                  <a:tcPr>
+                    <a:lnL w="12700" cap="flat" cmpd="sng" algn="ctr">
+                      <a:solidFill>
+                        <a:schemeClr val="tx1"/>
+                      </a:solidFill>
+                      <a:prstDash val="solid"/>
+                      <a:round/>
+                      <a:headEnd type="none" w="med" len="med"/>
+                      <a:tailEnd type="none" w="med" len="med"/>
+                    </a:lnL>
+                    <a:lnR w="12700" cap="flat" cmpd="sng" algn="ctr">
+                      <a:solidFill>
+                        <a:schemeClr val="tx1"/>
+                      </a:solidFill>
+                      <a:prstDash val="solid"/>
+                      <a:round/>
+                      <a:headEnd type="none" w="med" len="med"/>
+                      <a:tailEnd type="none" w="med" len="med"/>
+                    </a:lnR>
+                    <a:lnT w="12700" cap="flat" cmpd="sng" algn="ctr">
+                      <a:solidFill>
+                        <a:schemeClr val="tx1"/>
+                      </a:solidFill>
+                      <a:prstDash val="solid"/>
+                      <a:round/>
+                      <a:headEnd type="none" w="med" len="med"/>
+                      <a:tailEnd type="none" w="med" len="med"/>
+                    </a:lnT>
+                    <a:lnB w="12700" cap="flat" cmpd="sng" algn="ctr">
+                      <a:solidFill>
+                        <a:schemeClr val="tx1"/>
+                      </a:solidFill>
+                      <a:prstDash val="solid"/>
+                      <a:round/>
+                      <a:headEnd type="none" w="med" len="med"/>
+                      <a:tailEnd type="none" w="med" len="med"/>
+                    </a:lnB>
+                  </a:tcPr>
+                </a:tc>
+                <a:tc>
+                  <a:txBody>
+                    <a:bodyPr/>
+                    <a:lstStyle/>
+                    <a:p>
+                      <a:pPr algn="ctr"/>
+                      <a:r>
+                        <a:rPr lang="en-US" altLang="zh-CN" sz="1400" dirty="0">
+                          <a:latin typeface="Times New Roman" panose="02020603050405020304" pitchFamily="18" charset="0"/>
+                          <a:cs typeface="Times New Roman" panose="02020603050405020304" pitchFamily="18" charset="0"/>
+                        </a:rPr>
+                        <a:t>2</a:t>
+                      </a:r>
+                      <a:endParaRPr lang="zh-CN" altLang="en-US" sz="1400" dirty="0">
+                        <a:latin typeface="Times New Roman" panose="02020603050405020304" pitchFamily="18" charset="0"/>
+                        <a:cs typeface="Times New Roman" panose="02020603050405020304" pitchFamily="18" charset="0"/>
+                      </a:endParaRPr>
+                    </a:p>
+                  </a:txBody>
+                  <a:tcPr>
+                    <a:lnL w="12700" cap="flat" cmpd="sng" algn="ctr">
+                      <a:solidFill>
+                        <a:schemeClr val="tx1"/>
+                      </a:solidFill>
+                      <a:prstDash val="solid"/>
+                      <a:round/>
+                      <a:headEnd type="none" w="med" len="med"/>
+                      <a:tailEnd type="none" w="med" len="med"/>
+                    </a:lnL>
+                    <a:lnR w="12700" cap="flat" cmpd="sng" algn="ctr">
+                      <a:solidFill>
+                        <a:schemeClr val="tx1"/>
+                      </a:solidFill>
+                      <a:prstDash val="solid"/>
+                      <a:round/>
+                      <a:headEnd type="none" w="med" len="med"/>
+                      <a:tailEnd type="none" w="med" len="med"/>
+                    </a:lnR>
+                    <a:lnT w="12700" cap="flat" cmpd="sng" algn="ctr">
+                      <a:solidFill>
+                        <a:schemeClr val="tx1"/>
+                      </a:solidFill>
+                      <a:prstDash val="solid"/>
+                      <a:round/>
+                      <a:headEnd type="none" w="med" len="med"/>
+                      <a:tailEnd type="none" w="med" len="med"/>
+                    </a:lnT>
+                    <a:lnB w="12700" cap="flat" cmpd="sng" algn="ctr">
+                      <a:solidFill>
+                        <a:schemeClr val="tx1"/>
+                      </a:solidFill>
+                      <a:prstDash val="solid"/>
+                      <a:round/>
+                      <a:headEnd type="none" w="med" len="med"/>
+                      <a:tailEnd type="none" w="med" len="med"/>
+                    </a:lnB>
+                  </a:tcPr>
+                </a:tc>
+                <a:tc>
+                  <a:txBody>
+                    <a:bodyPr/>
+                    <a:lstStyle/>
+                    <a:p>
+                      <a:pPr algn="ctr"/>
+                      <a:endParaRPr lang="zh-CN" altLang="en-US" sz="1400" dirty="0">
+                        <a:latin typeface="Times New Roman" panose="02020603050405020304" pitchFamily="18" charset="0"/>
+                        <a:cs typeface="Times New Roman" panose="02020603050405020304" pitchFamily="18" charset="0"/>
+                      </a:endParaRPr>
+                    </a:p>
+                  </a:txBody>
+                  <a:tcPr>
+                    <a:lnL w="12700" cap="flat" cmpd="sng" algn="ctr">
+                      <a:solidFill>
+                        <a:schemeClr val="tx1"/>
+                      </a:solidFill>
+                      <a:prstDash val="solid"/>
+                      <a:round/>
+                      <a:headEnd type="none" w="med" len="med"/>
+                      <a:tailEnd type="none" w="med" len="med"/>
+                    </a:lnL>
+                    <a:lnR w="12700" cap="flat" cmpd="sng" algn="ctr">
+                      <a:solidFill>
+                        <a:schemeClr val="tx1"/>
+                      </a:solidFill>
+                      <a:prstDash val="solid"/>
+                      <a:round/>
+                      <a:headEnd type="none" w="med" len="med"/>
+                      <a:tailEnd type="none" w="med" len="med"/>
+                    </a:lnR>
+                    <a:lnT w="12700" cap="flat" cmpd="sng" algn="ctr">
+                      <a:solidFill>
+                        <a:schemeClr val="tx1"/>
+                      </a:solidFill>
+                      <a:prstDash val="solid"/>
+                      <a:round/>
+                      <a:headEnd type="none" w="med" len="med"/>
+                      <a:tailEnd type="none" w="med" len="med"/>
+                    </a:lnT>
+                    <a:lnB w="12700" cap="flat" cmpd="sng" algn="ctr">
+                      <a:solidFill>
+                        <a:schemeClr val="tx1"/>
+                      </a:solidFill>
+                      <a:prstDash val="solid"/>
+                      <a:round/>
+                      <a:headEnd type="none" w="med" len="med"/>
+                      <a:tailEnd type="none" w="med" len="med"/>
+                    </a:lnB>
+                  </a:tcPr>
+                </a:tc>
+                <a:tc>
+                  <a:txBody>
+                    <a:bodyPr/>
+                    <a:lstStyle/>
+                    <a:p>
+                      <a:pPr algn="ctr"/>
+                      <a:r>
+                        <a:rPr lang="en-US" altLang="zh-CN" sz="1400" dirty="0">
+                          <a:latin typeface="Times New Roman" panose="02020603050405020304" pitchFamily="18" charset="0"/>
+                          <a:cs typeface="Times New Roman" panose="02020603050405020304" pitchFamily="18" charset="0"/>
+                        </a:rPr>
+                        <a:t>5</a:t>
+                      </a:r>
+                      <a:endParaRPr lang="zh-CN" altLang="en-US" sz="1400" dirty="0">
+                        <a:latin typeface="Times New Roman" panose="02020603050405020304" pitchFamily="18" charset="0"/>
+                        <a:cs typeface="Times New Roman" panose="02020603050405020304" pitchFamily="18" charset="0"/>
+                      </a:endParaRPr>
+                    </a:p>
+                  </a:txBody>
+                  <a:tcPr>
+                    <a:lnL w="12700" cap="flat" cmpd="sng" algn="ctr">
+                      <a:solidFill>
+                        <a:schemeClr val="tx1"/>
+                      </a:solidFill>
+                      <a:prstDash val="solid"/>
+                      <a:round/>
+                      <a:headEnd type="none" w="med" len="med"/>
+                      <a:tailEnd type="none" w="med" len="med"/>
+                    </a:lnL>
+                    <a:lnR w="12700" cap="flat" cmpd="sng" algn="ctr">
+                      <a:solidFill>
+                        <a:schemeClr val="tx1"/>
+                      </a:solidFill>
+                      <a:prstDash val="solid"/>
+                      <a:round/>
+                      <a:headEnd type="none" w="med" len="med"/>
+                      <a:tailEnd type="none" w="med" len="med"/>
+                    </a:lnR>
+                    <a:lnT w="12700" cap="flat" cmpd="sng" algn="ctr">
+                      <a:solidFill>
+                        <a:schemeClr val="tx1"/>
+                      </a:solidFill>
+                      <a:prstDash val="solid"/>
+                      <a:round/>
+                      <a:headEnd type="none" w="med" len="med"/>
+                      <a:tailEnd type="none" w="med" len="med"/>
+                    </a:lnT>
+                    <a:lnB w="12700" cap="flat" cmpd="sng" algn="ctr">
+                      <a:solidFill>
+                        <a:schemeClr val="tx1"/>
+                      </a:solidFill>
+                      <a:prstDash val="solid"/>
+                      <a:round/>
+                      <a:headEnd type="none" w="med" len="med"/>
+                      <a:tailEnd type="none" w="med" len="med"/>
+                    </a:lnB>
+                  </a:tcPr>
+                </a:tc>
+                <a:tc>
+                  <a:txBody>
+                    <a:bodyPr/>
+                    <a:lstStyle/>
+                    <a:p>
+                      <a:pPr algn="ctr"/>
+                      <a:r>
+                        <a:rPr lang="en-US" altLang="zh-CN" sz="1400" dirty="0">
+                          <a:latin typeface="Times New Roman" panose="02020603050405020304" pitchFamily="18" charset="0"/>
+                          <a:cs typeface="Times New Roman" panose="02020603050405020304" pitchFamily="18" charset="0"/>
+                        </a:rPr>
+                        <a:t>4</a:t>
+                      </a:r>
+                      <a:endParaRPr lang="zh-CN" altLang="en-US" sz="1400" dirty="0">
+                        <a:latin typeface="Times New Roman" panose="02020603050405020304" pitchFamily="18" charset="0"/>
+                        <a:cs typeface="Times New Roman" panose="02020603050405020304" pitchFamily="18" charset="0"/>
+                      </a:endParaRPr>
+                    </a:p>
+                  </a:txBody>
+                  <a:tcPr>
+                    <a:lnL w="12700" cap="flat" cmpd="sng" algn="ctr">
+                      <a:solidFill>
+                        <a:schemeClr val="tx1"/>
+                      </a:solidFill>
+                      <a:prstDash val="solid"/>
+                      <a:round/>
+                      <a:headEnd type="none" w="med" len="med"/>
+                      <a:tailEnd type="none" w="med" len="med"/>
+                    </a:lnL>
+                    <a:lnR w="12700" cap="flat" cmpd="sng" algn="ctr">
+                      <a:solidFill>
+                        <a:schemeClr val="tx1"/>
+                      </a:solidFill>
+                      <a:prstDash val="solid"/>
+                      <a:round/>
+                      <a:headEnd type="none" w="med" len="med"/>
+                      <a:tailEnd type="none" w="med" len="med"/>
+                    </a:lnR>
+                    <a:lnT w="12700" cap="flat" cmpd="sng" algn="ctr">
+                      <a:solidFill>
+                        <a:schemeClr val="tx1"/>
+                      </a:solidFill>
+                      <a:prstDash val="solid"/>
+                      <a:round/>
+                      <a:headEnd type="none" w="med" len="med"/>
+                      <a:tailEnd type="none" w="med" len="med"/>
+                    </a:lnT>
+                    <a:lnB w="12700" cap="flat" cmpd="sng" algn="ctr">
+                      <a:solidFill>
+                        <a:schemeClr val="tx1"/>
+                      </a:solidFill>
+                      <a:prstDash val="solid"/>
+                      <a:round/>
+                      <a:headEnd type="none" w="med" len="med"/>
+                      <a:tailEnd type="none" w="med" len="med"/>
+                    </a:lnB>
+                  </a:tcPr>
+                </a:tc>
+                <a:extLst>
+                  <a:ext uri="{0D108BD9-81ED-4DB2-BD59-A6C34878D82A}">
+                    <a16:rowId xmlns:a16="http://schemas.microsoft.com/office/drawing/2014/main" val="10002"/>
+                  </a:ext>
+                </a:extLst>
+              </a:tr>
+              <a:tr h="300000">
+                <a:tc>
+                  <a:txBody>
+                    <a:bodyPr/>
+                    <a:lstStyle/>
+                    <a:p>
+                      <a:pPr algn="ctr"/>
+                      <a:r>
+                        <a:rPr lang="en-US" altLang="zh-CN" sz="1400" dirty="0">
+                          <a:latin typeface="Times New Roman" panose="02020603050405020304" pitchFamily="18" charset="0"/>
+                          <a:cs typeface="Times New Roman" panose="02020603050405020304" pitchFamily="18" charset="0"/>
+                        </a:rPr>
+                        <a:t>C</a:t>
+                      </a:r>
+                      <a:endParaRPr lang="zh-CN" altLang="en-US" sz="1400" dirty="0">
+                        <a:latin typeface="Times New Roman" panose="02020603050405020304" pitchFamily="18" charset="0"/>
+                        <a:cs typeface="Times New Roman" panose="02020603050405020304" pitchFamily="18" charset="0"/>
+                      </a:endParaRPr>
+                    </a:p>
+                  </a:txBody>
+                  <a:tcPr>
+                    <a:lnL w="12700" cap="flat" cmpd="sng" algn="ctr">
+                      <a:solidFill>
+                        <a:schemeClr val="tx1"/>
+                      </a:solidFill>
+                      <a:prstDash val="solid"/>
+                      <a:round/>
+                      <a:headEnd type="none" w="med" len="med"/>
+                      <a:tailEnd type="none" w="med" len="med"/>
+                    </a:lnL>
+                    <a:lnR w="12700" cap="flat" cmpd="sng" algn="ctr">
+                      <a:solidFill>
+                        <a:schemeClr val="tx1"/>
+                      </a:solidFill>
+                      <a:prstDash val="solid"/>
+                      <a:round/>
+                      <a:headEnd type="none" w="med" len="med"/>
+                      <a:tailEnd type="none" w="med" len="med"/>
+                    </a:lnR>
+                    <a:lnT w="12700" cap="flat" cmpd="sng" algn="ctr">
+                      <a:solidFill>
+                        <a:schemeClr val="tx1"/>
+                      </a:solidFill>
+                      <a:prstDash val="solid"/>
+                      <a:round/>
+                      <a:headEnd type="none" w="med" len="med"/>
+                      <a:tailEnd type="none" w="med" len="med"/>
+                    </a:lnT>
+                    <a:lnB w="12700" cap="flat" cmpd="sng" algn="ctr">
+                      <a:solidFill>
+                        <a:schemeClr val="tx1"/>
+                      </a:solidFill>
+                      <a:prstDash val="solid"/>
+                      <a:round/>
+                      <a:headEnd type="none" w="med" len="med"/>
+                      <a:tailEnd type="none" w="med" len="med"/>
+                    </a:lnB>
+                  </a:tcPr>
+                </a:tc>
+                <a:tc>
+                  <a:txBody>
+                    <a:bodyPr/>
+                    <a:lstStyle/>
+                    <a:p>
+                      <a:pPr algn="ctr"/>
+                      <a:endParaRPr lang="zh-CN" altLang="en-US" sz="1400" dirty="0">
+                        <a:latin typeface="Times New Roman" panose="02020603050405020304" pitchFamily="18" charset="0"/>
+                        <a:cs typeface="Times New Roman" panose="02020603050405020304" pitchFamily="18" charset="0"/>
+                      </a:endParaRPr>
+                    </a:p>
+                  </a:txBody>
+                  <a:tcPr>
+                    <a:lnL w="12700" cap="flat" cmpd="sng" algn="ctr">
+                      <a:solidFill>
+                        <a:schemeClr val="tx1"/>
+                      </a:solidFill>
+                      <a:prstDash val="solid"/>
+                      <a:round/>
+                      <a:headEnd type="none" w="med" len="med"/>
+                      <a:tailEnd type="none" w="med" len="med"/>
+                    </a:lnL>
+                    <a:lnR w="12700" cap="flat" cmpd="sng" algn="ctr">
+                      <a:solidFill>
+                        <a:schemeClr val="tx1"/>
+                      </a:solidFill>
+                      <a:prstDash val="solid"/>
+                      <a:round/>
+                      <a:headEnd type="none" w="med" len="med"/>
+                      <a:tailEnd type="none" w="med" len="med"/>
+                    </a:lnR>
+                    <a:lnT w="12700" cap="flat" cmpd="sng" algn="ctr">
+                      <a:solidFill>
+                        <a:schemeClr val="tx1"/>
+                      </a:solidFill>
+                      <a:prstDash val="solid"/>
+                      <a:round/>
+                      <a:headEnd type="none" w="med" len="med"/>
+                      <a:tailEnd type="none" w="med" len="med"/>
+                    </a:lnT>
+                    <a:lnB w="12700" cap="flat" cmpd="sng" algn="ctr">
+                      <a:solidFill>
+                        <a:schemeClr val="tx1"/>
+                      </a:solidFill>
+                      <a:prstDash val="solid"/>
+                      <a:round/>
+                      <a:headEnd type="none" w="med" len="med"/>
+                      <a:tailEnd type="none" w="med" len="med"/>
+                    </a:lnB>
+                  </a:tcPr>
+                </a:tc>
+                <a:tc>
+                  <a:txBody>
+                    <a:bodyPr/>
+                    <a:lstStyle/>
+                    <a:p>
+                      <a:pPr algn="ctr"/>
+                      <a:endParaRPr lang="zh-CN" altLang="en-US" sz="1400" dirty="0">
+                        <a:latin typeface="Times New Roman" panose="02020603050405020304" pitchFamily="18" charset="0"/>
+                        <a:cs typeface="Times New Roman" panose="02020603050405020304" pitchFamily="18" charset="0"/>
+                      </a:endParaRPr>
+                    </a:p>
+                  </a:txBody>
+                  <a:tcPr>
+                    <a:lnL w="12700" cap="flat" cmpd="sng" algn="ctr">
+                      <a:solidFill>
+                        <a:schemeClr val="tx1"/>
+                      </a:solidFill>
+                      <a:prstDash val="solid"/>
+                      <a:round/>
+                      <a:headEnd type="none" w="med" len="med"/>
+                      <a:tailEnd type="none" w="med" len="med"/>
+                    </a:lnL>
+                    <a:lnR w="12700" cap="flat" cmpd="sng" algn="ctr">
+                      <a:solidFill>
+                        <a:schemeClr val="tx1"/>
+                      </a:solidFill>
+                      <a:prstDash val="solid"/>
+                      <a:round/>
+                      <a:headEnd type="none" w="med" len="med"/>
+                      <a:tailEnd type="none" w="med" len="med"/>
+                    </a:lnR>
+                    <a:lnT w="12700" cap="flat" cmpd="sng" algn="ctr">
+                      <a:solidFill>
+                        <a:schemeClr val="tx1"/>
+                      </a:solidFill>
+                      <a:prstDash val="solid"/>
+                      <a:round/>
+                      <a:headEnd type="none" w="med" len="med"/>
+                      <a:tailEnd type="none" w="med" len="med"/>
+                    </a:lnT>
+                    <a:lnB w="12700" cap="flat" cmpd="sng" algn="ctr">
+                      <a:solidFill>
+                        <a:schemeClr val="tx1"/>
+                      </a:solidFill>
+                      <a:prstDash val="solid"/>
+                      <a:round/>
+                      <a:headEnd type="none" w="med" len="med"/>
+                      <a:tailEnd type="none" w="med" len="med"/>
+                    </a:lnB>
+                  </a:tcPr>
+                </a:tc>
+                <a:tc>
+                  <a:txBody>
+                    <a:bodyPr/>
+                    <a:lstStyle/>
+                    <a:p>
+                      <a:pPr algn="ctr"/>
+                      <a:endParaRPr lang="zh-CN" altLang="en-US" sz="1400" dirty="0">
+                        <a:latin typeface="Times New Roman" panose="02020603050405020304" pitchFamily="18" charset="0"/>
+                        <a:cs typeface="Times New Roman" panose="02020603050405020304" pitchFamily="18" charset="0"/>
+                      </a:endParaRPr>
+                    </a:p>
+                  </a:txBody>
+                  <a:tcPr>
+                    <a:lnL w="12700" cap="flat" cmpd="sng" algn="ctr">
+                      <a:solidFill>
+                        <a:schemeClr val="tx1"/>
+                      </a:solidFill>
+                      <a:prstDash val="solid"/>
+                      <a:round/>
+                      <a:headEnd type="none" w="med" len="med"/>
+                      <a:tailEnd type="none" w="med" len="med"/>
+                    </a:lnL>
+                    <a:lnR w="12700" cap="flat" cmpd="sng" algn="ctr">
+                      <a:solidFill>
+                        <a:schemeClr val="tx1"/>
+                      </a:solidFill>
+                      <a:prstDash val="solid"/>
+                      <a:round/>
+                      <a:headEnd type="none" w="med" len="med"/>
+                      <a:tailEnd type="none" w="med" len="med"/>
+                    </a:lnR>
+                    <a:lnT w="12700" cap="flat" cmpd="sng" algn="ctr">
+                      <a:solidFill>
+                        <a:schemeClr val="tx1"/>
+                      </a:solidFill>
+                      <a:prstDash val="solid"/>
+                      <a:round/>
+                      <a:headEnd type="none" w="med" len="med"/>
+                      <a:tailEnd type="none" w="med" len="med"/>
+                    </a:lnT>
+                    <a:lnB w="12700" cap="flat" cmpd="sng" algn="ctr">
+                      <a:solidFill>
+                        <a:schemeClr val="tx1"/>
+                      </a:solidFill>
+                      <a:prstDash val="solid"/>
+                      <a:round/>
+                      <a:headEnd type="none" w="med" len="med"/>
+                      <a:tailEnd type="none" w="med" len="med"/>
+                    </a:lnB>
+                  </a:tcPr>
+                </a:tc>
+                <a:tc>
+                  <a:txBody>
+                    <a:bodyPr/>
+                    <a:lstStyle/>
+                    <a:p>
+                      <a:pPr algn="ctr"/>
+                      <a:r>
+                        <a:rPr lang="en-US" altLang="zh-CN" sz="1400" dirty="0">
+                          <a:latin typeface="Times New Roman" panose="02020603050405020304" pitchFamily="18" charset="0"/>
+                          <a:cs typeface="Times New Roman" panose="02020603050405020304" pitchFamily="18" charset="0"/>
+                        </a:rPr>
+                        <a:t>5</a:t>
+                      </a:r>
+                      <a:endParaRPr lang="zh-CN" altLang="en-US" sz="1400" dirty="0">
+                        <a:latin typeface="Times New Roman" panose="02020603050405020304" pitchFamily="18" charset="0"/>
+                        <a:cs typeface="Times New Roman" panose="02020603050405020304" pitchFamily="18" charset="0"/>
+                      </a:endParaRPr>
+                    </a:p>
+                  </a:txBody>
+                  <a:tcPr>
+                    <a:lnL w="12700" cap="flat" cmpd="sng" algn="ctr">
+                      <a:solidFill>
+                        <a:schemeClr val="tx1"/>
+                      </a:solidFill>
+                      <a:prstDash val="solid"/>
+                      <a:round/>
+                      <a:headEnd type="none" w="med" len="med"/>
+                      <a:tailEnd type="none" w="med" len="med"/>
+                    </a:lnL>
+                    <a:lnR w="12700" cap="flat" cmpd="sng" algn="ctr">
+                      <a:solidFill>
+                        <a:schemeClr val="tx1"/>
+                      </a:solidFill>
+                      <a:prstDash val="solid"/>
+                      <a:round/>
+                      <a:headEnd type="none" w="med" len="med"/>
+                      <a:tailEnd type="none" w="med" len="med"/>
+                    </a:lnR>
+                    <a:lnT w="12700" cap="flat" cmpd="sng" algn="ctr">
+                      <a:solidFill>
+                        <a:schemeClr val="tx1"/>
+                      </a:solidFill>
+                      <a:prstDash val="solid"/>
+                      <a:round/>
+                      <a:headEnd type="none" w="med" len="med"/>
+                      <a:tailEnd type="none" w="med" len="med"/>
+                    </a:lnT>
+                    <a:lnB w="12700" cap="flat" cmpd="sng" algn="ctr">
+                      <a:solidFill>
+                        <a:schemeClr val="tx1"/>
+                      </a:solidFill>
+                      <a:prstDash val="solid"/>
+                      <a:round/>
+                      <a:headEnd type="none" w="med" len="med"/>
+                      <a:tailEnd type="none" w="med" len="med"/>
+                    </a:lnB>
+                  </a:tcPr>
+                </a:tc>
+                <a:tc>
+                  <a:txBody>
+                    <a:bodyPr/>
+                    <a:lstStyle/>
+                    <a:p>
+                      <a:pPr algn="ctr"/>
+                      <a:r>
+                        <a:rPr lang="en-US" altLang="zh-CN" sz="1400" dirty="0">
+                          <a:latin typeface="Times New Roman" panose="02020603050405020304" pitchFamily="18" charset="0"/>
+                          <a:cs typeface="Times New Roman" panose="02020603050405020304" pitchFamily="18" charset="0"/>
+                        </a:rPr>
+                        <a:t>5</a:t>
+                      </a:r>
+                      <a:endParaRPr lang="zh-CN" altLang="en-US" sz="1400" dirty="0">
+                        <a:latin typeface="Times New Roman" panose="02020603050405020304" pitchFamily="18" charset="0"/>
+                        <a:cs typeface="Times New Roman" panose="02020603050405020304" pitchFamily="18" charset="0"/>
+                      </a:endParaRPr>
+                    </a:p>
+                  </a:txBody>
+                  <a:tcPr>
+                    <a:lnL w="12700" cap="flat" cmpd="sng" algn="ctr">
+                      <a:solidFill>
+                        <a:schemeClr val="tx1"/>
+                      </a:solidFill>
+                      <a:prstDash val="solid"/>
+                      <a:round/>
+                      <a:headEnd type="none" w="med" len="med"/>
+                      <a:tailEnd type="none" w="med" len="med"/>
+                    </a:lnL>
+                    <a:lnR w="12700" cap="flat" cmpd="sng" algn="ctr">
+                      <a:solidFill>
+                        <a:schemeClr val="tx1"/>
+                      </a:solidFill>
+                      <a:prstDash val="solid"/>
+                      <a:round/>
+                      <a:headEnd type="none" w="med" len="med"/>
+                      <a:tailEnd type="none" w="med" len="med"/>
+                    </a:lnR>
+                    <a:lnT w="12700" cap="flat" cmpd="sng" algn="ctr">
+                      <a:solidFill>
+                        <a:schemeClr val="tx1"/>
+                      </a:solidFill>
+                      <a:prstDash val="solid"/>
+                      <a:round/>
+                      <a:headEnd type="none" w="med" len="med"/>
+                      <a:tailEnd type="none" w="med" len="med"/>
+                    </a:lnT>
+                    <a:lnB w="12700" cap="flat" cmpd="sng" algn="ctr">
+                      <a:solidFill>
+                        <a:schemeClr val="tx1"/>
+                      </a:solidFill>
+                      <a:prstDash val="solid"/>
+                      <a:round/>
+                      <a:headEnd type="none" w="med" len="med"/>
+                      <a:tailEnd type="none" w="med" len="med"/>
+                    </a:lnB>
+                  </a:tcPr>
+                </a:tc>
+                <a:extLst>
+                  <a:ext uri="{0D108BD9-81ED-4DB2-BD59-A6C34878D82A}">
+                    <a16:rowId xmlns:a16="http://schemas.microsoft.com/office/drawing/2014/main" val="10003"/>
+                  </a:ext>
+                </a:extLst>
+              </a:tr>
+              <a:tr h="300000">
+                <a:tc>
+                  <a:txBody>
+                    <a:bodyPr/>
+                    <a:lstStyle/>
+                    <a:p>
+                      <a:pPr algn="ctr"/>
+                      <a:r>
+                        <a:rPr lang="en-US" altLang="zh-CN" sz="1400" dirty="0">
+                          <a:latin typeface="Times New Roman" panose="02020603050405020304" pitchFamily="18" charset="0"/>
+                          <a:cs typeface="Times New Roman" panose="02020603050405020304" pitchFamily="18" charset="0"/>
+                        </a:rPr>
+                        <a:t>D</a:t>
+                      </a:r>
+                      <a:endParaRPr lang="zh-CN" altLang="en-US" sz="1400" dirty="0">
+                        <a:latin typeface="Times New Roman" panose="02020603050405020304" pitchFamily="18" charset="0"/>
+                        <a:cs typeface="Times New Roman" panose="02020603050405020304" pitchFamily="18" charset="0"/>
+                      </a:endParaRPr>
+                    </a:p>
+                  </a:txBody>
+                  <a:tcPr>
+                    <a:lnL w="12700" cap="flat" cmpd="sng" algn="ctr">
+                      <a:solidFill>
+                        <a:schemeClr val="tx1"/>
+                      </a:solidFill>
+                      <a:prstDash val="solid"/>
+                      <a:round/>
+                      <a:headEnd type="none" w="med" len="med"/>
+                      <a:tailEnd type="none" w="med" len="med"/>
+                    </a:lnL>
+                    <a:lnR w="12700" cap="flat" cmpd="sng" algn="ctr">
+                      <a:solidFill>
+                        <a:schemeClr val="tx1"/>
+                      </a:solidFill>
+                      <a:prstDash val="solid"/>
+                      <a:round/>
+                      <a:headEnd type="none" w="med" len="med"/>
+                      <a:tailEnd type="none" w="med" len="med"/>
+                    </a:lnR>
+                    <a:lnT w="12700" cap="flat" cmpd="sng" algn="ctr">
+                      <a:solidFill>
+                        <a:schemeClr val="tx1"/>
+                      </a:solidFill>
+                      <a:prstDash val="solid"/>
+                      <a:round/>
+                      <a:headEnd type="none" w="med" len="med"/>
+                      <a:tailEnd type="none" w="med" len="med"/>
+                    </a:lnT>
+                    <a:lnB w="12700" cap="flat" cmpd="sng" algn="ctr">
+                      <a:solidFill>
+                        <a:schemeClr val="tx1"/>
+                      </a:solidFill>
+                      <a:prstDash val="solid"/>
+                      <a:round/>
+                      <a:headEnd type="none" w="med" len="med"/>
+                      <a:tailEnd type="none" w="med" len="med"/>
+                    </a:lnB>
+                  </a:tcPr>
+                </a:tc>
+                <a:tc>
+                  <a:txBody>
+                    <a:bodyPr/>
+                    <a:lstStyle/>
+                    <a:p>
+                      <a:pPr algn="ctr"/>
+                      <a:r>
+                        <a:rPr lang="en-US" altLang="zh-CN" sz="1400" dirty="0">
+                          <a:latin typeface="Times New Roman" panose="02020603050405020304" pitchFamily="18" charset="0"/>
+                          <a:cs typeface="Times New Roman" panose="02020603050405020304" pitchFamily="18" charset="0"/>
+                        </a:rPr>
+                        <a:t>4</a:t>
+                      </a:r>
+                      <a:endParaRPr lang="zh-CN" altLang="en-US" sz="1400" dirty="0">
+                        <a:latin typeface="Times New Roman" panose="02020603050405020304" pitchFamily="18" charset="0"/>
+                        <a:cs typeface="Times New Roman" panose="02020603050405020304" pitchFamily="18" charset="0"/>
+                      </a:endParaRPr>
+                    </a:p>
+                  </a:txBody>
+                  <a:tcPr>
+                    <a:lnL w="12700" cap="flat" cmpd="sng" algn="ctr">
+                      <a:solidFill>
+                        <a:schemeClr val="tx1"/>
+                      </a:solidFill>
+                      <a:prstDash val="solid"/>
+                      <a:round/>
+                      <a:headEnd type="none" w="med" len="med"/>
+                      <a:tailEnd type="none" w="med" len="med"/>
+                    </a:lnL>
+                    <a:lnR w="12700" cap="flat" cmpd="sng" algn="ctr">
+                      <a:solidFill>
+                        <a:schemeClr val="tx1"/>
+                      </a:solidFill>
+                      <a:prstDash val="solid"/>
+                      <a:round/>
+                      <a:headEnd type="none" w="med" len="med"/>
+                      <a:tailEnd type="none" w="med" len="med"/>
+                    </a:lnR>
+                    <a:lnT w="12700" cap="flat" cmpd="sng" algn="ctr">
+                      <a:solidFill>
+                        <a:schemeClr val="tx1"/>
+                      </a:solidFill>
+                      <a:prstDash val="solid"/>
+                      <a:round/>
+                      <a:headEnd type="none" w="med" len="med"/>
+                      <a:tailEnd type="none" w="med" len="med"/>
+                    </a:lnT>
+                    <a:lnB w="12700" cap="flat" cmpd="sng" algn="ctr">
+                      <a:solidFill>
+                        <a:schemeClr val="tx1"/>
+                      </a:solidFill>
+                      <a:prstDash val="solid"/>
+                      <a:round/>
+                      <a:headEnd type="none" w="med" len="med"/>
+                      <a:tailEnd type="none" w="med" len="med"/>
+                    </a:lnB>
+                  </a:tcPr>
+                </a:tc>
+                <a:tc>
+                  <a:txBody>
+                    <a:bodyPr/>
+                    <a:lstStyle/>
+                    <a:p>
+                      <a:pPr algn="ctr"/>
+                      <a:r>
+                        <a:rPr lang="en-US" altLang="zh-CN" sz="1400" dirty="0">
+                          <a:latin typeface="Times New Roman" panose="02020603050405020304" pitchFamily="18" charset="0"/>
+                          <a:cs typeface="Times New Roman" panose="02020603050405020304" pitchFamily="18" charset="0"/>
+                        </a:rPr>
+                        <a:t>3</a:t>
+                      </a:r>
+                      <a:endParaRPr lang="zh-CN" altLang="en-US" sz="1400" dirty="0">
+                        <a:latin typeface="Times New Roman" panose="02020603050405020304" pitchFamily="18" charset="0"/>
+                        <a:cs typeface="Times New Roman" panose="02020603050405020304" pitchFamily="18" charset="0"/>
+                      </a:endParaRPr>
+                    </a:p>
+                  </a:txBody>
+                  <a:tcPr>
+                    <a:lnL w="12700" cap="flat" cmpd="sng" algn="ctr">
+                      <a:solidFill>
+                        <a:schemeClr val="tx1"/>
+                      </a:solidFill>
+                      <a:prstDash val="solid"/>
+                      <a:round/>
+                      <a:headEnd type="none" w="med" len="med"/>
+                      <a:tailEnd type="none" w="med" len="med"/>
+                    </a:lnL>
+                    <a:lnR w="12700" cap="flat" cmpd="sng" algn="ctr">
+                      <a:solidFill>
+                        <a:schemeClr val="tx1"/>
+                      </a:solidFill>
+                      <a:prstDash val="solid"/>
+                      <a:round/>
+                      <a:headEnd type="none" w="med" len="med"/>
+                      <a:tailEnd type="none" w="med" len="med"/>
+                    </a:lnR>
+                    <a:lnT w="12700" cap="flat" cmpd="sng" algn="ctr">
+                      <a:solidFill>
+                        <a:schemeClr val="tx1"/>
+                      </a:solidFill>
+                      <a:prstDash val="solid"/>
+                      <a:round/>
+                      <a:headEnd type="none" w="med" len="med"/>
+                      <a:tailEnd type="none" w="med" len="med"/>
+                    </a:lnT>
+                    <a:lnB w="12700" cap="flat" cmpd="sng" algn="ctr">
+                      <a:solidFill>
+                        <a:schemeClr val="tx1"/>
+                      </a:solidFill>
+                      <a:prstDash val="solid"/>
+                      <a:round/>
+                      <a:headEnd type="none" w="med" len="med"/>
+                      <a:tailEnd type="none" w="med" len="med"/>
+                    </a:lnB>
+                  </a:tcPr>
+                </a:tc>
+                <a:tc>
+                  <a:txBody>
+                    <a:bodyPr/>
+                    <a:lstStyle/>
+                    <a:p>
+                      <a:pPr algn="ctr"/>
+                      <a:r>
+                        <a:rPr lang="en-US" altLang="zh-CN" sz="1400" dirty="0">
+                          <a:latin typeface="Times New Roman" panose="02020603050405020304" pitchFamily="18" charset="0"/>
+                          <a:cs typeface="Times New Roman" panose="02020603050405020304" pitchFamily="18" charset="0"/>
+                        </a:rPr>
+                        <a:t>2</a:t>
+                      </a:r>
+                      <a:endParaRPr lang="zh-CN" altLang="en-US" sz="1400" dirty="0">
+                        <a:latin typeface="Times New Roman" panose="02020603050405020304" pitchFamily="18" charset="0"/>
+                        <a:cs typeface="Times New Roman" panose="02020603050405020304" pitchFamily="18" charset="0"/>
+                      </a:endParaRPr>
+                    </a:p>
+                  </a:txBody>
+                  <a:tcPr>
+                    <a:lnL w="12700" cap="flat" cmpd="sng" algn="ctr">
+                      <a:solidFill>
+                        <a:schemeClr val="tx1"/>
+                      </a:solidFill>
+                      <a:prstDash val="solid"/>
+                      <a:round/>
+                      <a:headEnd type="none" w="med" len="med"/>
+                      <a:tailEnd type="none" w="med" len="med"/>
+                    </a:lnL>
+                    <a:lnR w="12700" cap="flat" cmpd="sng" algn="ctr">
+                      <a:solidFill>
+                        <a:schemeClr val="tx1"/>
+                      </a:solidFill>
+                      <a:prstDash val="solid"/>
+                      <a:round/>
+                      <a:headEnd type="none" w="med" len="med"/>
+                      <a:tailEnd type="none" w="med" len="med"/>
+                    </a:lnR>
+                    <a:lnT w="12700" cap="flat" cmpd="sng" algn="ctr">
+                      <a:solidFill>
+                        <a:schemeClr val="tx1"/>
+                      </a:solidFill>
+                      <a:prstDash val="solid"/>
+                      <a:round/>
+                      <a:headEnd type="none" w="med" len="med"/>
+                      <a:tailEnd type="none" w="med" len="med"/>
+                    </a:lnT>
+                    <a:lnB w="12700" cap="flat" cmpd="sng" algn="ctr">
+                      <a:solidFill>
+                        <a:schemeClr val="tx1"/>
+                      </a:solidFill>
+                      <a:prstDash val="solid"/>
+                      <a:round/>
+                      <a:headEnd type="none" w="med" len="med"/>
+                      <a:tailEnd type="none" w="med" len="med"/>
+                    </a:lnB>
+                  </a:tcPr>
+                </a:tc>
+                <a:tc>
+                  <a:txBody>
+                    <a:bodyPr/>
+                    <a:lstStyle/>
+                    <a:p>
+                      <a:pPr algn="ctr"/>
+                      <a:endParaRPr lang="zh-CN" altLang="en-US" sz="1400" dirty="0">
+                        <a:latin typeface="Times New Roman" panose="02020603050405020304" pitchFamily="18" charset="0"/>
+                        <a:cs typeface="Times New Roman" panose="02020603050405020304" pitchFamily="18" charset="0"/>
+                      </a:endParaRPr>
+                    </a:p>
+                  </a:txBody>
+                  <a:tcPr>
+                    <a:lnL w="12700" cap="flat" cmpd="sng" algn="ctr">
+                      <a:solidFill>
+                        <a:schemeClr val="tx1"/>
+                      </a:solidFill>
+                      <a:prstDash val="solid"/>
+                      <a:round/>
+                      <a:headEnd type="none" w="med" len="med"/>
+                      <a:tailEnd type="none" w="med" len="med"/>
+                    </a:lnL>
+                    <a:lnR w="12700" cap="flat" cmpd="sng" algn="ctr">
+                      <a:solidFill>
+                        <a:schemeClr val="tx1"/>
+                      </a:solidFill>
+                      <a:prstDash val="solid"/>
+                      <a:round/>
+                      <a:headEnd type="none" w="med" len="med"/>
+                      <a:tailEnd type="none" w="med" len="med"/>
+                    </a:lnR>
+                    <a:lnT w="12700" cap="flat" cmpd="sng" algn="ctr">
+                      <a:solidFill>
+                        <a:schemeClr val="tx1"/>
+                      </a:solidFill>
+                      <a:prstDash val="solid"/>
+                      <a:round/>
+                      <a:headEnd type="none" w="med" len="med"/>
+                      <a:tailEnd type="none" w="med" len="med"/>
+                    </a:lnT>
+                    <a:lnB w="12700" cap="flat" cmpd="sng" algn="ctr">
+                      <a:solidFill>
+                        <a:schemeClr val="tx1"/>
+                      </a:solidFill>
+                      <a:prstDash val="solid"/>
+                      <a:round/>
+                      <a:headEnd type="none" w="med" len="med"/>
+                      <a:tailEnd type="none" w="med" len="med"/>
+                    </a:lnB>
+                  </a:tcPr>
+                </a:tc>
+                <a:tc>
+                  <a:txBody>
+                    <a:bodyPr/>
+                    <a:lstStyle/>
+                    <a:p>
+                      <a:pPr algn="ctr"/>
+                      <a:endParaRPr lang="zh-CN" altLang="en-US" sz="1400" dirty="0">
+                        <a:latin typeface="Times New Roman" panose="02020603050405020304" pitchFamily="18" charset="0"/>
+                        <a:cs typeface="Times New Roman" panose="02020603050405020304" pitchFamily="18" charset="0"/>
+                      </a:endParaRPr>
+                    </a:p>
+                  </a:txBody>
+                  <a:tcPr>
+                    <a:lnL w="12700" cap="flat" cmpd="sng" algn="ctr">
+                      <a:solidFill>
+                        <a:schemeClr val="tx1"/>
+                      </a:solidFill>
+                      <a:prstDash val="solid"/>
+                      <a:round/>
+                      <a:headEnd type="none" w="med" len="med"/>
+                      <a:tailEnd type="none" w="med" len="med"/>
+                    </a:lnL>
+                    <a:lnR w="12700" cap="flat" cmpd="sng" algn="ctr">
+                      <a:solidFill>
+                        <a:schemeClr val="tx1"/>
+                      </a:solidFill>
+                      <a:prstDash val="solid"/>
+                      <a:round/>
+                      <a:headEnd type="none" w="med" len="med"/>
+                      <a:tailEnd type="none" w="med" len="med"/>
+                    </a:lnR>
+                    <a:lnT w="12700" cap="flat" cmpd="sng" algn="ctr">
+                      <a:solidFill>
+                        <a:schemeClr val="tx1"/>
+                      </a:solidFill>
+                      <a:prstDash val="solid"/>
+                      <a:round/>
+                      <a:headEnd type="none" w="med" len="med"/>
+                      <a:tailEnd type="none" w="med" len="med"/>
+                    </a:lnT>
+                    <a:lnB w="12700" cap="flat" cmpd="sng" algn="ctr">
+                      <a:solidFill>
+                        <a:schemeClr val="tx1"/>
+                      </a:solidFill>
+                      <a:prstDash val="solid"/>
+                      <a:round/>
+                      <a:headEnd type="none" w="med" len="med"/>
+                      <a:tailEnd type="none" w="med" len="med"/>
+                    </a:lnB>
+                  </a:tcPr>
+                </a:tc>
+                <a:extLst>
+                  <a:ext uri="{0D108BD9-81ED-4DB2-BD59-A6C34878D82A}">
+                    <a16:rowId xmlns:a16="http://schemas.microsoft.com/office/drawing/2014/main" val="10004"/>
+                  </a:ext>
+                </a:extLst>
+              </a:tr>
+              <a:tr h="300000">
+                <a:tc>
+                  <a:txBody>
+                    <a:bodyPr/>
+                    <a:lstStyle/>
+                    <a:p>
+                      <a:pPr algn="ctr"/>
+                      <a:r>
+                        <a:rPr lang="en-US" altLang="zh-CN" sz="1400" dirty="0">
+                          <a:latin typeface="Times New Roman" panose="02020603050405020304" pitchFamily="18" charset="0"/>
+                          <a:cs typeface="Times New Roman" panose="02020603050405020304" pitchFamily="18" charset="0"/>
+                        </a:rPr>
+                        <a:t>E</a:t>
+                      </a:r>
+                      <a:endParaRPr lang="zh-CN" altLang="en-US" sz="1400" dirty="0">
+                        <a:latin typeface="Times New Roman" panose="02020603050405020304" pitchFamily="18" charset="0"/>
+                        <a:cs typeface="Times New Roman" panose="02020603050405020304" pitchFamily="18" charset="0"/>
+                      </a:endParaRPr>
+                    </a:p>
+                  </a:txBody>
+                  <a:tcPr>
+                    <a:lnL w="12700" cap="flat" cmpd="sng" algn="ctr">
+                      <a:solidFill>
+                        <a:schemeClr val="tx1"/>
+                      </a:solidFill>
+                      <a:prstDash val="solid"/>
+                      <a:round/>
+                      <a:headEnd type="none" w="med" len="med"/>
+                      <a:tailEnd type="none" w="med" len="med"/>
+                    </a:lnL>
+                    <a:lnR w="12700" cap="flat" cmpd="sng" algn="ctr">
+                      <a:solidFill>
+                        <a:schemeClr val="tx1"/>
+                      </a:solidFill>
+                      <a:prstDash val="solid"/>
+                      <a:round/>
+                      <a:headEnd type="none" w="med" len="med"/>
+                      <a:tailEnd type="none" w="med" len="med"/>
+                    </a:lnR>
+                    <a:lnT w="12700" cap="flat" cmpd="sng" algn="ctr">
+                      <a:solidFill>
+                        <a:schemeClr val="tx1"/>
+                      </a:solidFill>
+                      <a:prstDash val="solid"/>
+                      <a:round/>
+                      <a:headEnd type="none" w="med" len="med"/>
+                      <a:tailEnd type="none" w="med" len="med"/>
+                    </a:lnT>
+                    <a:lnB w="12700" cap="flat" cmpd="sng" algn="ctr">
+                      <a:solidFill>
+                        <a:schemeClr val="tx1"/>
+                      </a:solidFill>
+                      <a:prstDash val="solid"/>
+                      <a:round/>
+                      <a:headEnd type="none" w="med" len="med"/>
+                      <a:tailEnd type="none" w="med" len="med"/>
+                    </a:lnB>
+                  </a:tcPr>
+                </a:tc>
+                <a:tc>
+                  <a:txBody>
+                    <a:bodyPr/>
+                    <a:lstStyle/>
+                    <a:p>
+                      <a:pPr algn="ctr"/>
+                      <a:r>
+                        <a:rPr lang="en-US" altLang="zh-CN" sz="1400" dirty="0">
+                          <a:latin typeface="Times New Roman" panose="02020603050405020304" pitchFamily="18" charset="0"/>
+                          <a:cs typeface="Times New Roman" panose="02020603050405020304" pitchFamily="18" charset="0"/>
+                        </a:rPr>
+                        <a:t>5</a:t>
+                      </a:r>
+                      <a:endParaRPr lang="zh-CN" altLang="en-US" sz="1400" dirty="0">
+                        <a:latin typeface="Times New Roman" panose="02020603050405020304" pitchFamily="18" charset="0"/>
+                        <a:cs typeface="Times New Roman" panose="02020603050405020304" pitchFamily="18" charset="0"/>
+                      </a:endParaRPr>
+                    </a:p>
+                  </a:txBody>
+                  <a:tcPr>
+                    <a:lnL w="12700" cap="flat" cmpd="sng" algn="ctr">
+                      <a:solidFill>
+                        <a:schemeClr val="tx1"/>
+                      </a:solidFill>
+                      <a:prstDash val="solid"/>
+                      <a:round/>
+                      <a:headEnd type="none" w="med" len="med"/>
+                      <a:tailEnd type="none" w="med" len="med"/>
+                    </a:lnL>
+                    <a:lnR w="12700" cap="flat" cmpd="sng" algn="ctr">
+                      <a:solidFill>
+                        <a:schemeClr val="tx1"/>
+                      </a:solidFill>
+                      <a:prstDash val="solid"/>
+                      <a:round/>
+                      <a:headEnd type="none" w="med" len="med"/>
+                      <a:tailEnd type="none" w="med" len="med"/>
+                    </a:lnR>
+                    <a:lnT w="12700" cap="flat" cmpd="sng" algn="ctr">
+                      <a:solidFill>
+                        <a:schemeClr val="tx1"/>
+                      </a:solidFill>
+                      <a:prstDash val="solid"/>
+                      <a:round/>
+                      <a:headEnd type="none" w="med" len="med"/>
+                      <a:tailEnd type="none" w="med" len="med"/>
+                    </a:lnT>
+                    <a:lnB w="12700" cap="flat" cmpd="sng" algn="ctr">
+                      <a:solidFill>
+                        <a:schemeClr val="tx1"/>
+                      </a:solidFill>
+                      <a:prstDash val="solid"/>
+                      <a:round/>
+                      <a:headEnd type="none" w="med" len="med"/>
+                      <a:tailEnd type="none" w="med" len="med"/>
+                    </a:lnB>
+                  </a:tcPr>
+                </a:tc>
+                <a:tc>
+                  <a:txBody>
+                    <a:bodyPr/>
+                    <a:lstStyle/>
+                    <a:p>
+                      <a:pPr algn="ctr"/>
+                      <a:r>
+                        <a:rPr lang="en-US" altLang="zh-CN" sz="1400" dirty="0">
+                          <a:latin typeface="Times New Roman" panose="02020603050405020304" pitchFamily="18" charset="0"/>
+                          <a:cs typeface="Times New Roman" panose="02020603050405020304" pitchFamily="18" charset="0"/>
+                        </a:rPr>
+                        <a:t>5</a:t>
+                      </a:r>
+                      <a:endParaRPr lang="zh-CN" altLang="en-US" sz="1400" dirty="0">
+                        <a:latin typeface="Times New Roman" panose="02020603050405020304" pitchFamily="18" charset="0"/>
+                        <a:cs typeface="Times New Roman" panose="02020603050405020304" pitchFamily="18" charset="0"/>
+                      </a:endParaRPr>
+                    </a:p>
+                  </a:txBody>
+                  <a:tcPr>
+                    <a:lnL w="12700" cap="flat" cmpd="sng" algn="ctr">
+                      <a:solidFill>
+                        <a:schemeClr val="tx1"/>
+                      </a:solidFill>
+                      <a:prstDash val="solid"/>
+                      <a:round/>
+                      <a:headEnd type="none" w="med" len="med"/>
+                      <a:tailEnd type="none" w="med" len="med"/>
+                    </a:lnL>
+                    <a:lnR w="12700" cap="flat" cmpd="sng" algn="ctr">
+                      <a:solidFill>
+                        <a:schemeClr val="tx1"/>
+                      </a:solidFill>
+                      <a:prstDash val="solid"/>
+                      <a:round/>
+                      <a:headEnd type="none" w="med" len="med"/>
+                      <a:tailEnd type="none" w="med" len="med"/>
+                    </a:lnR>
+                    <a:lnT w="12700" cap="flat" cmpd="sng" algn="ctr">
+                      <a:solidFill>
+                        <a:schemeClr val="tx1"/>
+                      </a:solidFill>
+                      <a:prstDash val="solid"/>
+                      <a:round/>
+                      <a:headEnd type="none" w="med" len="med"/>
+                      <a:tailEnd type="none" w="med" len="med"/>
+                    </a:lnT>
+                    <a:lnB w="12700" cap="flat" cmpd="sng" algn="ctr">
+                      <a:solidFill>
+                        <a:schemeClr val="tx1"/>
+                      </a:solidFill>
+                      <a:prstDash val="solid"/>
+                      <a:round/>
+                      <a:headEnd type="none" w="med" len="med"/>
+                      <a:tailEnd type="none" w="med" len="med"/>
+                    </a:lnB>
+                  </a:tcPr>
+                </a:tc>
+                <a:tc>
+                  <a:txBody>
+                    <a:bodyPr/>
+                    <a:lstStyle/>
+                    <a:p>
+                      <a:pPr algn="ctr"/>
+                      <a:r>
+                        <a:rPr lang="en-US" altLang="zh-CN" sz="1400" dirty="0">
+                          <a:latin typeface="Times New Roman" panose="02020603050405020304" pitchFamily="18" charset="0"/>
+                          <a:cs typeface="Times New Roman" panose="02020603050405020304" pitchFamily="18" charset="0"/>
+                        </a:rPr>
+                        <a:t>3</a:t>
+                      </a:r>
+                      <a:endParaRPr lang="zh-CN" altLang="en-US" sz="1400" dirty="0">
+                        <a:latin typeface="Times New Roman" panose="02020603050405020304" pitchFamily="18" charset="0"/>
+                        <a:cs typeface="Times New Roman" panose="02020603050405020304" pitchFamily="18" charset="0"/>
+                      </a:endParaRPr>
+                    </a:p>
+                  </a:txBody>
+                  <a:tcPr>
+                    <a:lnL w="12700" cap="flat" cmpd="sng" algn="ctr">
+                      <a:solidFill>
+                        <a:schemeClr val="tx1"/>
+                      </a:solidFill>
+                      <a:prstDash val="solid"/>
+                      <a:round/>
+                      <a:headEnd type="none" w="med" len="med"/>
+                      <a:tailEnd type="none" w="med" len="med"/>
+                    </a:lnL>
+                    <a:lnR w="12700" cap="flat" cmpd="sng" algn="ctr">
+                      <a:solidFill>
+                        <a:schemeClr val="tx1"/>
+                      </a:solidFill>
+                      <a:prstDash val="solid"/>
+                      <a:round/>
+                      <a:headEnd type="none" w="med" len="med"/>
+                      <a:tailEnd type="none" w="med" len="med"/>
+                    </a:lnR>
+                    <a:lnT w="12700" cap="flat" cmpd="sng" algn="ctr">
+                      <a:solidFill>
+                        <a:schemeClr val="tx1"/>
+                      </a:solidFill>
+                      <a:prstDash val="solid"/>
+                      <a:round/>
+                      <a:headEnd type="none" w="med" len="med"/>
+                      <a:tailEnd type="none" w="med" len="med"/>
+                    </a:lnT>
+                    <a:lnB w="12700" cap="flat" cmpd="sng" algn="ctr">
+                      <a:solidFill>
+                        <a:schemeClr val="tx1"/>
+                      </a:solidFill>
+                      <a:prstDash val="solid"/>
+                      <a:round/>
+                      <a:headEnd type="none" w="med" len="med"/>
+                      <a:tailEnd type="none" w="med" len="med"/>
+                    </a:lnB>
+                  </a:tcPr>
+                </a:tc>
+                <a:tc>
+                  <a:txBody>
+                    <a:bodyPr/>
+                    <a:lstStyle/>
+                    <a:p>
+                      <a:pPr algn="ctr"/>
+                      <a:endParaRPr lang="zh-CN" altLang="en-US" sz="1400" dirty="0">
+                        <a:latin typeface="Times New Roman" panose="02020603050405020304" pitchFamily="18" charset="0"/>
+                        <a:cs typeface="Times New Roman" panose="02020603050405020304" pitchFamily="18" charset="0"/>
+                      </a:endParaRPr>
+                    </a:p>
+                  </a:txBody>
+                  <a:tcPr>
+                    <a:lnL w="12700" cap="flat" cmpd="sng" algn="ctr">
+                      <a:solidFill>
+                        <a:schemeClr val="tx1"/>
+                      </a:solidFill>
+                      <a:prstDash val="solid"/>
+                      <a:round/>
+                      <a:headEnd type="none" w="med" len="med"/>
+                      <a:tailEnd type="none" w="med" len="med"/>
+                    </a:lnL>
+                    <a:lnR w="12700" cap="flat" cmpd="sng" algn="ctr">
+                      <a:solidFill>
+                        <a:schemeClr val="tx1"/>
+                      </a:solidFill>
+                      <a:prstDash val="solid"/>
+                      <a:round/>
+                      <a:headEnd type="none" w="med" len="med"/>
+                      <a:tailEnd type="none" w="med" len="med"/>
+                    </a:lnR>
+                    <a:lnT w="12700" cap="flat" cmpd="sng" algn="ctr">
+                      <a:solidFill>
+                        <a:schemeClr val="tx1"/>
+                      </a:solidFill>
+                      <a:prstDash val="solid"/>
+                      <a:round/>
+                      <a:headEnd type="none" w="med" len="med"/>
+                      <a:tailEnd type="none" w="med" len="med"/>
+                    </a:lnT>
+                    <a:lnB w="12700" cap="flat" cmpd="sng" algn="ctr">
+                      <a:solidFill>
+                        <a:schemeClr val="tx1"/>
+                      </a:solidFill>
+                      <a:prstDash val="solid"/>
+                      <a:round/>
+                      <a:headEnd type="none" w="med" len="med"/>
+                      <a:tailEnd type="none" w="med" len="med"/>
+                    </a:lnB>
+                  </a:tcPr>
+                </a:tc>
+                <a:tc>
+                  <a:txBody>
+                    <a:bodyPr/>
+                    <a:lstStyle/>
+                    <a:p>
+                      <a:pPr algn="ctr"/>
+                      <a:endParaRPr lang="zh-CN" altLang="en-US" sz="1400" dirty="0">
+                        <a:latin typeface="Times New Roman" panose="02020603050405020304" pitchFamily="18" charset="0"/>
+                        <a:cs typeface="Times New Roman" panose="02020603050405020304" pitchFamily="18" charset="0"/>
+                      </a:endParaRPr>
+                    </a:p>
+                  </a:txBody>
+                  <a:tcPr>
+                    <a:lnL w="12700" cap="flat" cmpd="sng" algn="ctr">
+                      <a:solidFill>
+                        <a:schemeClr val="tx1"/>
+                      </a:solidFill>
+                      <a:prstDash val="solid"/>
+                      <a:round/>
+                      <a:headEnd type="none" w="med" len="med"/>
+                      <a:tailEnd type="none" w="med" len="med"/>
+                    </a:lnL>
+                    <a:lnR w="12700" cap="flat" cmpd="sng" algn="ctr">
+                      <a:solidFill>
+                        <a:schemeClr val="tx1"/>
+                      </a:solidFill>
+                      <a:prstDash val="solid"/>
+                      <a:round/>
+                      <a:headEnd type="none" w="med" len="med"/>
+                      <a:tailEnd type="none" w="med" len="med"/>
+                    </a:lnR>
+                    <a:lnT w="12700" cap="flat" cmpd="sng" algn="ctr">
+                      <a:solidFill>
+                        <a:schemeClr val="tx1"/>
+                      </a:solidFill>
+                      <a:prstDash val="solid"/>
+                      <a:round/>
+                      <a:headEnd type="none" w="med" len="med"/>
+                      <a:tailEnd type="none" w="med" len="med"/>
+                    </a:lnT>
+                    <a:lnB w="12700" cap="flat" cmpd="sng" algn="ctr">
+                      <a:solidFill>
+                        <a:schemeClr val="tx1"/>
+                      </a:solidFill>
+                      <a:prstDash val="solid"/>
+                      <a:round/>
+                      <a:headEnd type="none" w="med" len="med"/>
+                      <a:tailEnd type="none" w="med" len="med"/>
+                    </a:lnB>
+                  </a:tcPr>
+                </a:tc>
+                <a:extLst>
+                  <a:ext uri="{0D108BD9-81ED-4DB2-BD59-A6C34878D82A}">
+                    <a16:rowId xmlns:a16="http://schemas.microsoft.com/office/drawing/2014/main" val="10005"/>
+                  </a:ext>
+                </a:extLst>
+              </a:tr>
+            </a:tbl>
+          </a:graphicData>
+        </a:graphic>
+      </p:graphicFrame>
+      <p:sp>
+        <p:nvSpPr>
+          <p:cNvPr id="10" name="圆角矩形 26">
+            <a:extLst>
+              <a:ext uri="{FF2B5EF4-FFF2-40B4-BE49-F238E27FC236}">
+                <a16:creationId xmlns:a16="http://schemas.microsoft.com/office/drawing/2014/main" id="{16A98F2C-523E-4C6D-BD04-E7834581695C}"/>
+              </a:ext>
+            </a:extLst>
+          </p:cNvPr>
+          <p:cNvSpPr/>
+          <p:nvPr/>
+        </p:nvSpPr>
+        <p:spPr>
+          <a:xfrm>
+            <a:off x="1072927" y="4487536"/>
+            <a:ext cx="4534185" cy="288032"/>
+          </a:xfrm>
+          <a:prstGeom prst="roundRect">
+            <a:avLst/>
+          </a:prstGeom>
+          <a:noFill/>
+          <a:ln w="38100"/>
+        </p:spPr>
+        <p:style>
+          <a:lnRef idx="2">
+            <a:schemeClr val="accent1">
+              <a:shade val="50000"/>
+            </a:schemeClr>
+          </a:lnRef>
+          <a:fillRef idx="1">
+            <a:schemeClr val="accent1"/>
+          </a:fillRef>
+          <a:effectRef idx="0">
+            <a:schemeClr val="accent1"/>
+          </a:effectRef>
+          <a:fontRef idx="minor">
+            <a:schemeClr val="lt1"/>
+          </a:fontRef>
+        </p:style>
+        <p:txBody>
+          <a:bodyPr rtlCol="0" anchor="ctr"/>
+          <a:lstStyle/>
+          <a:p>
+            <a:pPr algn="ctr"/>
+            <a:endParaRPr lang="zh-CN" altLang="en-US"/>
+          </a:p>
+        </p:txBody>
+      </p:sp>
+      <p:cxnSp>
+        <p:nvCxnSpPr>
+          <p:cNvPr id="11" name="直接连接符 10">
+            <a:extLst>
+              <a:ext uri="{FF2B5EF4-FFF2-40B4-BE49-F238E27FC236}">
+                <a16:creationId xmlns:a16="http://schemas.microsoft.com/office/drawing/2014/main" id="{07BF706F-7EC3-49CD-A454-45EBD2627341}"/>
+              </a:ext>
+            </a:extLst>
+          </p:cNvPr>
+          <p:cNvCxnSpPr/>
+          <p:nvPr/>
+        </p:nvCxnSpPr>
+        <p:spPr>
+          <a:xfrm>
+            <a:off x="1737712" y="3551432"/>
+            <a:ext cx="0" cy="648072"/>
+          </a:xfrm>
+          <a:prstGeom prst="line">
+            <a:avLst/>
+          </a:prstGeom>
+          <a:ln w="38100"/>
+        </p:spPr>
+        <p:style>
+          <a:lnRef idx="1">
+            <a:schemeClr val="accent1"/>
+          </a:lnRef>
+          <a:fillRef idx="0">
+            <a:schemeClr val="accent1"/>
+          </a:fillRef>
+          <a:effectRef idx="0">
+            <a:schemeClr val="accent1"/>
+          </a:effectRef>
+          <a:fontRef idx="minor">
+            <a:schemeClr val="tx1"/>
+          </a:fontRef>
+        </p:style>
+      </p:cxnSp>
+      <p:cxnSp>
+        <p:nvCxnSpPr>
+          <p:cNvPr id="12" name="直接连接符 11">
+            <a:extLst>
+              <a:ext uri="{FF2B5EF4-FFF2-40B4-BE49-F238E27FC236}">
+                <a16:creationId xmlns:a16="http://schemas.microsoft.com/office/drawing/2014/main" id="{8C93D44E-020D-4398-A2D8-AFC0CC819534}"/>
+              </a:ext>
+            </a:extLst>
+          </p:cNvPr>
+          <p:cNvCxnSpPr/>
+          <p:nvPr/>
+        </p:nvCxnSpPr>
+        <p:spPr>
+          <a:xfrm flipH="1">
+            <a:off x="1737712" y="4199504"/>
+            <a:ext cx="3744416" cy="0"/>
+          </a:xfrm>
+          <a:prstGeom prst="line">
+            <a:avLst/>
+          </a:prstGeom>
+          <a:ln w="38100"/>
+        </p:spPr>
+        <p:style>
+          <a:lnRef idx="1">
+            <a:schemeClr val="accent1"/>
+          </a:lnRef>
+          <a:fillRef idx="0">
+            <a:schemeClr val="accent1"/>
+          </a:fillRef>
+          <a:effectRef idx="0">
+            <a:schemeClr val="accent1"/>
+          </a:effectRef>
+          <a:fontRef idx="minor">
+            <a:schemeClr val="tx1"/>
+          </a:fontRef>
+        </p:style>
+      </p:cxnSp>
+      <p:sp>
+        <p:nvSpPr>
+          <p:cNvPr id="13" name="矩形 12">
+            <a:extLst>
+              <a:ext uri="{FF2B5EF4-FFF2-40B4-BE49-F238E27FC236}">
+                <a16:creationId xmlns:a16="http://schemas.microsoft.com/office/drawing/2014/main" id="{850F420B-9CF4-4DB6-82C7-CF4FDD7BAD43}"/>
+              </a:ext>
+            </a:extLst>
+          </p:cNvPr>
+          <p:cNvSpPr/>
+          <p:nvPr/>
+        </p:nvSpPr>
+        <p:spPr>
+          <a:xfrm>
+            <a:off x="1737712" y="3767456"/>
+            <a:ext cx="1034440" cy="432048"/>
+          </a:xfrm>
+          <a:prstGeom prst="rect">
+            <a:avLst/>
+          </a:prstGeom>
+          <a:solidFill>
+            <a:schemeClr val="tx1"/>
+          </a:solidFill>
+          <a:ln w="38100"/>
+        </p:spPr>
+        <p:style>
+          <a:lnRef idx="2">
+            <a:schemeClr val="accent1">
+              <a:shade val="50000"/>
+            </a:schemeClr>
+          </a:lnRef>
+          <a:fillRef idx="1">
+            <a:schemeClr val="accent1"/>
+          </a:fillRef>
+          <a:effectRef idx="0">
+            <a:schemeClr val="accent1"/>
+          </a:effectRef>
+          <a:fontRef idx="minor">
+            <a:schemeClr val="lt1"/>
+          </a:fontRef>
+        </p:style>
+        <p:txBody>
+          <a:bodyPr rtlCol="0" anchor="ctr"/>
+          <a:lstStyle/>
+          <a:p>
+            <a:pPr algn="ctr"/>
+            <a:endParaRPr lang="zh-CN" altLang="en-US"/>
+          </a:p>
+        </p:txBody>
+      </p:sp>
+      <p:sp>
+        <p:nvSpPr>
+          <p:cNvPr id="14" name="矩形 13">
+            <a:extLst>
+              <a:ext uri="{FF2B5EF4-FFF2-40B4-BE49-F238E27FC236}">
+                <a16:creationId xmlns:a16="http://schemas.microsoft.com/office/drawing/2014/main" id="{FB56C3B5-1517-4A67-A6D7-E5C3D13A925B}"/>
+              </a:ext>
+            </a:extLst>
+          </p:cNvPr>
+          <p:cNvSpPr/>
+          <p:nvPr/>
+        </p:nvSpPr>
+        <p:spPr>
+          <a:xfrm>
+            <a:off x="3378354" y="3768580"/>
+            <a:ext cx="591606" cy="432048"/>
+          </a:xfrm>
+          <a:prstGeom prst="rect">
+            <a:avLst/>
+          </a:prstGeom>
+          <a:solidFill>
+            <a:schemeClr val="tx1"/>
+          </a:solidFill>
+          <a:ln w="38100"/>
+        </p:spPr>
+        <p:style>
+          <a:lnRef idx="2">
+            <a:schemeClr val="accent1">
+              <a:shade val="50000"/>
+            </a:schemeClr>
+          </a:lnRef>
+          <a:fillRef idx="1">
+            <a:schemeClr val="accent1"/>
+          </a:fillRef>
+          <a:effectRef idx="0">
+            <a:schemeClr val="accent1"/>
+          </a:effectRef>
+          <a:fontRef idx="minor">
+            <a:schemeClr val="lt1"/>
+          </a:fontRef>
+        </p:style>
+        <p:txBody>
+          <a:bodyPr rtlCol="0" anchor="ctr"/>
+          <a:lstStyle/>
+          <a:p>
+            <a:pPr algn="ctr"/>
+            <a:endParaRPr lang="zh-CN" altLang="en-US"/>
+          </a:p>
+        </p:txBody>
+      </p:sp>
+      <p:sp>
+        <p:nvSpPr>
+          <p:cNvPr id="15" name="矩形 14">
+            <a:extLst>
+              <a:ext uri="{FF2B5EF4-FFF2-40B4-BE49-F238E27FC236}">
+                <a16:creationId xmlns:a16="http://schemas.microsoft.com/office/drawing/2014/main" id="{006F9DD4-6862-456A-98FD-6504301628D1}"/>
+              </a:ext>
+            </a:extLst>
+          </p:cNvPr>
+          <p:cNvSpPr/>
+          <p:nvPr/>
+        </p:nvSpPr>
+        <p:spPr>
+          <a:xfrm>
+            <a:off x="2492805" y="3623440"/>
+            <a:ext cx="847215" cy="576064"/>
+          </a:xfrm>
+          <a:prstGeom prst="rect">
+            <a:avLst/>
+          </a:prstGeom>
+          <a:solidFill>
+            <a:schemeClr val="tx1"/>
+          </a:solidFill>
+          <a:ln w="38100"/>
+        </p:spPr>
+        <p:style>
+          <a:lnRef idx="2">
+            <a:schemeClr val="accent1">
+              <a:shade val="50000"/>
+            </a:schemeClr>
+          </a:lnRef>
+          <a:fillRef idx="1">
+            <a:schemeClr val="accent1"/>
+          </a:fillRef>
+          <a:effectRef idx="0">
+            <a:schemeClr val="accent1"/>
+          </a:effectRef>
+          <a:fontRef idx="minor">
+            <a:schemeClr val="lt1"/>
+          </a:fontRef>
+        </p:style>
+        <p:txBody>
+          <a:bodyPr rtlCol="0" anchor="ctr"/>
+          <a:lstStyle/>
+          <a:p>
+            <a:pPr algn="ctr"/>
+            <a:endParaRPr lang="zh-CN" altLang="en-US"/>
+          </a:p>
+        </p:txBody>
+      </p:sp>
+      <p:sp>
+        <p:nvSpPr>
+          <p:cNvPr id="16" name="矩形 15">
+            <a:extLst>
+              <a:ext uri="{FF2B5EF4-FFF2-40B4-BE49-F238E27FC236}">
+                <a16:creationId xmlns:a16="http://schemas.microsoft.com/office/drawing/2014/main" id="{6FC1C430-01BF-44EC-B2EA-3E1C4CFBF8A2}"/>
+              </a:ext>
+            </a:extLst>
+          </p:cNvPr>
+          <p:cNvSpPr/>
+          <p:nvPr/>
+        </p:nvSpPr>
+        <p:spPr>
+          <a:xfrm>
+            <a:off x="3969960" y="4055488"/>
+            <a:ext cx="720080" cy="144016"/>
+          </a:xfrm>
+          <a:prstGeom prst="rect">
+            <a:avLst/>
+          </a:prstGeom>
+          <a:solidFill>
+            <a:schemeClr val="tx1"/>
+          </a:solidFill>
+          <a:ln w="38100"/>
+        </p:spPr>
+        <p:style>
+          <a:lnRef idx="2">
+            <a:schemeClr val="accent1">
+              <a:shade val="50000"/>
+            </a:schemeClr>
+          </a:lnRef>
+          <a:fillRef idx="1">
+            <a:schemeClr val="accent1"/>
+          </a:fillRef>
+          <a:effectRef idx="0">
+            <a:schemeClr val="accent1"/>
+          </a:effectRef>
+          <a:fontRef idx="minor">
+            <a:schemeClr val="lt1"/>
+          </a:fontRef>
+        </p:style>
+        <p:txBody>
+          <a:bodyPr rtlCol="0" anchor="ctr"/>
+          <a:lstStyle/>
+          <a:p>
+            <a:pPr algn="ctr"/>
+            <a:endParaRPr lang="zh-CN" altLang="en-US"/>
+          </a:p>
+        </p:txBody>
+      </p:sp>
+      <p:sp>
+        <p:nvSpPr>
+          <p:cNvPr id="17" name="矩形 16">
+            <a:extLst>
+              <a:ext uri="{FF2B5EF4-FFF2-40B4-BE49-F238E27FC236}">
+                <a16:creationId xmlns:a16="http://schemas.microsoft.com/office/drawing/2014/main" id="{D4E92B31-EA67-4D6F-983C-61FA7946DFF0}"/>
+              </a:ext>
+            </a:extLst>
+          </p:cNvPr>
+          <p:cNvSpPr/>
+          <p:nvPr/>
+        </p:nvSpPr>
+        <p:spPr>
+          <a:xfrm>
+            <a:off x="4690040" y="4054560"/>
+            <a:ext cx="792088" cy="143089"/>
+          </a:xfrm>
+          <a:prstGeom prst="rect">
+            <a:avLst/>
+          </a:prstGeom>
+          <a:solidFill>
+            <a:schemeClr val="tx1"/>
+          </a:solidFill>
+          <a:ln w="38100"/>
+        </p:spPr>
+        <p:style>
+          <a:lnRef idx="2">
+            <a:schemeClr val="accent1">
+              <a:shade val="50000"/>
+            </a:schemeClr>
+          </a:lnRef>
+          <a:fillRef idx="1">
+            <a:schemeClr val="accent1"/>
+          </a:fillRef>
+          <a:effectRef idx="0">
+            <a:schemeClr val="accent1"/>
+          </a:effectRef>
+          <a:fontRef idx="minor">
+            <a:schemeClr val="lt1"/>
+          </a:fontRef>
+        </p:style>
+        <p:txBody>
+          <a:bodyPr rtlCol="0" anchor="ctr"/>
+          <a:lstStyle/>
+          <a:p>
+            <a:pPr algn="ctr"/>
+            <a:endParaRPr lang="zh-CN" altLang="en-US"/>
+          </a:p>
+        </p:txBody>
+      </p:sp>
+      <p:pic>
+        <p:nvPicPr>
+          <p:cNvPr id="20" name="图片 19">
+            <a:extLst>
+              <a:ext uri="{FF2B5EF4-FFF2-40B4-BE49-F238E27FC236}">
+                <a16:creationId xmlns:a16="http://schemas.microsoft.com/office/drawing/2014/main" id="{9C6BFAF0-51CF-4909-9605-3C9F9E9AEF80}"/>
+              </a:ext>
+            </a:extLst>
+          </p:cNvPr>
+          <p:cNvPicPr>
+            <a:picLocks noChangeAspect="1"/>
+          </p:cNvPicPr>
+          <p:nvPr/>
+        </p:nvPicPr>
+        <p:blipFill>
+          <a:blip r:embed="rId2"/>
+          <a:stretch>
+            <a:fillRect/>
+          </a:stretch>
+        </p:blipFill>
+        <p:spPr>
+          <a:xfrm>
+            <a:off x="6550314" y="3387410"/>
+            <a:ext cx="4482715" cy="2650457"/>
+          </a:xfrm>
+          <a:prstGeom prst="rect">
+            <a:avLst/>
+          </a:prstGeom>
+        </p:spPr>
+      </p:pic>
+    </p:spTree>
+    <p:extLst>
+      <p:ext uri="{BB962C8B-B14F-4D97-AF65-F5344CB8AC3E}">
+        <p14:creationId xmlns:p14="http://schemas.microsoft.com/office/powerpoint/2010/main" val="1874385787"/>
+      </p:ext>
+    </p:extLst>
+  </p:cSld>
+  <p:clrMapOvr>
+    <a:masterClrMapping/>
+  </p:clrMapOvr>
+</p:sld>
+</file>
+
+<file path=ppt/slides/slide4.xml><?xml version="1.0" encoding="utf-8"?>
+<p:sld xmlns:a="http://schemas.openxmlformats.org/drawingml/2006/main" xmlns:r="http://schemas.openxmlformats.org/officeDocument/2006/relationships" xmlns:p="http://schemas.openxmlformats.org/presentationml/2006/main">
+  <p:cSld>
+    <p:spTree>
+      <p:nvGrpSpPr>
+        <p:cNvPr id="1" name=""/>
+        <p:cNvGrpSpPr/>
+        <p:nvPr/>
+      </p:nvGrpSpPr>
+      <p:grpSpPr>
+        <a:xfrm>
+          <a:off x="0" y="0"/>
+          <a:ext cx="0" cy="0"/>
+          <a:chOff x="0" y="0"/>
+          <a:chExt cx="0" cy="0"/>
+        </a:xfrm>
+      </p:grpSpPr>
+      <p:sp>
+        <p:nvSpPr>
+          <p:cNvPr id="2" name="标题 1">
+            <a:extLst>
+              <a:ext uri="{FF2B5EF4-FFF2-40B4-BE49-F238E27FC236}">
+                <a16:creationId xmlns:a16="http://schemas.microsoft.com/office/drawing/2014/main" id="{AE4F7ADD-4C68-4CD7-8E60-3F2DC77BF7C8}"/>
+              </a:ext>
+            </a:extLst>
+          </p:cNvPr>
+          <p:cNvSpPr>
+            <a:spLocks noGrp="1"/>
+          </p:cNvSpPr>
+          <p:nvPr>
+            <p:ph type="title"/>
+          </p:nvPr>
+        </p:nvSpPr>
+        <p:spPr/>
+        <p:txBody>
+          <a:bodyPr/>
+          <a:lstStyle/>
+          <a:p>
+            <a:r>
+              <a:rPr lang="zh-CN" altLang="en-US" dirty="0"/>
+              <a:t>场景相关的可解释工作</a:t>
+            </a:r>
+          </a:p>
+        </p:txBody>
+      </p:sp>
+      <p:sp>
+        <p:nvSpPr>
+          <p:cNvPr id="3" name="内容占位符 2">
+            <a:extLst>
+              <a:ext uri="{FF2B5EF4-FFF2-40B4-BE49-F238E27FC236}">
+                <a16:creationId xmlns:a16="http://schemas.microsoft.com/office/drawing/2014/main" id="{513CD166-4107-41AB-9CB4-EA2A95D87A78}"/>
+              </a:ext>
+            </a:extLst>
+          </p:cNvPr>
+          <p:cNvSpPr>
+            <a:spLocks noGrp="1"/>
+          </p:cNvSpPr>
+          <p:nvPr>
+            <p:ph idx="1"/>
+          </p:nvPr>
+        </p:nvSpPr>
+        <p:spPr/>
+        <p:txBody>
+          <a:bodyPr/>
+          <a:lstStyle/>
+          <a:p>
+            <a:r>
+              <a:rPr lang="zh-CN" altLang="en-US" dirty="0"/>
+              <a:t>对推荐系统</a:t>
+            </a:r>
+          </a:p>
+        </p:txBody>
+      </p:sp>
+    </p:spTree>
+    <p:extLst>
+      <p:ext uri="{BB962C8B-B14F-4D97-AF65-F5344CB8AC3E}">
+        <p14:creationId xmlns:p14="http://schemas.microsoft.com/office/powerpoint/2010/main" val="2181459699"/>
+      </p:ext>
+    </p:extLst>
+  </p:cSld>
+  <p:clrMapOvr>
+    <a:masterClrMapping/>
+  </p:clrMapOvr>
+</p:sld>
+</file>
+
+<file path=ppt/slides/slide5.xml><?xml version="1.0" encoding="utf-8"?>
+<p:sld xmlns:a="http://schemas.openxmlformats.org/drawingml/2006/main" xmlns:r="http://schemas.openxmlformats.org/officeDocument/2006/relationships" xmlns:p="http://schemas.openxmlformats.org/presentationml/2006/main">
+  <p:cSld>
+    <p:spTree>
+      <p:nvGrpSpPr>
+        <p:cNvPr id="1" name=""/>
+        <p:cNvGrpSpPr/>
+        <p:nvPr/>
+      </p:nvGrpSpPr>
+      <p:grpSpPr>
+        <a:xfrm>
+          <a:off x="0" y="0"/>
+          <a:ext cx="0" cy="0"/>
+          <a:chOff x="0" y="0"/>
+          <a:chExt cx="0" cy="0"/>
+        </a:xfrm>
+      </p:grpSpPr>
+      <p:sp>
+        <p:nvSpPr>
+          <p:cNvPr id="2" name="标题 1">
+            <a:extLst>
+              <a:ext uri="{FF2B5EF4-FFF2-40B4-BE49-F238E27FC236}">
+                <a16:creationId xmlns:a16="http://schemas.microsoft.com/office/drawing/2014/main" id="{556B33FC-0958-4714-BD9A-468EFA071DBD}"/>
+              </a:ext>
+            </a:extLst>
+          </p:cNvPr>
+          <p:cNvSpPr>
+            <a:spLocks noGrp="1"/>
+          </p:cNvSpPr>
+          <p:nvPr>
+            <p:ph type="title"/>
+          </p:nvPr>
+        </p:nvSpPr>
+        <p:spPr/>
+        <p:txBody>
+          <a:bodyPr/>
+          <a:lstStyle/>
+          <a:p>
+            <a:endParaRPr lang="zh-CN" altLang="en-US"/>
+          </a:p>
+        </p:txBody>
+      </p:sp>
+      <p:sp>
+        <p:nvSpPr>
+          <p:cNvPr id="3" name="内容占位符 2">
+            <a:extLst>
+              <a:ext uri="{FF2B5EF4-FFF2-40B4-BE49-F238E27FC236}">
+                <a16:creationId xmlns:a16="http://schemas.microsoft.com/office/drawing/2014/main" id="{C5A29185-B909-4FBE-AED8-5D69397234CE}"/>
+              </a:ext>
+            </a:extLst>
+          </p:cNvPr>
+          <p:cNvSpPr>
+            <a:spLocks noGrp="1"/>
+          </p:cNvSpPr>
+          <p:nvPr>
+            <p:ph idx="1"/>
+          </p:nvPr>
+        </p:nvSpPr>
+        <p:spPr/>
+        <p:txBody>
+          <a:bodyPr/>
+          <a:lstStyle/>
+          <a:p>
+            <a:endParaRPr lang="zh-CN" altLang="en-US"/>
+          </a:p>
+        </p:txBody>
+      </p:sp>
+      <p:sp>
+        <p:nvSpPr>
+          <p:cNvPr id="4" name="流程图: 过程 3">
+            <a:extLst>
+              <a:ext uri="{FF2B5EF4-FFF2-40B4-BE49-F238E27FC236}">
+                <a16:creationId xmlns:a16="http://schemas.microsoft.com/office/drawing/2014/main" id="{D5D4E6D5-2C86-4EDA-9962-532CE4DEED75}"/>
+              </a:ext>
+            </a:extLst>
+          </p:cNvPr>
+          <p:cNvSpPr/>
+          <p:nvPr/>
+        </p:nvSpPr>
+        <p:spPr>
+          <a:xfrm>
+            <a:off x="1402915" y="3594970"/>
+            <a:ext cx="826718" cy="501041"/>
+          </a:xfrm>
+          <a:prstGeom prst="flowChartProcess">
+            <a:avLst/>
+          </a:prstGeom>
+        </p:spPr>
+        <p:style>
+          <a:lnRef idx="1">
+            <a:schemeClr val="accent2"/>
+          </a:lnRef>
+          <a:fillRef idx="2">
+            <a:schemeClr val="accent2"/>
+          </a:fillRef>
+          <a:effectRef idx="1">
+            <a:schemeClr val="accent2"/>
+          </a:effectRef>
+          <a:fontRef idx="minor">
+            <a:schemeClr val="dk1"/>
+          </a:fontRef>
+        </p:style>
+        <p:txBody>
+          <a:bodyPr rtlCol="0" anchor="ctr"/>
+          <a:lstStyle/>
+          <a:p>
+            <a:pPr algn="ctr"/>
+            <a:r>
+              <a:rPr lang="en-US" altLang="zh-CN" dirty="0"/>
+              <a:t>X</a:t>
+            </a:r>
+            <a:endParaRPr lang="zh-CN" altLang="en-US" dirty="0"/>
+          </a:p>
+        </p:txBody>
+      </p:sp>
+      <p:cxnSp>
+        <p:nvCxnSpPr>
+          <p:cNvPr id="5" name="直接连接符 4">
+            <a:extLst>
+              <a:ext uri="{FF2B5EF4-FFF2-40B4-BE49-F238E27FC236}">
+                <a16:creationId xmlns:a16="http://schemas.microsoft.com/office/drawing/2014/main" id="{59A700B5-B4D5-4FE7-A982-85B34C7CA0EC}"/>
+              </a:ext>
+            </a:extLst>
+          </p:cNvPr>
+          <p:cNvCxnSpPr/>
+          <p:nvPr/>
+        </p:nvCxnSpPr>
+        <p:spPr>
+          <a:xfrm>
+            <a:off x="2229633" y="3832964"/>
+            <a:ext cx="137786" cy="0"/>
+          </a:xfrm>
+          <a:prstGeom prst="line">
+            <a:avLst/>
+          </a:prstGeom>
+        </p:spPr>
+        <p:style>
+          <a:lnRef idx="1">
+            <a:schemeClr val="accent1"/>
+          </a:lnRef>
+          <a:fillRef idx="0">
+            <a:schemeClr val="accent1"/>
+          </a:fillRef>
+          <a:effectRef idx="0">
+            <a:schemeClr val="accent1"/>
+          </a:effectRef>
+          <a:fontRef idx="minor">
+            <a:schemeClr val="tx1"/>
+          </a:fontRef>
+        </p:style>
+      </p:cxnSp>
+      <p:cxnSp>
+        <p:nvCxnSpPr>
+          <p:cNvPr id="6" name="直接连接符 5">
+            <a:extLst>
+              <a:ext uri="{FF2B5EF4-FFF2-40B4-BE49-F238E27FC236}">
+                <a16:creationId xmlns:a16="http://schemas.microsoft.com/office/drawing/2014/main" id="{A32AB54C-FC42-4D2D-AE5A-17A1F8F15CCC}"/>
+              </a:ext>
+            </a:extLst>
+          </p:cNvPr>
+          <p:cNvCxnSpPr/>
+          <p:nvPr/>
+        </p:nvCxnSpPr>
+        <p:spPr>
+          <a:xfrm>
+            <a:off x="2367419" y="3093928"/>
+            <a:ext cx="0" cy="1478072"/>
+          </a:xfrm>
+          <a:prstGeom prst="line">
+            <a:avLst/>
+          </a:prstGeom>
+        </p:spPr>
+        <p:style>
+          <a:lnRef idx="1">
+            <a:schemeClr val="accent1"/>
+          </a:lnRef>
+          <a:fillRef idx="0">
+            <a:schemeClr val="accent1"/>
+          </a:fillRef>
+          <a:effectRef idx="0">
+            <a:schemeClr val="accent1"/>
+          </a:effectRef>
+          <a:fontRef idx="minor">
+            <a:schemeClr val="tx1"/>
+          </a:fontRef>
+        </p:style>
+      </p:cxnSp>
+      <p:cxnSp>
+        <p:nvCxnSpPr>
+          <p:cNvPr id="7" name="直接箭头连接符 6">
+            <a:extLst>
+              <a:ext uri="{FF2B5EF4-FFF2-40B4-BE49-F238E27FC236}">
+                <a16:creationId xmlns:a16="http://schemas.microsoft.com/office/drawing/2014/main" id="{9226A4AD-C844-4308-9991-783CBAE96E0F}"/>
+              </a:ext>
+            </a:extLst>
+          </p:cNvPr>
+          <p:cNvCxnSpPr/>
+          <p:nvPr/>
+        </p:nvCxnSpPr>
+        <p:spPr>
+          <a:xfrm>
+            <a:off x="2367419" y="3093928"/>
+            <a:ext cx="501041" cy="0"/>
+          </a:xfrm>
+          <a:prstGeom prst="straightConnector1">
+            <a:avLst/>
+          </a:prstGeom>
+          <a:ln>
+            <a:tailEnd type="triangle"/>
+          </a:ln>
+        </p:spPr>
+        <p:style>
+          <a:lnRef idx="1">
+            <a:schemeClr val="accent1"/>
+          </a:lnRef>
+          <a:fillRef idx="0">
+            <a:schemeClr val="accent1"/>
+          </a:fillRef>
+          <a:effectRef idx="0">
+            <a:schemeClr val="accent1"/>
+          </a:effectRef>
+          <a:fontRef idx="minor">
+            <a:schemeClr val="tx1"/>
+          </a:fontRef>
+        </p:style>
+      </p:cxnSp>
+      <p:cxnSp>
+        <p:nvCxnSpPr>
+          <p:cNvPr id="8" name="直接箭头连接符 7">
+            <a:extLst>
+              <a:ext uri="{FF2B5EF4-FFF2-40B4-BE49-F238E27FC236}">
+                <a16:creationId xmlns:a16="http://schemas.microsoft.com/office/drawing/2014/main" id="{5A0B6E07-A211-491C-987D-CD1DC931941F}"/>
+              </a:ext>
+            </a:extLst>
+          </p:cNvPr>
+          <p:cNvCxnSpPr/>
+          <p:nvPr/>
+        </p:nvCxnSpPr>
+        <p:spPr>
+          <a:xfrm>
+            <a:off x="2367419" y="4572000"/>
+            <a:ext cx="501041" cy="0"/>
+          </a:xfrm>
+          <a:prstGeom prst="straightConnector1">
+            <a:avLst/>
+          </a:prstGeom>
+          <a:ln>
+            <a:tailEnd type="triangle"/>
+          </a:ln>
+        </p:spPr>
+        <p:style>
+          <a:lnRef idx="1">
+            <a:schemeClr val="accent1"/>
+          </a:lnRef>
+          <a:fillRef idx="0">
+            <a:schemeClr val="accent1"/>
+          </a:fillRef>
+          <a:effectRef idx="0">
+            <a:schemeClr val="accent1"/>
+          </a:effectRef>
+          <a:fontRef idx="minor">
+            <a:schemeClr val="tx1"/>
+          </a:fontRef>
+        </p:style>
+      </p:cxnSp>
+      <p:sp>
+        <p:nvSpPr>
+          <p:cNvPr id="9" name="圆角矩形 12">
+            <a:extLst>
+              <a:ext uri="{FF2B5EF4-FFF2-40B4-BE49-F238E27FC236}">
+                <a16:creationId xmlns:a16="http://schemas.microsoft.com/office/drawing/2014/main" id="{30664676-1510-4205-BFB5-7D3E391DFEAB}"/>
+              </a:ext>
+            </a:extLst>
+          </p:cNvPr>
+          <p:cNvSpPr/>
+          <p:nvPr/>
+        </p:nvSpPr>
+        <p:spPr>
+          <a:xfrm>
+            <a:off x="2868460" y="2718148"/>
+            <a:ext cx="1465545" cy="688931"/>
+          </a:xfrm>
+          <a:prstGeom prst="roundRect">
+            <a:avLst/>
+          </a:prstGeom>
+        </p:spPr>
+        <p:style>
+          <a:lnRef idx="1">
+            <a:schemeClr val="accent2"/>
+          </a:lnRef>
+          <a:fillRef idx="2">
+            <a:schemeClr val="accent2"/>
+          </a:fillRef>
+          <a:effectRef idx="1">
+            <a:schemeClr val="accent2"/>
+          </a:effectRef>
+          <a:fontRef idx="minor">
+            <a:schemeClr val="dk1"/>
+          </a:fontRef>
+        </p:style>
+        <p:txBody>
+          <a:bodyPr rtlCol="0" anchor="ctr"/>
+          <a:lstStyle/>
+          <a:p>
+            <a:pPr algn="ctr"/>
+            <a:r>
+              <a:rPr lang="en-US" altLang="zh-CN" dirty="0"/>
+              <a:t>Local Transformer</a:t>
+            </a:r>
+            <a:endParaRPr lang="zh-CN" altLang="en-US" dirty="0"/>
+          </a:p>
+        </p:txBody>
+      </p:sp>
+      <p:sp>
+        <p:nvSpPr>
+          <p:cNvPr id="10" name="圆角矩形 13">
+            <a:extLst>
+              <a:ext uri="{FF2B5EF4-FFF2-40B4-BE49-F238E27FC236}">
+                <a16:creationId xmlns:a16="http://schemas.microsoft.com/office/drawing/2014/main" id="{43A39654-EF9A-4355-89CC-DE82FBAD1386}"/>
+              </a:ext>
+            </a:extLst>
+          </p:cNvPr>
+          <p:cNvSpPr/>
+          <p:nvPr/>
+        </p:nvSpPr>
+        <p:spPr>
+          <a:xfrm>
+            <a:off x="2856978" y="4227534"/>
+            <a:ext cx="1477027" cy="688931"/>
+          </a:xfrm>
+          <a:prstGeom prst="roundRect">
+            <a:avLst/>
+          </a:prstGeom>
+        </p:spPr>
+        <p:style>
+          <a:lnRef idx="1">
+            <a:schemeClr val="accent2"/>
+          </a:lnRef>
+          <a:fillRef idx="2">
+            <a:schemeClr val="accent2"/>
+          </a:fillRef>
+          <a:effectRef idx="1">
+            <a:schemeClr val="accent2"/>
+          </a:effectRef>
+          <a:fontRef idx="minor">
+            <a:schemeClr val="dk1"/>
+          </a:fontRef>
+        </p:style>
+        <p:txBody>
+          <a:bodyPr rtlCol="0" anchor="ctr"/>
+          <a:lstStyle/>
+          <a:p>
+            <a:pPr algn="ctr"/>
+            <a:r>
+              <a:rPr lang="en-US" altLang="zh-CN" dirty="0"/>
+              <a:t>Global Transformer</a:t>
+            </a:r>
+            <a:endParaRPr lang="zh-CN" altLang="en-US" dirty="0"/>
+          </a:p>
+        </p:txBody>
+      </p:sp>
+      <p:cxnSp>
+        <p:nvCxnSpPr>
+          <p:cNvPr id="11" name="直接连接符 10">
+            <a:extLst>
+              <a:ext uri="{FF2B5EF4-FFF2-40B4-BE49-F238E27FC236}">
+                <a16:creationId xmlns:a16="http://schemas.microsoft.com/office/drawing/2014/main" id="{F7833222-9FAA-4AFE-B855-AE9C146FFEB5}"/>
+              </a:ext>
+            </a:extLst>
+          </p:cNvPr>
+          <p:cNvCxnSpPr>
+            <a:stCxn id="9" idx="3"/>
+          </p:cNvCxnSpPr>
+          <p:nvPr/>
+        </p:nvCxnSpPr>
+        <p:spPr>
+          <a:xfrm flipV="1">
+            <a:off x="4334005" y="3056351"/>
+            <a:ext cx="1233816" cy="6263"/>
+          </a:xfrm>
+          <a:prstGeom prst="line">
+            <a:avLst/>
+          </a:prstGeom>
+        </p:spPr>
+        <p:style>
+          <a:lnRef idx="1">
+            <a:schemeClr val="accent1"/>
+          </a:lnRef>
+          <a:fillRef idx="0">
+            <a:schemeClr val="accent1"/>
+          </a:fillRef>
+          <a:effectRef idx="0">
+            <a:schemeClr val="accent1"/>
+          </a:effectRef>
+          <a:fontRef idx="minor">
+            <a:schemeClr val="tx1"/>
+          </a:fontRef>
+        </p:style>
+      </p:cxnSp>
+      <p:cxnSp>
+        <p:nvCxnSpPr>
+          <p:cNvPr id="12" name="直接连接符 11">
+            <a:extLst>
+              <a:ext uri="{FF2B5EF4-FFF2-40B4-BE49-F238E27FC236}">
+                <a16:creationId xmlns:a16="http://schemas.microsoft.com/office/drawing/2014/main" id="{169ACB55-AD98-4C47-9E79-41C761953F00}"/>
+              </a:ext>
+            </a:extLst>
+          </p:cNvPr>
+          <p:cNvCxnSpPr>
+            <a:stCxn id="10" idx="3"/>
+          </p:cNvCxnSpPr>
+          <p:nvPr/>
+        </p:nvCxnSpPr>
+        <p:spPr>
+          <a:xfrm>
+            <a:off x="4334005" y="4572000"/>
+            <a:ext cx="1233816" cy="0"/>
+          </a:xfrm>
+          <a:prstGeom prst="line">
+            <a:avLst/>
+          </a:prstGeom>
+        </p:spPr>
+        <p:style>
+          <a:lnRef idx="1">
+            <a:schemeClr val="accent1"/>
+          </a:lnRef>
+          <a:fillRef idx="0">
+            <a:schemeClr val="accent1"/>
+          </a:fillRef>
+          <a:effectRef idx="0">
+            <a:schemeClr val="accent1"/>
+          </a:effectRef>
+          <a:fontRef idx="minor">
+            <a:schemeClr val="tx1"/>
+          </a:fontRef>
+        </p:style>
+      </p:cxnSp>
+      <p:sp>
+        <p:nvSpPr>
+          <p:cNvPr id="13" name="圆角矩形 19">
+            <a:extLst>
+              <a:ext uri="{FF2B5EF4-FFF2-40B4-BE49-F238E27FC236}">
+                <a16:creationId xmlns:a16="http://schemas.microsoft.com/office/drawing/2014/main" id="{AE4EA438-7CE4-4934-84F7-981F6F4D3540}"/>
+              </a:ext>
+            </a:extLst>
+          </p:cNvPr>
+          <p:cNvSpPr/>
+          <p:nvPr/>
+        </p:nvSpPr>
+        <p:spPr>
+          <a:xfrm>
+            <a:off x="4922731" y="3419605"/>
+            <a:ext cx="1290180" cy="739035"/>
+          </a:xfrm>
+          <a:prstGeom prst="roundRect">
+            <a:avLst/>
+          </a:prstGeom>
+        </p:spPr>
+        <p:style>
+          <a:lnRef idx="1">
+            <a:schemeClr val="accent2"/>
+          </a:lnRef>
+          <a:fillRef idx="2">
+            <a:schemeClr val="accent2"/>
+          </a:fillRef>
+          <a:effectRef idx="1">
+            <a:schemeClr val="accent2"/>
+          </a:effectRef>
+          <a:fontRef idx="minor">
+            <a:schemeClr val="dk1"/>
+          </a:fontRef>
+        </p:style>
+        <p:txBody>
+          <a:bodyPr rtlCol="0" anchor="ctr"/>
+          <a:lstStyle/>
+          <a:p>
+            <a:pPr algn="ctr"/>
+            <a:r>
+              <a:rPr lang="en-US" altLang="zh-CN" dirty="0"/>
+              <a:t>Gated Mixture</a:t>
+            </a:r>
+            <a:endParaRPr lang="zh-CN" altLang="en-US" dirty="0"/>
+          </a:p>
+        </p:txBody>
+      </p:sp>
+      <p:cxnSp>
+        <p:nvCxnSpPr>
+          <p:cNvPr id="14" name="直接箭头连接符 13">
+            <a:extLst>
+              <a:ext uri="{FF2B5EF4-FFF2-40B4-BE49-F238E27FC236}">
+                <a16:creationId xmlns:a16="http://schemas.microsoft.com/office/drawing/2014/main" id="{E8392ADB-1C10-4EC4-817F-FAAA7D489B12}"/>
+              </a:ext>
+            </a:extLst>
+          </p:cNvPr>
+          <p:cNvCxnSpPr>
+            <a:endCxn id="13" idx="0"/>
+          </p:cNvCxnSpPr>
+          <p:nvPr/>
+        </p:nvCxnSpPr>
+        <p:spPr>
+          <a:xfrm>
+            <a:off x="5567821" y="3062614"/>
+            <a:ext cx="0" cy="356991"/>
+          </a:xfrm>
+          <a:prstGeom prst="straightConnector1">
+            <a:avLst/>
+          </a:prstGeom>
+          <a:ln>
+            <a:tailEnd type="triangle"/>
+          </a:ln>
+        </p:spPr>
+        <p:style>
+          <a:lnRef idx="1">
+            <a:schemeClr val="accent1"/>
+          </a:lnRef>
+          <a:fillRef idx="0">
+            <a:schemeClr val="accent1"/>
+          </a:fillRef>
+          <a:effectRef idx="0">
+            <a:schemeClr val="accent1"/>
+          </a:effectRef>
+          <a:fontRef idx="minor">
+            <a:schemeClr val="tx1"/>
+          </a:fontRef>
+        </p:style>
+      </p:cxnSp>
+      <p:cxnSp>
+        <p:nvCxnSpPr>
+          <p:cNvPr id="15" name="直接箭头连接符 14">
+            <a:extLst>
+              <a:ext uri="{FF2B5EF4-FFF2-40B4-BE49-F238E27FC236}">
+                <a16:creationId xmlns:a16="http://schemas.microsoft.com/office/drawing/2014/main" id="{04A6F2F3-90EB-4B9F-AA16-E57E5BB678DD}"/>
+              </a:ext>
+            </a:extLst>
+          </p:cNvPr>
+          <p:cNvCxnSpPr>
+            <a:endCxn id="13" idx="2"/>
+          </p:cNvCxnSpPr>
+          <p:nvPr/>
+        </p:nvCxnSpPr>
+        <p:spPr>
+          <a:xfrm flipV="1">
+            <a:off x="5567821" y="4158640"/>
+            <a:ext cx="0" cy="400834"/>
+          </a:xfrm>
+          <a:prstGeom prst="straightConnector1">
+            <a:avLst/>
+          </a:prstGeom>
+          <a:ln>
+            <a:tailEnd type="triangle"/>
+          </a:ln>
+        </p:spPr>
+        <p:style>
+          <a:lnRef idx="1">
+            <a:schemeClr val="accent1"/>
+          </a:lnRef>
+          <a:fillRef idx="0">
+            <a:schemeClr val="accent1"/>
+          </a:fillRef>
+          <a:effectRef idx="0">
+            <a:schemeClr val="accent1"/>
+          </a:effectRef>
+          <a:fontRef idx="minor">
+            <a:schemeClr val="tx1"/>
+          </a:fontRef>
+        </p:style>
+      </p:cxnSp>
+      <p:cxnSp>
+        <p:nvCxnSpPr>
+          <p:cNvPr id="16" name="直接连接符 15">
+            <a:extLst>
+              <a:ext uri="{FF2B5EF4-FFF2-40B4-BE49-F238E27FC236}">
+                <a16:creationId xmlns:a16="http://schemas.microsoft.com/office/drawing/2014/main" id="{3709B7D2-9699-413A-997D-74B81385F718}"/>
+              </a:ext>
+            </a:extLst>
+          </p:cNvPr>
+          <p:cNvCxnSpPr/>
+          <p:nvPr/>
+        </p:nvCxnSpPr>
+        <p:spPr>
+          <a:xfrm>
+            <a:off x="6212911" y="3826701"/>
+            <a:ext cx="701456" cy="6263"/>
+          </a:xfrm>
+          <a:prstGeom prst="line">
+            <a:avLst/>
+          </a:prstGeom>
+        </p:spPr>
+        <p:style>
+          <a:lnRef idx="1">
+            <a:schemeClr val="accent1"/>
+          </a:lnRef>
+          <a:fillRef idx="0">
+            <a:schemeClr val="accent1"/>
+          </a:fillRef>
+          <a:effectRef idx="0">
+            <a:schemeClr val="accent1"/>
+          </a:effectRef>
+          <a:fontRef idx="minor">
+            <a:schemeClr val="tx1"/>
+          </a:fontRef>
+        </p:style>
+      </p:cxnSp>
+      <p:sp>
+        <p:nvSpPr>
+          <p:cNvPr id="17" name="流程图: 过程 16">
+            <a:extLst>
+              <a:ext uri="{FF2B5EF4-FFF2-40B4-BE49-F238E27FC236}">
+                <a16:creationId xmlns:a16="http://schemas.microsoft.com/office/drawing/2014/main" id="{5494BE45-5EE4-470B-8CE1-F4091E44930D}"/>
+              </a:ext>
+            </a:extLst>
+          </p:cNvPr>
+          <p:cNvSpPr/>
+          <p:nvPr/>
+        </p:nvSpPr>
+        <p:spPr>
+          <a:xfrm>
+            <a:off x="6931068" y="3576180"/>
+            <a:ext cx="826718" cy="501041"/>
+          </a:xfrm>
+          <a:prstGeom prst="flowChartProcess">
+            <a:avLst/>
+          </a:prstGeom>
+        </p:spPr>
+        <p:style>
+          <a:lnRef idx="1">
+            <a:schemeClr val="accent2"/>
+          </a:lnRef>
+          <a:fillRef idx="2">
+            <a:schemeClr val="accent2"/>
+          </a:fillRef>
+          <a:effectRef idx="1">
+            <a:schemeClr val="accent2"/>
+          </a:effectRef>
+          <a:fontRef idx="minor">
+            <a:schemeClr val="dk1"/>
+          </a:fontRef>
+        </p:style>
+        <p:txBody>
+          <a:bodyPr rtlCol="0" anchor="ctr"/>
+          <a:lstStyle/>
+          <a:p>
+            <a:pPr algn="ctr"/>
+            <a:r>
+              <a:rPr lang="en-US" altLang="zh-CN" dirty="0"/>
+              <a:t>H</a:t>
+            </a:r>
+            <a:endParaRPr lang="zh-CN" altLang="en-US" dirty="0"/>
+          </a:p>
+        </p:txBody>
+      </p:sp>
+      <p:sp>
+        <p:nvSpPr>
+          <p:cNvPr id="18" name="线形标注 1(无边框) 36">
+            <a:extLst>
+              <a:ext uri="{FF2B5EF4-FFF2-40B4-BE49-F238E27FC236}">
+                <a16:creationId xmlns:a16="http://schemas.microsoft.com/office/drawing/2014/main" id="{85A549BE-455B-4A9E-9ADD-8D3DD49F2EBF}"/>
+              </a:ext>
+            </a:extLst>
+          </p:cNvPr>
+          <p:cNvSpPr/>
+          <p:nvPr/>
+        </p:nvSpPr>
+        <p:spPr>
+          <a:xfrm>
+            <a:off x="4835045" y="2583330"/>
+            <a:ext cx="563672" cy="350729"/>
+          </a:xfrm>
+          <a:prstGeom prst="callout1">
+            <a:avLst/>
+          </a:prstGeom>
+          <a:noFill/>
+          <a:ln>
+            <a:noFill/>
+          </a:ln>
+        </p:spPr>
+        <p:style>
+          <a:lnRef idx="0">
+            <a:scrgbClr r="0" g="0" b="0"/>
+          </a:lnRef>
+          <a:fillRef idx="0">
+            <a:scrgbClr r="0" g="0" b="0"/>
+          </a:fillRef>
+          <a:effectRef idx="0">
+            <a:scrgbClr r="0" g="0" b="0"/>
+          </a:effectRef>
+          <a:fontRef idx="minor">
+            <a:schemeClr val="accent2"/>
+          </a:fontRef>
+        </p:style>
+        <p:txBody>
+          <a:bodyPr rtlCol="0" anchor="ctr"/>
+          <a:lstStyle/>
+          <a:p>
+            <a:pPr algn="ctr"/>
+            <a:endParaRPr lang="zh-CN" altLang="en-US"/>
+          </a:p>
+        </p:txBody>
+      </p:sp>
+      <p:sp>
+        <p:nvSpPr>
+          <p:cNvPr id="19" name="矩形 18">
+            <a:extLst>
+              <a:ext uri="{FF2B5EF4-FFF2-40B4-BE49-F238E27FC236}">
+                <a16:creationId xmlns:a16="http://schemas.microsoft.com/office/drawing/2014/main" id="{28FE1EE1-C798-44D9-B45D-88B14C9D204F}"/>
+              </a:ext>
+            </a:extLst>
+          </p:cNvPr>
+          <p:cNvSpPr/>
+          <p:nvPr/>
+        </p:nvSpPr>
+        <p:spPr>
+          <a:xfrm>
+            <a:off x="4454434" y="2611955"/>
+            <a:ext cx="417102" cy="369332"/>
+          </a:xfrm>
+          <a:prstGeom prst="rect">
+            <a:avLst/>
+          </a:prstGeom>
+        </p:spPr>
+        <p:txBody>
+          <a:bodyPr wrap="none">
+            <a:spAutoFit/>
+          </a:bodyPr>
+          <a:lstStyle/>
+          <a:p>
+            <a:r>
+              <a:rPr lang="en-US" altLang="zh-CN" b="1" dirty="0"/>
+              <a:t>H</a:t>
+            </a:r>
+            <a:r>
+              <a:rPr lang="en-US" altLang="zh-CN" b="1" baseline="30000" dirty="0"/>
+              <a:t>s</a:t>
+            </a:r>
+            <a:endParaRPr lang="zh-CN" altLang="en-US" b="1" baseline="30000" dirty="0"/>
+          </a:p>
+        </p:txBody>
+      </p:sp>
+      <p:sp>
+        <p:nvSpPr>
+          <p:cNvPr id="20" name="矩形 19">
+            <a:extLst>
+              <a:ext uri="{FF2B5EF4-FFF2-40B4-BE49-F238E27FC236}">
+                <a16:creationId xmlns:a16="http://schemas.microsoft.com/office/drawing/2014/main" id="{545DDE42-FA39-45A8-93DA-56B41F6DEB69}"/>
+              </a:ext>
+            </a:extLst>
+          </p:cNvPr>
+          <p:cNvSpPr/>
+          <p:nvPr/>
+        </p:nvSpPr>
+        <p:spPr>
+          <a:xfrm>
+            <a:off x="4511369" y="4571999"/>
+            <a:ext cx="447558" cy="369332"/>
+          </a:xfrm>
+          <a:prstGeom prst="rect">
+            <a:avLst/>
+          </a:prstGeom>
+        </p:spPr>
+        <p:txBody>
+          <a:bodyPr wrap="none">
+            <a:spAutoFit/>
+          </a:bodyPr>
+          <a:lstStyle/>
+          <a:p>
+            <a:r>
+              <a:rPr lang="en-US" altLang="zh-CN" b="1" dirty="0"/>
+              <a:t>H</a:t>
+            </a:r>
+            <a:r>
+              <a:rPr lang="en-US" altLang="zh-CN" b="1" baseline="30000" dirty="0"/>
+              <a:t>g</a:t>
+            </a:r>
+            <a:endParaRPr lang="zh-CN" altLang="en-US" b="1" baseline="30000" dirty="0"/>
+          </a:p>
+        </p:txBody>
+      </p:sp>
+      <p:cxnSp>
+        <p:nvCxnSpPr>
+          <p:cNvPr id="21" name="曲线连接符 4">
+            <a:extLst>
+              <a:ext uri="{FF2B5EF4-FFF2-40B4-BE49-F238E27FC236}">
+                <a16:creationId xmlns:a16="http://schemas.microsoft.com/office/drawing/2014/main" id="{16A6F5D9-B843-4AFC-847E-BA9DE67C242C}"/>
+              </a:ext>
+            </a:extLst>
+          </p:cNvPr>
+          <p:cNvCxnSpPr>
+            <a:stCxn id="9" idx="0"/>
+          </p:cNvCxnSpPr>
+          <p:nvPr/>
+        </p:nvCxnSpPr>
+        <p:spPr>
+          <a:xfrm rot="5400000" flipH="1" flipV="1">
+            <a:off x="4938386" y="579329"/>
+            <a:ext cx="801666" cy="3475972"/>
+          </a:xfrm>
+          <a:prstGeom prst="curvedConnector2">
+            <a:avLst/>
+          </a:prstGeom>
+          <a:ln>
+            <a:tailEnd type="triangle"/>
+          </a:ln>
+        </p:spPr>
+        <p:style>
+          <a:lnRef idx="1">
+            <a:schemeClr val="accent1"/>
+          </a:lnRef>
+          <a:fillRef idx="0">
+            <a:schemeClr val="accent1"/>
+          </a:fillRef>
+          <a:effectRef idx="0">
+            <a:schemeClr val="accent1"/>
+          </a:effectRef>
+          <a:fontRef idx="minor">
+            <a:schemeClr val="tx1"/>
+          </a:fontRef>
+        </p:style>
+      </p:cxnSp>
+      <p:sp>
+        <p:nvSpPr>
+          <p:cNvPr id="22" name="矩形 21">
+            <a:extLst>
+              <a:ext uri="{FF2B5EF4-FFF2-40B4-BE49-F238E27FC236}">
+                <a16:creationId xmlns:a16="http://schemas.microsoft.com/office/drawing/2014/main" id="{1DD6B446-73F2-40DD-B8BD-A0F17EFF6793}"/>
+              </a:ext>
+            </a:extLst>
+          </p:cNvPr>
+          <p:cNvSpPr/>
+          <p:nvPr/>
+        </p:nvSpPr>
+        <p:spPr>
+          <a:xfrm>
+            <a:off x="7077203" y="1628291"/>
+            <a:ext cx="2430051" cy="614101"/>
+          </a:xfrm>
+          <a:prstGeom prst="rect">
+            <a:avLst/>
+          </a:prstGeom>
+        </p:spPr>
+        <p:style>
+          <a:lnRef idx="2">
+            <a:schemeClr val="accent1">
+              <a:shade val="50000"/>
+            </a:schemeClr>
+          </a:lnRef>
+          <a:fillRef idx="1">
+            <a:schemeClr val="accent1"/>
+          </a:fillRef>
+          <a:effectRef idx="0">
+            <a:schemeClr val="accent1"/>
+          </a:effectRef>
+          <a:fontRef idx="minor">
+            <a:schemeClr val="lt1"/>
+          </a:fontRef>
+        </p:style>
+        <p:txBody>
+          <a:bodyPr rtlCol="0" anchor="ctr"/>
+          <a:lstStyle/>
+          <a:p>
+            <a:pPr algn="ctr"/>
+            <a:r>
+              <a:rPr lang="zh-CN" altLang="en-US" dirty="0"/>
+              <a:t>针对不同场景下的文本创建不同的模型</a:t>
+            </a:r>
+          </a:p>
+        </p:txBody>
+      </p:sp>
+      <p:cxnSp>
+        <p:nvCxnSpPr>
+          <p:cNvPr id="23" name="曲线连接符 10">
+            <a:extLst>
+              <a:ext uri="{FF2B5EF4-FFF2-40B4-BE49-F238E27FC236}">
+                <a16:creationId xmlns:a16="http://schemas.microsoft.com/office/drawing/2014/main" id="{E640614D-3D32-4FD6-846B-51476BFFCA75}"/>
+              </a:ext>
+            </a:extLst>
+          </p:cNvPr>
+          <p:cNvCxnSpPr>
+            <a:stCxn id="10" idx="2"/>
+          </p:cNvCxnSpPr>
+          <p:nvPr/>
+        </p:nvCxnSpPr>
+        <p:spPr>
+          <a:xfrm rot="16200000" flipH="1">
+            <a:off x="5405161" y="3106796"/>
+            <a:ext cx="595149" cy="4214486"/>
+          </a:xfrm>
+          <a:prstGeom prst="curvedConnector2">
+            <a:avLst/>
+          </a:prstGeom>
+          <a:ln>
+            <a:tailEnd type="triangle"/>
+          </a:ln>
+        </p:spPr>
+        <p:style>
+          <a:lnRef idx="1">
+            <a:schemeClr val="accent1"/>
+          </a:lnRef>
+          <a:fillRef idx="0">
+            <a:schemeClr val="accent1"/>
+          </a:fillRef>
+          <a:effectRef idx="0">
+            <a:schemeClr val="accent1"/>
+          </a:effectRef>
+          <a:fontRef idx="minor">
+            <a:schemeClr val="tx1"/>
+          </a:fontRef>
+        </p:style>
+      </p:cxnSp>
+      <p:sp>
+        <p:nvSpPr>
+          <p:cNvPr id="24" name="矩形 23">
+            <a:extLst>
+              <a:ext uri="{FF2B5EF4-FFF2-40B4-BE49-F238E27FC236}">
+                <a16:creationId xmlns:a16="http://schemas.microsoft.com/office/drawing/2014/main" id="{5B511B94-E028-4B72-ABA9-E1A2FC1C8444}"/>
+              </a:ext>
+            </a:extLst>
+          </p:cNvPr>
+          <p:cNvSpPr/>
+          <p:nvPr/>
+        </p:nvSpPr>
+        <p:spPr>
+          <a:xfrm>
+            <a:off x="7809979" y="5214039"/>
+            <a:ext cx="1872640" cy="591934"/>
+          </a:xfrm>
+          <a:prstGeom prst="rect">
+            <a:avLst/>
+          </a:prstGeom>
+        </p:spPr>
+        <p:style>
+          <a:lnRef idx="2">
+            <a:schemeClr val="accent1">
+              <a:shade val="50000"/>
+            </a:schemeClr>
+          </a:lnRef>
+          <a:fillRef idx="1">
+            <a:schemeClr val="accent1"/>
+          </a:fillRef>
+          <a:effectRef idx="0">
+            <a:schemeClr val="accent1"/>
+          </a:effectRef>
+          <a:fontRef idx="minor">
+            <a:schemeClr val="lt1"/>
+          </a:fontRef>
+        </p:style>
+        <p:txBody>
+          <a:bodyPr rtlCol="0" anchor="ctr"/>
+          <a:lstStyle/>
+          <a:p>
+            <a:pPr algn="ctr"/>
+            <a:r>
+              <a:rPr lang="zh-CN" altLang="en-US" dirty="0"/>
+              <a:t>所有文本的模型</a:t>
+            </a:r>
+          </a:p>
+        </p:txBody>
+      </p:sp>
+    </p:spTree>
+    <p:extLst>
+      <p:ext uri="{BB962C8B-B14F-4D97-AF65-F5344CB8AC3E}">
+        <p14:creationId xmlns:p14="http://schemas.microsoft.com/office/powerpoint/2010/main" val="931778544"/>
       </p:ext>
     </p:extLst>
   </p:cSld>

--- a/8月总结.pptx
+++ b/8月总结.pptx
@@ -9,7 +9,10 @@
     <p:sldId id="257" r:id="rId3"/>
     <p:sldId id="258" r:id="rId4"/>
     <p:sldId id="259" r:id="rId5"/>
-    <p:sldId id="260" r:id="rId6"/>
+    <p:sldId id="262" r:id="rId6"/>
+    <p:sldId id="263" r:id="rId7"/>
+    <p:sldId id="260" r:id="rId8"/>
+    <p:sldId id="261" r:id="rId9"/>
   </p:sldIdLst>
   <p:sldSz cx="12192000" cy="6858000"/>
   <p:notesSz cx="6858000" cy="9144000"/>
@@ -6217,7 +6220,7 @@
           <a:p>
             <a:r>
               <a:rPr lang="zh-CN" altLang="en-US" dirty="0"/>
-              <a:t>场景相关的可解释工作</a:t>
+              <a:t>场景相关的可解释工作：动机</a:t>
             </a:r>
           </a:p>
         </p:txBody>
@@ -6245,8 +6248,67 @@
           <a:p>
             <a:r>
               <a:rPr lang="zh-CN" altLang="en-US" dirty="0"/>
-              <a:t>对推荐系统</a:t>
-            </a:r>
+              <a:t>现有的可解释推荐系统主要侧重在提高算法的透明性</a:t>
+            </a:r>
+            <a:endParaRPr lang="en-US" altLang="zh-CN" dirty="0"/>
+          </a:p>
+          <a:p>
+            <a:r>
+              <a:rPr lang="zh-CN" altLang="en-US" dirty="0"/>
+              <a:t>为了增强推荐系统的效果，应该注重</a:t>
+            </a:r>
+            <a:endParaRPr lang="en-US" altLang="zh-CN" dirty="0"/>
+          </a:p>
+          <a:p>
+            <a:pPr lvl="1"/>
+            <a:r>
+              <a:rPr lang="zh-CN" altLang="en-US" dirty="0"/>
+              <a:t>解释的说服力</a:t>
+            </a:r>
+            <a:endParaRPr lang="en-US" altLang="zh-CN" dirty="0"/>
+          </a:p>
+          <a:p>
+            <a:pPr lvl="1"/>
+            <a:r>
+              <a:rPr lang="zh-CN" altLang="en-US" dirty="0"/>
+              <a:t>解释的相关性</a:t>
+            </a:r>
+            <a:endParaRPr lang="en-US" altLang="zh-CN" dirty="0"/>
+          </a:p>
+          <a:p>
+            <a:r>
+              <a:rPr lang="zh-CN" altLang="en-US" dirty="0"/>
+              <a:t>本工作解决的问题：场景相关的可解释性推荐</a:t>
+            </a:r>
+            <a:endParaRPr lang="en-US" altLang="zh-CN" dirty="0"/>
+          </a:p>
+          <a:p>
+            <a:pPr lvl="1"/>
+            <a:r>
+              <a:rPr lang="zh-CN" altLang="en-US" dirty="0"/>
+              <a:t>提出自然语言形式的解释</a:t>
+            </a:r>
+            <a:endParaRPr lang="en-US" altLang="zh-CN" dirty="0"/>
+          </a:p>
+          <a:p>
+            <a:pPr lvl="1"/>
+            <a:r>
+              <a:rPr lang="zh-CN" altLang="en-US" dirty="0"/>
+              <a:t>具有较强的说服力</a:t>
+            </a:r>
+            <a:endParaRPr lang="en-US" altLang="zh-CN" dirty="0"/>
+          </a:p>
+          <a:p>
+            <a:pPr lvl="1"/>
+            <a:r>
+              <a:rPr lang="zh-CN" altLang="en-US" dirty="0"/>
+              <a:t>和推荐场景的高相关性</a:t>
+            </a:r>
+            <a:endParaRPr lang="en-US" altLang="zh-CN" dirty="0"/>
+          </a:p>
+          <a:p>
+            <a:pPr lvl="1"/>
+            <a:endParaRPr lang="zh-CN" altLang="en-US" dirty="0"/>
           </a:p>
         </p:txBody>
       </p:sp>
@@ -6285,7 +6347,7 @@
           <p:cNvPr id="2" name="标题 1">
             <a:extLst>
               <a:ext uri="{FF2B5EF4-FFF2-40B4-BE49-F238E27FC236}">
-                <a16:creationId xmlns:a16="http://schemas.microsoft.com/office/drawing/2014/main" id="{556B33FC-0958-4714-BD9A-468EFA071DBD}"/>
+                <a16:creationId xmlns:a16="http://schemas.microsoft.com/office/drawing/2014/main" id="{5B78D5E0-DF75-4334-A286-6824E26891C1}"/>
               </a:ext>
             </a:extLst>
           </p:cNvPr>
@@ -6301,16 +6363,849 @@
           <a:bodyPr/>
           <a:lstStyle/>
           <a:p>
+            <a:r>
+              <a:rPr lang="zh-CN" altLang="en-US" dirty="0"/>
+              <a:t>场景相关的可解释工作：框架</a:t>
+            </a:r>
+          </a:p>
+        </p:txBody>
+      </p:sp>
+      <p:pic>
+        <p:nvPicPr>
+          <p:cNvPr id="4" name="图片 3">
+            <a:extLst>
+              <a:ext uri="{FF2B5EF4-FFF2-40B4-BE49-F238E27FC236}">
+                <a16:creationId xmlns:a16="http://schemas.microsoft.com/office/drawing/2014/main" id="{F379142D-96FB-4DBB-BC18-87E03A76AAB8}"/>
+              </a:ext>
+            </a:extLst>
+          </p:cNvPr>
+          <p:cNvPicPr>
+            <a:picLocks noChangeAspect="1"/>
+          </p:cNvPicPr>
+          <p:nvPr/>
+        </p:nvPicPr>
+        <p:blipFill rotWithShape="1">
+          <a:blip r:embed="rId2"/>
+          <a:srcRect l="25729"/>
+          <a:stretch/>
+        </p:blipFill>
+        <p:spPr>
+          <a:xfrm>
+            <a:off x="838200" y="3625986"/>
+            <a:ext cx="4104970" cy="1651340"/>
+          </a:xfrm>
+          <a:prstGeom prst="rect">
+            <a:avLst/>
+          </a:prstGeom>
+        </p:spPr>
+      </p:pic>
+      <p:sp>
+        <p:nvSpPr>
+          <p:cNvPr id="5" name="流程图: 磁盘 4">
+            <a:extLst>
+              <a:ext uri="{FF2B5EF4-FFF2-40B4-BE49-F238E27FC236}">
+                <a16:creationId xmlns:a16="http://schemas.microsoft.com/office/drawing/2014/main" id="{C484D9AE-77AE-49AD-BFDE-4428E565E9A1}"/>
+              </a:ext>
+            </a:extLst>
+          </p:cNvPr>
+          <p:cNvSpPr/>
+          <p:nvPr/>
+        </p:nvSpPr>
+        <p:spPr>
+          <a:xfrm>
+            <a:off x="1177221" y="2578937"/>
+            <a:ext cx="914400" cy="612648"/>
+          </a:xfrm>
+          <a:prstGeom prst="flowChartMagneticDisk">
+            <a:avLst/>
+          </a:prstGeom>
+        </p:spPr>
+        <p:style>
+          <a:lnRef idx="2">
+            <a:schemeClr val="accent1">
+              <a:shade val="50000"/>
+            </a:schemeClr>
+          </a:lnRef>
+          <a:fillRef idx="1">
+            <a:schemeClr val="accent1"/>
+          </a:fillRef>
+          <a:effectRef idx="0">
+            <a:schemeClr val="accent1"/>
+          </a:effectRef>
+          <a:fontRef idx="minor">
+            <a:schemeClr val="lt1"/>
+          </a:fontRef>
+        </p:style>
+        <p:txBody>
+          <a:bodyPr rtlCol="0" anchor="ctr"/>
+          <a:lstStyle/>
+          <a:p>
+            <a:pPr algn="ctr"/>
             <a:endParaRPr lang="zh-CN" altLang="en-US"/>
           </a:p>
         </p:txBody>
       </p:sp>
       <p:sp>
         <p:nvSpPr>
+          <p:cNvPr id="6" name="流程图: 磁盘 5">
+            <a:extLst>
+              <a:ext uri="{FF2B5EF4-FFF2-40B4-BE49-F238E27FC236}">
+                <a16:creationId xmlns:a16="http://schemas.microsoft.com/office/drawing/2014/main" id="{204FF836-1C63-4E37-97B2-A24F570F22BF}"/>
+              </a:ext>
+            </a:extLst>
+          </p:cNvPr>
+          <p:cNvSpPr/>
+          <p:nvPr/>
+        </p:nvSpPr>
+        <p:spPr>
+          <a:xfrm>
+            <a:off x="2950354" y="2578937"/>
+            <a:ext cx="914400" cy="612648"/>
+          </a:xfrm>
+          <a:prstGeom prst="flowChartMagneticDisk">
+            <a:avLst/>
+          </a:prstGeom>
+        </p:spPr>
+        <p:style>
+          <a:lnRef idx="2">
+            <a:schemeClr val="accent1">
+              <a:shade val="50000"/>
+            </a:schemeClr>
+          </a:lnRef>
+          <a:fillRef idx="1">
+            <a:schemeClr val="accent1"/>
+          </a:fillRef>
+          <a:effectRef idx="0">
+            <a:schemeClr val="accent1"/>
+          </a:effectRef>
+          <a:fontRef idx="minor">
+            <a:schemeClr val="lt1"/>
+          </a:fontRef>
+        </p:style>
+        <p:txBody>
+          <a:bodyPr rtlCol="0" anchor="ctr"/>
+          <a:lstStyle/>
+          <a:p>
+            <a:pPr algn="ctr"/>
+            <a:endParaRPr lang="zh-CN" altLang="en-US"/>
+          </a:p>
+        </p:txBody>
+      </p:sp>
+      <p:sp>
+        <p:nvSpPr>
+          <p:cNvPr id="7" name="文本框 6">
+            <a:extLst>
+              <a:ext uri="{FF2B5EF4-FFF2-40B4-BE49-F238E27FC236}">
+                <a16:creationId xmlns:a16="http://schemas.microsoft.com/office/drawing/2014/main" id="{12A3380F-9293-4617-89F0-0D09DEB92D1D}"/>
+              </a:ext>
+            </a:extLst>
+          </p:cNvPr>
+          <p:cNvSpPr txBox="1"/>
+          <p:nvPr/>
+        </p:nvSpPr>
+        <p:spPr>
+          <a:xfrm>
+            <a:off x="965007" y="2144536"/>
+            <a:ext cx="1338828" cy="369332"/>
+          </a:xfrm>
+          <a:prstGeom prst="rect">
+            <a:avLst/>
+          </a:prstGeom>
+          <a:noFill/>
+        </p:spPr>
+        <p:txBody>
+          <a:bodyPr wrap="none" rtlCol="0">
+            <a:spAutoFit/>
+          </a:bodyPr>
+          <a:lstStyle/>
+          <a:p>
+            <a:r>
+              <a:rPr lang="zh-CN" altLang="en-US" dirty="0"/>
+              <a:t>淘攻略数据</a:t>
+            </a:r>
+          </a:p>
+        </p:txBody>
+      </p:sp>
+      <p:sp>
+        <p:nvSpPr>
+          <p:cNvPr id="8" name="文本框 7">
+            <a:extLst>
+              <a:ext uri="{FF2B5EF4-FFF2-40B4-BE49-F238E27FC236}">
+                <a16:creationId xmlns:a16="http://schemas.microsoft.com/office/drawing/2014/main" id="{53AE44A2-0293-42A7-AB13-74A019C03A03}"/>
+              </a:ext>
+            </a:extLst>
+          </p:cNvPr>
+          <p:cNvSpPr txBox="1"/>
+          <p:nvPr/>
+        </p:nvSpPr>
+        <p:spPr>
+          <a:xfrm>
+            <a:off x="2853556" y="2144536"/>
+            <a:ext cx="1107996" cy="369332"/>
+          </a:xfrm>
+          <a:prstGeom prst="rect">
+            <a:avLst/>
+          </a:prstGeom>
+          <a:noFill/>
+        </p:spPr>
+        <p:txBody>
+          <a:bodyPr wrap="none" rtlCol="0">
+            <a:spAutoFit/>
+          </a:bodyPr>
+          <a:lstStyle/>
+          <a:p>
+            <a:r>
+              <a:rPr lang="zh-CN" altLang="en-US" dirty="0"/>
+              <a:t>清单数据</a:t>
+            </a:r>
+          </a:p>
+        </p:txBody>
+      </p:sp>
+      <p:sp>
+        <p:nvSpPr>
+          <p:cNvPr id="9" name="箭头: 下 8">
+            <a:extLst>
+              <a:ext uri="{FF2B5EF4-FFF2-40B4-BE49-F238E27FC236}">
+                <a16:creationId xmlns:a16="http://schemas.microsoft.com/office/drawing/2014/main" id="{91BCF0A8-6225-4CE2-BFB0-4914D4D8DC5A}"/>
+              </a:ext>
+            </a:extLst>
+          </p:cNvPr>
+          <p:cNvSpPr/>
+          <p:nvPr/>
+        </p:nvSpPr>
+        <p:spPr>
+          <a:xfrm>
+            <a:off x="1453307" y="3191585"/>
+            <a:ext cx="362227" cy="474831"/>
+          </a:xfrm>
+          <a:prstGeom prst="downArrow">
+            <a:avLst>
+              <a:gd name="adj1" fmla="val 20625"/>
+              <a:gd name="adj2" fmla="val 37572"/>
+            </a:avLst>
+          </a:prstGeom>
+        </p:spPr>
+        <p:style>
+          <a:lnRef idx="2">
+            <a:schemeClr val="accent1">
+              <a:shade val="50000"/>
+            </a:schemeClr>
+          </a:lnRef>
+          <a:fillRef idx="1">
+            <a:schemeClr val="accent1"/>
+          </a:fillRef>
+          <a:effectRef idx="0">
+            <a:schemeClr val="accent1"/>
+          </a:effectRef>
+          <a:fontRef idx="minor">
+            <a:schemeClr val="lt1"/>
+          </a:fontRef>
+        </p:style>
+        <p:txBody>
+          <a:bodyPr rtlCol="0" anchor="ctr"/>
+          <a:lstStyle/>
+          <a:p>
+            <a:pPr algn="ctr"/>
+            <a:endParaRPr lang="zh-CN" altLang="en-US"/>
+          </a:p>
+        </p:txBody>
+      </p:sp>
+      <p:sp>
+        <p:nvSpPr>
+          <p:cNvPr id="10" name="箭头: 下 9">
+            <a:extLst>
+              <a:ext uri="{FF2B5EF4-FFF2-40B4-BE49-F238E27FC236}">
+                <a16:creationId xmlns:a16="http://schemas.microsoft.com/office/drawing/2014/main" id="{0BF75F1A-EFEF-4290-9FA7-52C41ECA633C}"/>
+              </a:ext>
+            </a:extLst>
+          </p:cNvPr>
+          <p:cNvSpPr/>
+          <p:nvPr/>
+        </p:nvSpPr>
+        <p:spPr>
+          <a:xfrm>
+            <a:off x="3226440" y="3191584"/>
+            <a:ext cx="362227" cy="474831"/>
+          </a:xfrm>
+          <a:prstGeom prst="downArrow">
+            <a:avLst>
+              <a:gd name="adj1" fmla="val 20625"/>
+              <a:gd name="adj2" fmla="val 37572"/>
+            </a:avLst>
+          </a:prstGeom>
+        </p:spPr>
+        <p:style>
+          <a:lnRef idx="2">
+            <a:schemeClr val="accent1">
+              <a:shade val="50000"/>
+            </a:schemeClr>
+          </a:lnRef>
+          <a:fillRef idx="1">
+            <a:schemeClr val="accent1"/>
+          </a:fillRef>
+          <a:effectRef idx="0">
+            <a:schemeClr val="accent1"/>
+          </a:effectRef>
+          <a:fontRef idx="minor">
+            <a:schemeClr val="lt1"/>
+          </a:fontRef>
+        </p:style>
+        <p:txBody>
+          <a:bodyPr rtlCol="0" anchor="ctr"/>
+          <a:lstStyle/>
+          <a:p>
+            <a:pPr algn="ctr"/>
+            <a:endParaRPr lang="zh-CN" altLang="en-US"/>
+          </a:p>
+        </p:txBody>
+      </p:sp>
+      <p:sp>
+        <p:nvSpPr>
+          <p:cNvPr id="11" name="文本框 10">
+            <a:extLst>
+              <a:ext uri="{FF2B5EF4-FFF2-40B4-BE49-F238E27FC236}">
+                <a16:creationId xmlns:a16="http://schemas.microsoft.com/office/drawing/2014/main" id="{0C865FB0-F49A-47F4-83FC-A10A50D03250}"/>
+              </a:ext>
+            </a:extLst>
+          </p:cNvPr>
+          <p:cNvSpPr txBox="1"/>
+          <p:nvPr/>
+        </p:nvSpPr>
+        <p:spPr>
+          <a:xfrm>
+            <a:off x="1602596" y="5439454"/>
+            <a:ext cx="3264035" cy="923330"/>
+          </a:xfrm>
+          <a:prstGeom prst="rect">
+            <a:avLst/>
+          </a:prstGeom>
+          <a:noFill/>
+        </p:spPr>
+        <p:txBody>
+          <a:bodyPr wrap="none" rtlCol="0">
+            <a:spAutoFit/>
+          </a:bodyPr>
+          <a:lstStyle/>
+          <a:p>
+            <a:r>
+              <a:rPr lang="zh-CN" altLang="en-US" dirty="0"/>
+              <a:t>弱监督</a:t>
+            </a:r>
+            <a:endParaRPr lang="en-US" altLang="zh-CN" dirty="0"/>
+          </a:p>
+          <a:p>
+            <a:r>
+              <a:rPr lang="zh-CN" altLang="en-US" dirty="0"/>
+              <a:t>高说服力的训练数据</a:t>
+            </a:r>
+            <a:endParaRPr lang="en-US" altLang="zh-CN" dirty="0"/>
+          </a:p>
+          <a:p>
+            <a:r>
+              <a:rPr lang="en-US" altLang="zh-CN" dirty="0"/>
+              <a:t>&lt;</a:t>
+            </a:r>
+            <a:r>
+              <a:rPr lang="zh-CN" altLang="en-US" dirty="0"/>
+              <a:t>场景，商品，代表性</a:t>
+            </a:r>
+            <a:r>
+              <a:rPr lang="en-US" altLang="zh-CN" dirty="0" err="1"/>
+              <a:t>cpv</a:t>
+            </a:r>
+            <a:r>
+              <a:rPr lang="en-US" altLang="zh-CN" dirty="0"/>
+              <a:t> set&gt;</a:t>
+            </a:r>
+            <a:endParaRPr lang="zh-CN" altLang="en-US" dirty="0"/>
+          </a:p>
+        </p:txBody>
+      </p:sp>
+      <p:pic>
+        <p:nvPicPr>
+          <p:cNvPr id="12" name="图片 11">
+            <a:extLst>
+              <a:ext uri="{FF2B5EF4-FFF2-40B4-BE49-F238E27FC236}">
+                <a16:creationId xmlns:a16="http://schemas.microsoft.com/office/drawing/2014/main" id="{FF4E4082-6DE4-46EA-91C6-422BDD8AE9F1}"/>
+              </a:ext>
+            </a:extLst>
+          </p:cNvPr>
+          <p:cNvPicPr>
+            <a:picLocks noChangeAspect="1"/>
+          </p:cNvPicPr>
+          <p:nvPr/>
+        </p:nvPicPr>
+        <p:blipFill>
+          <a:blip r:embed="rId3"/>
+          <a:stretch>
+            <a:fillRect/>
+          </a:stretch>
+        </p:blipFill>
+        <p:spPr>
+          <a:xfrm>
+            <a:off x="6768581" y="1493141"/>
+            <a:ext cx="1874694" cy="2488565"/>
+          </a:xfrm>
+          <a:prstGeom prst="rect">
+            <a:avLst/>
+          </a:prstGeom>
+        </p:spPr>
+      </p:pic>
+      <p:sp>
+        <p:nvSpPr>
+          <p:cNvPr id="13" name="圆角矩形 19">
+            <a:extLst>
+              <a:ext uri="{FF2B5EF4-FFF2-40B4-BE49-F238E27FC236}">
+                <a16:creationId xmlns:a16="http://schemas.microsoft.com/office/drawing/2014/main" id="{89BFB027-DA02-4C5E-B734-209D56091FC7}"/>
+              </a:ext>
+            </a:extLst>
+          </p:cNvPr>
+          <p:cNvSpPr/>
+          <p:nvPr/>
+        </p:nvSpPr>
+        <p:spPr>
+          <a:xfrm>
+            <a:off x="9086754" y="3886974"/>
+            <a:ext cx="1290180" cy="739035"/>
+          </a:xfrm>
+          <a:prstGeom prst="roundRect">
+            <a:avLst/>
+          </a:prstGeom>
+        </p:spPr>
+        <p:style>
+          <a:lnRef idx="1">
+            <a:schemeClr val="accent2"/>
+          </a:lnRef>
+          <a:fillRef idx="2">
+            <a:schemeClr val="accent2"/>
+          </a:fillRef>
+          <a:effectRef idx="1">
+            <a:schemeClr val="accent2"/>
+          </a:effectRef>
+          <a:fontRef idx="minor">
+            <a:schemeClr val="dk1"/>
+          </a:fontRef>
+        </p:style>
+        <p:txBody>
+          <a:bodyPr rtlCol="0" anchor="ctr"/>
+          <a:lstStyle/>
+          <a:p>
+            <a:pPr algn="ctr"/>
+            <a:r>
+              <a:rPr lang="en-US" altLang="zh-CN" dirty="0"/>
+              <a:t>Gated Mixture</a:t>
+            </a:r>
+            <a:endParaRPr lang="zh-CN" altLang="en-US" dirty="0"/>
+          </a:p>
+        </p:txBody>
+      </p:sp>
+      <p:pic>
+        <p:nvPicPr>
+          <p:cNvPr id="14" name="图片 13">
+            <a:extLst>
+              <a:ext uri="{FF2B5EF4-FFF2-40B4-BE49-F238E27FC236}">
+                <a16:creationId xmlns:a16="http://schemas.microsoft.com/office/drawing/2014/main" id="{C9CFAF0B-2365-42F7-A11F-CB34E7CF0831}"/>
+              </a:ext>
+            </a:extLst>
+          </p:cNvPr>
+          <p:cNvPicPr>
+            <a:picLocks noChangeAspect="1"/>
+          </p:cNvPicPr>
+          <p:nvPr/>
+        </p:nvPicPr>
+        <p:blipFill>
+          <a:blip r:embed="rId3"/>
+          <a:stretch>
+            <a:fillRect/>
+          </a:stretch>
+        </p:blipFill>
+        <p:spPr>
+          <a:xfrm>
+            <a:off x="6768581" y="4369435"/>
+            <a:ext cx="1874694" cy="2488565"/>
+          </a:xfrm>
+          <a:prstGeom prst="rect">
+            <a:avLst/>
+          </a:prstGeom>
+        </p:spPr>
+      </p:pic>
+      <p:sp>
+        <p:nvSpPr>
+          <p:cNvPr id="15" name="箭头: 右 14">
+            <a:extLst>
+              <a:ext uri="{FF2B5EF4-FFF2-40B4-BE49-F238E27FC236}">
+                <a16:creationId xmlns:a16="http://schemas.microsoft.com/office/drawing/2014/main" id="{DEA0A39F-AC2F-4615-AB07-E0E5A9632201}"/>
+              </a:ext>
+            </a:extLst>
+          </p:cNvPr>
+          <p:cNvSpPr/>
+          <p:nvPr/>
+        </p:nvSpPr>
+        <p:spPr>
+          <a:xfrm>
+            <a:off x="5600798" y="3250749"/>
+            <a:ext cx="794898" cy="356499"/>
+          </a:xfrm>
+          <a:prstGeom prst="rightArrow">
+            <a:avLst>
+              <a:gd name="adj1" fmla="val 11586"/>
+              <a:gd name="adj2" fmla="val 35312"/>
+            </a:avLst>
+          </a:prstGeom>
+        </p:spPr>
+        <p:style>
+          <a:lnRef idx="2">
+            <a:schemeClr val="accent1">
+              <a:shade val="50000"/>
+            </a:schemeClr>
+          </a:lnRef>
+          <a:fillRef idx="1">
+            <a:schemeClr val="accent1"/>
+          </a:fillRef>
+          <a:effectRef idx="0">
+            <a:schemeClr val="accent1"/>
+          </a:effectRef>
+          <a:fontRef idx="minor">
+            <a:schemeClr val="lt1"/>
+          </a:fontRef>
+        </p:style>
+        <p:txBody>
+          <a:bodyPr rtlCol="0" anchor="ctr"/>
+          <a:lstStyle/>
+          <a:p>
+            <a:pPr algn="ctr"/>
+            <a:endParaRPr lang="zh-CN" altLang="en-US"/>
+          </a:p>
+        </p:txBody>
+      </p:sp>
+      <p:sp>
+        <p:nvSpPr>
+          <p:cNvPr id="16" name="箭头: 右 15">
+            <a:extLst>
+              <a:ext uri="{FF2B5EF4-FFF2-40B4-BE49-F238E27FC236}">
+                <a16:creationId xmlns:a16="http://schemas.microsoft.com/office/drawing/2014/main" id="{43E3C77E-0F89-46F3-B3A0-7BFD60546FF3}"/>
+              </a:ext>
+            </a:extLst>
+          </p:cNvPr>
+          <p:cNvSpPr/>
+          <p:nvPr/>
+        </p:nvSpPr>
+        <p:spPr>
+          <a:xfrm>
+            <a:off x="5609181" y="5325032"/>
+            <a:ext cx="794898" cy="356499"/>
+          </a:xfrm>
+          <a:prstGeom prst="rightArrow">
+            <a:avLst>
+              <a:gd name="adj1" fmla="val 11586"/>
+              <a:gd name="adj2" fmla="val 35312"/>
+            </a:avLst>
+          </a:prstGeom>
+        </p:spPr>
+        <p:style>
+          <a:lnRef idx="2">
+            <a:schemeClr val="accent1">
+              <a:shade val="50000"/>
+            </a:schemeClr>
+          </a:lnRef>
+          <a:fillRef idx="1">
+            <a:schemeClr val="accent1"/>
+          </a:fillRef>
+          <a:effectRef idx="0">
+            <a:schemeClr val="accent1"/>
+          </a:effectRef>
+          <a:fontRef idx="minor">
+            <a:schemeClr val="lt1"/>
+          </a:fontRef>
+        </p:style>
+        <p:txBody>
+          <a:bodyPr rtlCol="0" anchor="ctr"/>
+          <a:lstStyle/>
+          <a:p>
+            <a:pPr algn="ctr"/>
+            <a:endParaRPr lang="zh-CN" altLang="en-US"/>
+          </a:p>
+        </p:txBody>
+      </p:sp>
+      <p:sp>
+        <p:nvSpPr>
+          <p:cNvPr id="17" name="文本框 16">
+            <a:extLst>
+              <a:ext uri="{FF2B5EF4-FFF2-40B4-BE49-F238E27FC236}">
+                <a16:creationId xmlns:a16="http://schemas.microsoft.com/office/drawing/2014/main" id="{FD9213C3-EA53-4941-9206-3081F826C38D}"/>
+              </a:ext>
+            </a:extLst>
+          </p:cNvPr>
+          <p:cNvSpPr txBox="1"/>
+          <p:nvPr/>
+        </p:nvSpPr>
+        <p:spPr>
+          <a:xfrm>
+            <a:off x="5337216" y="2604418"/>
+            <a:ext cx="1338828" cy="646331"/>
+          </a:xfrm>
+          <a:prstGeom prst="rect">
+            <a:avLst/>
+          </a:prstGeom>
+          <a:noFill/>
+        </p:spPr>
+        <p:txBody>
+          <a:bodyPr wrap="none" rtlCol="0">
+            <a:spAutoFit/>
+          </a:bodyPr>
+          <a:lstStyle/>
+          <a:p>
+            <a:r>
+              <a:rPr lang="en-US" altLang="zh-CN" dirty="0"/>
+              <a:t>Global</a:t>
+            </a:r>
+          </a:p>
+          <a:p>
+            <a:r>
+              <a:rPr lang="zh-CN" altLang="en-US" dirty="0"/>
+              <a:t>跨场景学习</a:t>
+            </a:r>
+          </a:p>
+        </p:txBody>
+      </p:sp>
+      <p:sp>
+        <p:nvSpPr>
+          <p:cNvPr id="18" name="文本框 17">
+            <a:extLst>
+              <a:ext uri="{FF2B5EF4-FFF2-40B4-BE49-F238E27FC236}">
+                <a16:creationId xmlns:a16="http://schemas.microsoft.com/office/drawing/2014/main" id="{AF77EBF4-6DAF-49E4-B5D8-0E27F938C66D}"/>
+              </a:ext>
+            </a:extLst>
+          </p:cNvPr>
+          <p:cNvSpPr txBox="1"/>
+          <p:nvPr/>
+        </p:nvSpPr>
+        <p:spPr>
+          <a:xfrm>
+            <a:off x="5337216" y="4648515"/>
+            <a:ext cx="1338828" cy="646331"/>
+          </a:xfrm>
+          <a:prstGeom prst="rect">
+            <a:avLst/>
+          </a:prstGeom>
+          <a:noFill/>
+        </p:spPr>
+        <p:txBody>
+          <a:bodyPr wrap="none" rtlCol="0">
+            <a:spAutoFit/>
+          </a:bodyPr>
+          <a:lstStyle/>
+          <a:p>
+            <a:r>
+              <a:rPr lang="en-US" altLang="zh-CN" dirty="0"/>
+              <a:t>Local </a:t>
+            </a:r>
+          </a:p>
+          <a:p>
+            <a:r>
+              <a:rPr lang="zh-CN" altLang="en-US" dirty="0"/>
+              <a:t>单场景学习</a:t>
+            </a:r>
+          </a:p>
+        </p:txBody>
+      </p:sp>
+      <p:sp>
+        <p:nvSpPr>
+          <p:cNvPr id="19" name="箭头: 右 18">
+            <a:extLst>
+              <a:ext uri="{FF2B5EF4-FFF2-40B4-BE49-F238E27FC236}">
+                <a16:creationId xmlns:a16="http://schemas.microsoft.com/office/drawing/2014/main" id="{B7DC0076-768E-468F-B2FC-E6E3650073ED}"/>
+              </a:ext>
+            </a:extLst>
+          </p:cNvPr>
+          <p:cNvSpPr/>
+          <p:nvPr/>
+        </p:nvSpPr>
+        <p:spPr>
+          <a:xfrm>
+            <a:off x="8232213" y="4099559"/>
+            <a:ext cx="794898" cy="356499"/>
+          </a:xfrm>
+          <a:prstGeom prst="rightArrow">
+            <a:avLst>
+              <a:gd name="adj1" fmla="val 11586"/>
+              <a:gd name="adj2" fmla="val 35312"/>
+            </a:avLst>
+          </a:prstGeom>
+        </p:spPr>
+        <p:style>
+          <a:lnRef idx="2">
+            <a:schemeClr val="accent1">
+              <a:shade val="50000"/>
+            </a:schemeClr>
+          </a:lnRef>
+          <a:fillRef idx="1">
+            <a:schemeClr val="accent1"/>
+          </a:fillRef>
+          <a:effectRef idx="0">
+            <a:schemeClr val="accent1"/>
+          </a:effectRef>
+          <a:fontRef idx="minor">
+            <a:schemeClr val="lt1"/>
+          </a:fontRef>
+        </p:style>
+        <p:txBody>
+          <a:bodyPr rtlCol="0" anchor="ctr"/>
+          <a:lstStyle/>
+          <a:p>
+            <a:pPr algn="ctr"/>
+            <a:endParaRPr lang="zh-CN" altLang="en-US"/>
+          </a:p>
+        </p:txBody>
+      </p:sp>
+      <p:sp>
+        <p:nvSpPr>
+          <p:cNvPr id="20" name="箭头: 右 19">
+            <a:extLst>
+              <a:ext uri="{FF2B5EF4-FFF2-40B4-BE49-F238E27FC236}">
+                <a16:creationId xmlns:a16="http://schemas.microsoft.com/office/drawing/2014/main" id="{475C7AA5-C2E8-417C-926D-F591E5C38CBA}"/>
+              </a:ext>
+            </a:extLst>
+          </p:cNvPr>
+          <p:cNvSpPr/>
+          <p:nvPr/>
+        </p:nvSpPr>
+        <p:spPr>
+          <a:xfrm>
+            <a:off x="10436577" y="4073709"/>
+            <a:ext cx="794898" cy="356499"/>
+          </a:xfrm>
+          <a:prstGeom prst="rightArrow">
+            <a:avLst>
+              <a:gd name="adj1" fmla="val 11586"/>
+              <a:gd name="adj2" fmla="val 35312"/>
+            </a:avLst>
+          </a:prstGeom>
+        </p:spPr>
+        <p:style>
+          <a:lnRef idx="2">
+            <a:schemeClr val="accent1">
+              <a:shade val="50000"/>
+            </a:schemeClr>
+          </a:lnRef>
+          <a:fillRef idx="1">
+            <a:schemeClr val="accent1"/>
+          </a:fillRef>
+          <a:effectRef idx="0">
+            <a:schemeClr val="accent1"/>
+          </a:effectRef>
+          <a:fontRef idx="minor">
+            <a:schemeClr val="lt1"/>
+          </a:fontRef>
+        </p:style>
+        <p:txBody>
+          <a:bodyPr rtlCol="0" anchor="ctr"/>
+          <a:lstStyle/>
+          <a:p>
+            <a:pPr algn="ctr"/>
+            <a:endParaRPr lang="zh-CN" altLang="en-US"/>
+          </a:p>
+        </p:txBody>
+      </p:sp>
+      <p:sp>
+        <p:nvSpPr>
+          <p:cNvPr id="21" name="文本框 20">
+            <a:extLst>
+              <a:ext uri="{FF2B5EF4-FFF2-40B4-BE49-F238E27FC236}">
+                <a16:creationId xmlns:a16="http://schemas.microsoft.com/office/drawing/2014/main" id="{B6F439B6-4B89-45A1-9C0E-73D7B3F4B588}"/>
+              </a:ext>
+            </a:extLst>
+          </p:cNvPr>
+          <p:cNvSpPr txBox="1"/>
+          <p:nvPr/>
+        </p:nvSpPr>
+        <p:spPr>
+          <a:xfrm>
+            <a:off x="11200401" y="4067292"/>
+            <a:ext cx="1107996" cy="369332"/>
+          </a:xfrm>
+          <a:prstGeom prst="rect">
+            <a:avLst/>
+          </a:prstGeom>
+          <a:noFill/>
+        </p:spPr>
+        <p:txBody>
+          <a:bodyPr wrap="none" rtlCol="0">
+            <a:spAutoFit/>
+          </a:bodyPr>
+          <a:lstStyle/>
+          <a:p>
+            <a:r>
+              <a:rPr lang="zh-CN" altLang="en-US" dirty="0"/>
+              <a:t>自然语言</a:t>
+            </a:r>
+          </a:p>
+        </p:txBody>
+      </p:sp>
+    </p:spTree>
+    <p:extLst>
+      <p:ext uri="{BB962C8B-B14F-4D97-AF65-F5344CB8AC3E}">
+        <p14:creationId xmlns:p14="http://schemas.microsoft.com/office/powerpoint/2010/main" val="1967859888"/>
+      </p:ext>
+    </p:extLst>
+  </p:cSld>
+  <p:clrMapOvr>
+    <a:masterClrMapping/>
+  </p:clrMapOvr>
+</p:sld>
+</file>
+
+<file path=ppt/slides/slide6.xml><?xml version="1.0" encoding="utf-8"?>
+<p:sld xmlns:a="http://schemas.openxmlformats.org/drawingml/2006/main" xmlns:r="http://schemas.openxmlformats.org/officeDocument/2006/relationships" xmlns:p="http://schemas.openxmlformats.org/presentationml/2006/main">
+  <p:cSld>
+    <p:spTree>
+      <p:nvGrpSpPr>
+        <p:cNvPr id="1" name=""/>
+        <p:cNvGrpSpPr/>
+        <p:nvPr/>
+      </p:nvGrpSpPr>
+      <p:grpSpPr>
+        <a:xfrm>
+          <a:off x="0" y="0"/>
+          <a:ext cx="0" cy="0"/>
+          <a:chOff x="0" y="0"/>
+          <a:chExt cx="0" cy="0"/>
+        </a:xfrm>
+      </p:grpSpPr>
+      <p:sp>
+        <p:nvSpPr>
+          <p:cNvPr id="2" name="标题 1">
+            <a:extLst>
+              <a:ext uri="{FF2B5EF4-FFF2-40B4-BE49-F238E27FC236}">
+                <a16:creationId xmlns:a16="http://schemas.microsoft.com/office/drawing/2014/main" id="{623389FF-9912-484C-B74C-964CCA1F31E5}"/>
+              </a:ext>
+            </a:extLst>
+          </p:cNvPr>
+          <p:cNvSpPr>
+            <a:spLocks noGrp="1"/>
+          </p:cNvSpPr>
+          <p:nvPr>
+            <p:ph type="title"/>
+          </p:nvPr>
+        </p:nvSpPr>
+        <p:spPr/>
+        <p:txBody>
+          <a:bodyPr/>
+          <a:lstStyle/>
+          <a:p>
+            <a:r>
+              <a:rPr lang="zh-CN" altLang="en-US" dirty="0"/>
+              <a:t>场景相关的可解释性推荐：结果</a:t>
+            </a:r>
+          </a:p>
+        </p:txBody>
+      </p:sp>
+      <p:sp>
+        <p:nvSpPr>
           <p:cNvPr id="3" name="内容占位符 2">
             <a:extLst>
               <a:ext uri="{FF2B5EF4-FFF2-40B4-BE49-F238E27FC236}">
-                <a16:creationId xmlns:a16="http://schemas.microsoft.com/office/drawing/2014/main" id="{C5A29185-B909-4FBE-AED8-5D69397234CE}"/>
+                <a16:creationId xmlns:a16="http://schemas.microsoft.com/office/drawing/2014/main" id="{65CC6A8A-D907-42B0-8C7A-E94D5A3CD3A7}"/>
               </a:ext>
             </a:extLst>
           </p:cNvPr>
@@ -6323,10 +7218,471 @@
         </p:nvSpPr>
         <p:spPr/>
         <p:txBody>
+          <a:bodyPr>
+            <a:normAutofit fontScale="92500"/>
+          </a:bodyPr>
+          <a:lstStyle/>
+          <a:p>
+            <a:r>
+              <a:rPr lang="zh-CN" altLang="en-US" dirty="0"/>
+              <a:t>使用弱监督框架增强了解释文本的说服力</a:t>
+            </a:r>
+            <a:endParaRPr lang="en-US" altLang="zh-CN" dirty="0"/>
+          </a:p>
+          <a:p>
+            <a:r>
+              <a:rPr lang="zh-CN" altLang="en-US" dirty="0"/>
+              <a:t>使用过滤出的代表性</a:t>
+            </a:r>
+            <a:r>
+              <a:rPr lang="en-US" altLang="zh-CN" dirty="0" err="1"/>
+              <a:t>cpv</a:t>
+            </a:r>
+            <a:r>
+              <a:rPr lang="zh-CN" altLang="en-US" dirty="0"/>
+              <a:t>集合提高了解释文本和商品的相关性</a:t>
+            </a:r>
+            <a:endParaRPr lang="en-US" altLang="zh-CN" dirty="0"/>
+          </a:p>
+          <a:p>
+            <a:r>
+              <a:rPr lang="zh-CN" altLang="en-US" dirty="0"/>
+              <a:t>使用</a:t>
+            </a:r>
+            <a:r>
+              <a:rPr lang="en-US" altLang="zh-CN" dirty="0" err="1"/>
+              <a:t>global+local</a:t>
+            </a:r>
+            <a:r>
+              <a:rPr lang="zh-CN" altLang="en-US" dirty="0"/>
+              <a:t>的迁移学习框架，在保证文本可读性指标的前提下（</a:t>
+            </a:r>
+            <a:r>
+              <a:rPr lang="en-US" altLang="zh-CN" dirty="0">
+                <a:solidFill>
+                  <a:schemeClr val="dk1"/>
+                </a:solidFill>
+              </a:rPr>
+              <a:t>Flesch Reading Ease 30</a:t>
+            </a:r>
+            <a:r>
+              <a:rPr lang="zh-CN" altLang="en-US" dirty="0"/>
+              <a:t>），提高了解释文本和场景的相关性</a:t>
+            </a:r>
+            <a:endParaRPr lang="en-US" altLang="zh-CN" dirty="0"/>
+          </a:p>
+          <a:p>
+            <a:r>
+              <a:rPr lang="en-US" altLang="zh-CN" dirty="0"/>
+              <a:t>Case Study </a:t>
+            </a:r>
+            <a:r>
+              <a:rPr lang="zh-CN" altLang="en-US" dirty="0"/>
+              <a:t>场景</a:t>
+            </a:r>
+            <a:r>
+              <a:rPr lang="en-US" altLang="zh-CN" dirty="0"/>
+              <a:t>/</a:t>
+            </a:r>
+            <a:r>
+              <a:rPr lang="zh-CN" altLang="en-US" dirty="0"/>
+              <a:t>商品</a:t>
+            </a:r>
+            <a:endParaRPr lang="en-US" altLang="zh-CN" dirty="0"/>
+          </a:p>
+          <a:p>
+            <a:pPr lvl="1"/>
+            <a:r>
+              <a:rPr lang="zh-CN" altLang="en-US" dirty="0"/>
+              <a:t>智能</a:t>
+            </a:r>
+            <a:r>
+              <a:rPr lang="en-US" altLang="zh-CN" dirty="0"/>
+              <a:t>/</a:t>
+            </a:r>
+            <a:r>
+              <a:rPr lang="zh-CN" altLang="en-US" dirty="0"/>
+              <a:t>餐桌：</a:t>
+            </a:r>
+            <a:r>
+              <a:rPr lang="zh-CN" altLang="en-US" dirty="0">
+                <a:solidFill>
+                  <a:srgbClr val="FF0000"/>
+                </a:solidFill>
+                <a:latin typeface="等线" panose="02010600030101010101" pitchFamily="2" charset="-122"/>
+              </a:rPr>
+              <a:t>多功能 餐桌 伸缩 </a:t>
+            </a:r>
+            <a:r>
+              <a:rPr lang="zh-CN" altLang="en-US" dirty="0">
+                <a:solidFill>
+                  <a:srgbClr val="000000"/>
+                </a:solidFill>
+                <a:latin typeface="等线" panose="02010600030101010101" pitchFamily="2" charset="-122"/>
+              </a:rPr>
+              <a:t>带 电磁炉 ， 灵活运用 ， 全 实木 脚 实用 美观 。</a:t>
+            </a:r>
+          </a:p>
+          <a:p>
+            <a:pPr lvl="1"/>
+            <a:r>
+              <a:rPr lang="zh-CN" altLang="en-US" dirty="0"/>
+              <a:t>简约</a:t>
+            </a:r>
+            <a:r>
+              <a:rPr lang="en-US" altLang="zh-CN" dirty="0"/>
+              <a:t>/</a:t>
+            </a:r>
+            <a:r>
+              <a:rPr lang="zh-CN" altLang="en-US" dirty="0"/>
+              <a:t>地毯：</a:t>
+            </a:r>
+            <a:r>
+              <a:rPr lang="zh-CN" altLang="en-US" dirty="0">
+                <a:solidFill>
+                  <a:srgbClr val="FF0000"/>
+                </a:solidFill>
+                <a:latin typeface="等线" panose="02010600030101010101" pitchFamily="2" charset="-122"/>
+              </a:rPr>
+              <a:t>简约</a:t>
+            </a:r>
+            <a:r>
+              <a:rPr lang="zh-CN" altLang="en-US" dirty="0">
+                <a:solidFill>
+                  <a:srgbClr val="000000"/>
+                </a:solidFill>
+                <a:latin typeface="等线" panose="02010600030101010101" pitchFamily="2" charset="-122"/>
+              </a:rPr>
+              <a:t> 时尚 的 </a:t>
+            </a:r>
+            <a:r>
+              <a:rPr lang="zh-CN" altLang="en-US" dirty="0">
+                <a:solidFill>
+                  <a:srgbClr val="FF0000"/>
+                </a:solidFill>
+                <a:latin typeface="等线" panose="02010600030101010101" pitchFamily="2" charset="-122"/>
+              </a:rPr>
+              <a:t>白色</a:t>
+            </a:r>
+            <a:r>
+              <a:rPr lang="zh-CN" altLang="en-US" dirty="0">
+                <a:solidFill>
+                  <a:srgbClr val="000000"/>
+                </a:solidFill>
+                <a:latin typeface="等线" panose="02010600030101010101" pitchFamily="2" charset="-122"/>
+              </a:rPr>
+              <a:t> 独特 设计 ， 白色 和 实木 脚 使得 这 款 </a:t>
+            </a:r>
+            <a:r>
+              <a:rPr lang="zh-CN" altLang="en-US" dirty="0">
+                <a:solidFill>
+                  <a:srgbClr val="FF0000"/>
+                </a:solidFill>
+                <a:latin typeface="等线" panose="02010600030101010101" pitchFamily="2" charset="-122"/>
+              </a:rPr>
+              <a:t>地毯</a:t>
+            </a:r>
+            <a:r>
+              <a:rPr lang="zh-CN" altLang="en-US" dirty="0">
+                <a:solidFill>
+                  <a:srgbClr val="000000"/>
+                </a:solidFill>
+                <a:latin typeface="等线" panose="02010600030101010101" pitchFamily="2" charset="-122"/>
+              </a:rPr>
+              <a:t> 显得 时尚 而 大方 ， 极简 的 设计 ， 放置 在 任何 地方 都 很 有 装饰性 。</a:t>
+            </a:r>
+            <a:endParaRPr lang="en-US" altLang="zh-CN" dirty="0">
+              <a:solidFill>
+                <a:srgbClr val="000000"/>
+              </a:solidFill>
+              <a:latin typeface="等线" panose="02010600030101010101" pitchFamily="2" charset="-122"/>
+            </a:endParaRPr>
+          </a:p>
+          <a:p>
+            <a:pPr lvl="1"/>
+            <a:r>
+              <a:rPr lang="zh-CN" altLang="en-US" dirty="0">
+                <a:solidFill>
+                  <a:srgbClr val="000000"/>
+                </a:solidFill>
+                <a:latin typeface="等线" panose="02010600030101010101" pitchFamily="2" charset="-122"/>
+              </a:rPr>
+              <a:t>简约</a:t>
+            </a:r>
+            <a:r>
+              <a:rPr lang="en-US" altLang="zh-CN" dirty="0">
+                <a:solidFill>
+                  <a:srgbClr val="000000"/>
+                </a:solidFill>
+                <a:latin typeface="等线" panose="02010600030101010101" pitchFamily="2" charset="-122"/>
+              </a:rPr>
+              <a:t>/</a:t>
+            </a:r>
+            <a:r>
+              <a:rPr lang="zh-CN" altLang="en-US">
+                <a:solidFill>
+                  <a:srgbClr val="000000"/>
+                </a:solidFill>
+                <a:latin typeface="等线" panose="02010600030101010101" pitchFamily="2" charset="-122"/>
+              </a:rPr>
+              <a:t>照明摆件：一款 现代 </a:t>
+            </a:r>
+            <a:r>
+              <a:rPr lang="zh-CN" altLang="en-US">
+                <a:solidFill>
+                  <a:srgbClr val="FF0000"/>
+                </a:solidFill>
+                <a:latin typeface="等线" panose="02010600030101010101" pitchFamily="2" charset="-122"/>
+              </a:rPr>
+              <a:t>简约</a:t>
+            </a:r>
+            <a:r>
+              <a:rPr lang="zh-CN" altLang="en-US">
+                <a:solidFill>
+                  <a:srgbClr val="000000"/>
+                </a:solidFill>
+                <a:latin typeface="等线" panose="02010600030101010101" pitchFamily="2" charset="-122"/>
+              </a:rPr>
+              <a:t> 风情 的 装饰 </a:t>
+            </a:r>
+            <a:r>
+              <a:rPr lang="zh-CN" altLang="en-US">
+                <a:solidFill>
+                  <a:srgbClr val="FF0000"/>
+                </a:solidFill>
+                <a:latin typeface="等线" panose="02010600030101010101" pitchFamily="2" charset="-122"/>
+              </a:rPr>
+              <a:t>摆件</a:t>
+            </a:r>
+            <a:r>
+              <a:rPr lang="zh-CN" altLang="en-US">
+                <a:solidFill>
+                  <a:srgbClr val="000000"/>
+                </a:solidFill>
+                <a:latin typeface="等线" panose="02010600030101010101" pitchFamily="2" charset="-122"/>
+              </a:rPr>
+              <a:t> ， 以 天然 原木 为 原料 打造 的 一款 实 木材 质 打造 的 一款 小 清新 摆件 ， 结合 小巧 的 </a:t>
+            </a:r>
+            <a:r>
+              <a:rPr lang="zh-CN" altLang="en-US">
+                <a:solidFill>
+                  <a:srgbClr val="FF0000"/>
+                </a:solidFill>
+                <a:latin typeface="等线" panose="02010600030101010101" pitchFamily="2" charset="-122"/>
+              </a:rPr>
+              <a:t>灯泡</a:t>
+            </a:r>
+            <a:r>
+              <a:rPr lang="zh-CN" altLang="en-US">
+                <a:solidFill>
+                  <a:srgbClr val="000000"/>
+                </a:solidFill>
+                <a:latin typeface="等线" panose="02010600030101010101" pitchFamily="2" charset="-122"/>
+              </a:rPr>
+              <a:t> ， 使 其 极具 文艺 气息 和 时尚 气质 ， 让 你 的 家 变得 文艺 起来 。</a:t>
+            </a:r>
+          </a:p>
+          <a:p>
+            <a:pPr lvl="1"/>
+            <a:endParaRPr lang="zh-CN" altLang="en-US" dirty="0">
+              <a:solidFill>
+                <a:srgbClr val="000000"/>
+              </a:solidFill>
+              <a:latin typeface="等线" panose="02010600030101010101" pitchFamily="2" charset="-122"/>
+            </a:endParaRPr>
+          </a:p>
+          <a:p>
+            <a:pPr lvl="1"/>
+            <a:endParaRPr lang="zh-CN" altLang="en-US" dirty="0"/>
+          </a:p>
+        </p:txBody>
+      </p:sp>
+    </p:spTree>
+    <p:extLst>
+      <p:ext uri="{BB962C8B-B14F-4D97-AF65-F5344CB8AC3E}">
+        <p14:creationId xmlns:p14="http://schemas.microsoft.com/office/powerpoint/2010/main" val="375482989"/>
+      </p:ext>
+    </p:extLst>
+  </p:cSld>
+  <p:clrMapOvr>
+    <a:masterClrMapping/>
+  </p:clrMapOvr>
+</p:sld>
+</file>
+
+<file path=ppt/slides/slide7.xml><?xml version="1.0" encoding="utf-8"?>
+<p:sld xmlns:a="http://schemas.openxmlformats.org/drawingml/2006/main" xmlns:r="http://schemas.openxmlformats.org/officeDocument/2006/relationships" xmlns:p="http://schemas.openxmlformats.org/presentationml/2006/main" show="0">
+  <p:cSld>
+    <p:spTree>
+      <p:nvGrpSpPr>
+        <p:cNvPr id="1" name=""/>
+        <p:cNvGrpSpPr/>
+        <p:nvPr/>
+      </p:nvGrpSpPr>
+      <p:grpSpPr>
+        <a:xfrm>
+          <a:off x="0" y="0"/>
+          <a:ext cx="0" cy="0"/>
+          <a:chOff x="0" y="0"/>
+          <a:chExt cx="0" cy="0"/>
+        </a:xfrm>
+      </p:grpSpPr>
+      <p:sp>
+        <p:nvSpPr>
+          <p:cNvPr id="2" name="标题 1">
+            <a:extLst>
+              <a:ext uri="{FF2B5EF4-FFF2-40B4-BE49-F238E27FC236}">
+                <a16:creationId xmlns:a16="http://schemas.microsoft.com/office/drawing/2014/main" id="{556B33FC-0958-4714-BD9A-468EFA071DBD}"/>
+              </a:ext>
+            </a:extLst>
+          </p:cNvPr>
+          <p:cNvSpPr>
+            <a:spLocks noGrp="1"/>
+          </p:cNvSpPr>
+          <p:nvPr>
+            <p:ph type="title"/>
+          </p:nvPr>
+        </p:nvSpPr>
+        <p:spPr/>
+        <p:txBody>
           <a:bodyPr/>
           <a:lstStyle/>
           <a:p>
-            <a:endParaRPr lang="zh-CN" altLang="en-US"/>
+            <a:r>
+              <a:rPr lang="zh-CN" altLang="en-US" dirty="0"/>
+              <a:t>目前进展</a:t>
+            </a:r>
+          </a:p>
+        </p:txBody>
+      </p:sp>
+      <p:sp>
+        <p:nvSpPr>
+          <p:cNvPr id="3" name="内容占位符 2">
+            <a:extLst>
+              <a:ext uri="{FF2B5EF4-FFF2-40B4-BE49-F238E27FC236}">
+                <a16:creationId xmlns:a16="http://schemas.microsoft.com/office/drawing/2014/main" id="{C5A29185-B909-4FBE-AED8-5D69397234CE}"/>
+              </a:ext>
+            </a:extLst>
+          </p:cNvPr>
+          <p:cNvSpPr>
+            <a:spLocks noGrp="1"/>
+          </p:cNvSpPr>
+          <p:nvPr>
+            <p:ph idx="1"/>
+          </p:nvPr>
+        </p:nvSpPr>
+        <p:spPr/>
+        <p:txBody>
+          <a:bodyPr/>
+          <a:lstStyle/>
+          <a:p>
+            <a:r>
+              <a:rPr lang="zh-CN" altLang="en-US" dirty="0"/>
+              <a:t>实现框架</a:t>
+            </a:r>
+            <a:endParaRPr lang="en-US" altLang="zh-CN" dirty="0"/>
+          </a:p>
+          <a:p>
+            <a:pPr lvl="1"/>
+            <a:r>
+              <a:rPr lang="zh-CN" altLang="en-US" dirty="0"/>
+              <a:t>基于弱监督</a:t>
+            </a:r>
+            <a:endParaRPr lang="en-US" altLang="zh-CN" dirty="0"/>
+          </a:p>
+          <a:p>
+            <a:pPr lvl="1"/>
+            <a:r>
+              <a:rPr lang="zh-CN" altLang="en-US" dirty="0"/>
+              <a:t>基于迁移学习</a:t>
+            </a:r>
+            <a:endParaRPr lang="en-US" altLang="zh-CN" dirty="0"/>
+          </a:p>
+          <a:p>
+            <a:pPr lvl="2"/>
+            <a:r>
+              <a:rPr lang="zh-CN" altLang="en-US" dirty="0"/>
+              <a:t>全局</a:t>
+            </a:r>
+            <a:r>
+              <a:rPr lang="en-US" altLang="zh-CN" dirty="0"/>
+              <a:t>+</a:t>
+            </a:r>
+            <a:r>
+              <a:rPr lang="zh-CN" altLang="en-US" dirty="0"/>
+              <a:t>局部场景</a:t>
+            </a:r>
+            <a:r>
+              <a:rPr lang="en-US" altLang="zh-CN" dirty="0"/>
+              <a:t>EMBEDDING</a:t>
+            </a:r>
+          </a:p>
+          <a:p>
+            <a:pPr lvl="1"/>
+            <a:r>
+              <a:rPr lang="zh-CN" altLang="en-US" dirty="0"/>
+              <a:t>生成模型基于</a:t>
+            </a:r>
+            <a:r>
+              <a:rPr lang="en-US" altLang="zh-CN" dirty="0"/>
+              <a:t>attention</a:t>
+            </a:r>
+            <a:r>
+              <a:rPr lang="zh-CN" altLang="en-US" dirty="0"/>
+              <a:t>机制</a:t>
+            </a:r>
+            <a:endParaRPr lang="en-US" altLang="zh-CN" dirty="0"/>
+          </a:p>
+          <a:p>
+            <a:r>
+              <a:rPr lang="zh-CN" altLang="en-US" dirty="0"/>
+              <a:t>目前效果（</a:t>
+            </a:r>
+            <a:r>
+              <a:rPr lang="en-US" altLang="zh-CN" dirty="0" err="1"/>
+              <a:t>v.s</a:t>
+            </a:r>
+            <a:r>
+              <a:rPr lang="en-US" altLang="zh-CN" dirty="0"/>
+              <a:t>. attention</a:t>
+            </a:r>
+            <a:r>
+              <a:rPr lang="zh-CN" altLang="en-US" dirty="0"/>
+              <a:t>模型）</a:t>
+            </a:r>
+            <a:endParaRPr lang="en-US" altLang="zh-CN" dirty="0"/>
+          </a:p>
+          <a:p>
+            <a:pPr lvl="1"/>
+            <a:r>
+              <a:rPr lang="zh-CN" altLang="en-US" dirty="0"/>
+              <a:t>保证了文本流畅性</a:t>
+            </a:r>
+            <a:endParaRPr lang="en-US" altLang="zh-CN" dirty="0"/>
+          </a:p>
+          <a:p>
+            <a:pPr lvl="1"/>
+            <a:r>
+              <a:rPr lang="zh-CN" altLang="en-US" dirty="0"/>
+              <a:t>提高了相关性</a:t>
+            </a:r>
+            <a:endParaRPr lang="en-US" altLang="zh-CN" dirty="0"/>
+          </a:p>
+          <a:p>
+            <a:pPr lvl="1"/>
+            <a:r>
+              <a:rPr lang="zh-CN" altLang="en-US" dirty="0"/>
+              <a:t>提高了说服力</a:t>
+            </a:r>
+            <a:endParaRPr lang="en-US" altLang="zh-CN" dirty="0"/>
+          </a:p>
+          <a:p>
+            <a:pPr lvl="1"/>
+            <a:endParaRPr lang="en-US" altLang="zh-CN" dirty="0"/>
+          </a:p>
+          <a:p>
+            <a:pPr lvl="1"/>
+            <a:endParaRPr lang="zh-CN" altLang="en-US" dirty="0"/>
           </a:p>
         </p:txBody>
       </p:sp>
@@ -6344,7 +7700,7 @@
         </p:nvSpPr>
         <p:spPr>
           <a:xfrm>
-            <a:off x="1402915" y="3594970"/>
+            <a:off x="5579690" y="3876038"/>
             <a:ext cx="826718" cy="501041"/>
           </a:xfrm>
           <a:prstGeom prst="flowChartProcess">
@@ -6392,7 +7748,7 @@
         </p:nvCxnSpPr>
         <p:spPr>
           <a:xfrm>
-            <a:off x="2229633" y="3832964"/>
+            <a:off x="6406408" y="4141505"/>
             <a:ext cx="137786" cy="0"/>
           </a:xfrm>
           <a:prstGeom prst="line">
@@ -6423,13 +7779,15 @@
               </a:ext>
             </a:extLst>
           </p:cNvPr>
-          <p:cNvCxnSpPr/>
+          <p:cNvCxnSpPr>
+            <a:cxnSpLocks/>
+          </p:cNvCxnSpPr>
           <p:nvPr/>
         </p:nvCxnSpPr>
         <p:spPr>
           <a:xfrm>
-            <a:off x="2367419" y="3093928"/>
-            <a:ext cx="0" cy="1478072"/>
+            <a:off x="6532343" y="3090155"/>
+            <a:ext cx="0" cy="2150527"/>
           </a:xfrm>
           <a:prstGeom prst="line">
             <a:avLst/>
@@ -6464,7 +7822,7 @@
         </p:nvCxnSpPr>
         <p:spPr>
           <a:xfrm>
-            <a:off x="2367419" y="3093928"/>
+            <a:off x="6406408" y="3072454"/>
             <a:ext cx="501041" cy="0"/>
           </a:xfrm>
           <a:prstGeom prst="straightConnector1">
@@ -6503,7 +7861,7 @@
         </p:nvCxnSpPr>
         <p:spPr>
           <a:xfrm>
-            <a:off x="2367419" y="4572000"/>
+            <a:off x="6394926" y="5250059"/>
             <a:ext cx="501041" cy="0"/>
           </a:xfrm>
           <a:prstGeom prst="straightConnector1">
@@ -6542,7 +7900,7 @@
         </p:nvSpPr>
         <p:spPr>
           <a:xfrm>
-            <a:off x="2868460" y="2718148"/>
+            <a:off x="6907449" y="2696160"/>
             <a:ext cx="1465545" cy="688931"/>
           </a:xfrm>
           <a:prstGeom prst="roundRect">
@@ -6590,7 +7948,7 @@
         </p:nvSpPr>
         <p:spPr>
           <a:xfrm>
-            <a:off x="2856978" y="4227534"/>
+            <a:off x="6895967" y="4905593"/>
             <a:ext cx="1477027" cy="688931"/>
           </a:xfrm>
           <a:prstGeom prst="roundRect">
@@ -6640,7 +7998,7 @@
         </p:nvCxnSpPr>
         <p:spPr>
           <a:xfrm flipV="1">
-            <a:off x="4334005" y="3056351"/>
+            <a:off x="8372994" y="3034363"/>
             <a:ext cx="1233816" cy="6263"/>
           </a:xfrm>
           <a:prstGeom prst="line">
@@ -6678,7 +8036,7 @@
         </p:nvCxnSpPr>
         <p:spPr>
           <a:xfrm>
-            <a:off x="4334005" y="4572000"/>
+            <a:off x="8372994" y="5250059"/>
             <a:ext cx="1233816" cy="0"/>
           </a:xfrm>
           <a:prstGeom prst="line">
@@ -6714,7 +8072,7 @@
         </p:nvSpPr>
         <p:spPr>
           <a:xfrm>
-            <a:off x="4922731" y="3419605"/>
+            <a:off x="6995132" y="3771989"/>
             <a:ext cx="1290180" cy="739035"/>
           </a:xfrm>
           <a:prstGeom prst="roundRect">
@@ -6764,7 +8122,7 @@
         </p:nvCxnSpPr>
         <p:spPr>
           <a:xfrm>
-            <a:off x="5567821" y="3062614"/>
+            <a:off x="7640222" y="3414998"/>
             <a:ext cx="0" cy="356991"/>
           </a:xfrm>
           <a:prstGeom prst="straightConnector1">
@@ -6805,7 +8163,7 @@
         </p:nvCxnSpPr>
         <p:spPr>
           <a:xfrm flipV="1">
-            <a:off x="5567821" y="4158640"/>
+            <a:off x="7640222" y="4511024"/>
             <a:ext cx="0" cy="400834"/>
           </a:xfrm>
           <a:prstGeom prst="straightConnector1">
@@ -6844,7 +8202,7 @@
         </p:nvCxnSpPr>
         <p:spPr>
           <a:xfrm>
-            <a:off x="6212911" y="3826701"/>
+            <a:off x="8299350" y="4165419"/>
             <a:ext cx="701456" cy="6263"/>
           </a:xfrm>
           <a:prstGeom prst="line">
@@ -6880,7 +8238,7 @@
         </p:nvSpPr>
         <p:spPr>
           <a:xfrm>
-            <a:off x="6931068" y="3576180"/>
+            <a:off x="8992838" y="3905504"/>
             <a:ext cx="826718" cy="501041"/>
           </a:xfrm>
           <a:prstGeom prst="flowChartProcess">
@@ -6928,7 +8286,7 @@
         </p:nvSpPr>
         <p:spPr>
           <a:xfrm>
-            <a:off x="4835045" y="2583330"/>
+            <a:off x="6570756" y="2906391"/>
             <a:ext cx="563672" cy="350729"/>
           </a:xfrm>
           <a:prstGeom prst="callout1">
@@ -6976,7 +8334,7 @@
         </p:nvSpPr>
         <p:spPr>
           <a:xfrm>
-            <a:off x="4454434" y="2611955"/>
+            <a:off x="9654846" y="2887788"/>
             <a:ext cx="417102" cy="369332"/>
           </a:xfrm>
           <a:prstGeom prst="rect">
@@ -7015,7 +8373,7 @@
         </p:nvSpPr>
         <p:spPr>
           <a:xfrm>
-            <a:off x="4511369" y="4571999"/>
+            <a:off x="9654846" y="5038315"/>
             <a:ext cx="447558" cy="369332"/>
           </a:xfrm>
           <a:prstGeom prst="rect">
@@ -7050,14 +8408,16 @@
             </a:extLst>
           </p:cNvPr>
           <p:cNvCxnSpPr>
+            <a:cxnSpLocks/>
             <a:stCxn id="9" idx="0"/>
+            <a:endCxn id="22" idx="1"/>
           </p:cNvCxnSpPr>
           <p:nvPr/>
         </p:nvCxnSpPr>
         <p:spPr>
           <a:xfrm rot="5400000" flipH="1" flipV="1">
-            <a:off x="4938386" y="579329"/>
-            <a:ext cx="801666" cy="3475972"/>
+            <a:off x="8007690" y="1890936"/>
+            <a:ext cx="437757" cy="1172692"/>
           </a:xfrm>
           <a:prstGeom prst="curvedConnector2">
             <a:avLst/>
@@ -7095,7 +8455,7 @@
         </p:nvSpPr>
         <p:spPr>
           <a:xfrm>
-            <a:off x="7077203" y="1628291"/>
+            <a:off x="8812914" y="1951352"/>
             <a:ext cx="2430051" cy="614101"/>
           </a:xfrm>
           <a:prstGeom prst="rect">
@@ -7140,14 +8500,15 @@
             </a:extLst>
           </p:cNvPr>
           <p:cNvCxnSpPr>
+            <a:cxnSpLocks/>
             <a:stCxn id="10" idx="2"/>
           </p:cNvCxnSpPr>
           <p:nvPr/>
         </p:nvCxnSpPr>
         <p:spPr>
           <a:xfrm rot="16200000" flipH="1">
-            <a:off x="5405161" y="3106796"/>
-            <a:ext cx="595149" cy="4214486"/>
+            <a:off x="8447652" y="4781352"/>
+            <a:ext cx="284867" cy="1911209"/>
           </a:xfrm>
           <a:prstGeom prst="curvedConnector2">
             <a:avLst/>
@@ -7185,7 +8546,7 @@
         </p:nvSpPr>
         <p:spPr>
           <a:xfrm>
-            <a:off x="7809979" y="5214039"/>
+            <a:off x="9545690" y="5537100"/>
             <a:ext cx="1872640" cy="591934"/>
           </a:xfrm>
           <a:prstGeom prst="rect">
@@ -7224,6 +8585,169 @@
     <p:extLst>
       <p:ext uri="{BB962C8B-B14F-4D97-AF65-F5344CB8AC3E}">
         <p14:creationId xmlns:p14="http://schemas.microsoft.com/office/powerpoint/2010/main" val="931778544"/>
+      </p:ext>
+    </p:extLst>
+  </p:cSld>
+  <p:clrMapOvr>
+    <a:masterClrMapping/>
+  </p:clrMapOvr>
+</p:sld>
+</file>
+
+<file path=ppt/slides/slide8.xml><?xml version="1.0" encoding="utf-8"?>
+<p:sld xmlns:a="http://schemas.openxmlformats.org/drawingml/2006/main" xmlns:r="http://schemas.openxmlformats.org/officeDocument/2006/relationships" xmlns:p="http://schemas.openxmlformats.org/presentationml/2006/main">
+  <p:cSld>
+    <p:spTree>
+      <p:nvGrpSpPr>
+        <p:cNvPr id="1" name=""/>
+        <p:cNvGrpSpPr/>
+        <p:nvPr/>
+      </p:nvGrpSpPr>
+      <p:grpSpPr>
+        <a:xfrm>
+          <a:off x="0" y="0"/>
+          <a:ext cx="0" cy="0"/>
+          <a:chOff x="0" y="0"/>
+          <a:chExt cx="0" cy="0"/>
+        </a:xfrm>
+      </p:grpSpPr>
+      <p:sp>
+        <p:nvSpPr>
+          <p:cNvPr id="2" name="标题 1">
+            <a:extLst>
+              <a:ext uri="{FF2B5EF4-FFF2-40B4-BE49-F238E27FC236}">
+                <a16:creationId xmlns:a16="http://schemas.microsoft.com/office/drawing/2014/main" id="{7AE4E669-AD66-4EDC-9E7B-1B8A864C38F5}"/>
+              </a:ext>
+            </a:extLst>
+          </p:cNvPr>
+          <p:cNvSpPr>
+            <a:spLocks noGrp="1"/>
+          </p:cNvSpPr>
+          <p:nvPr>
+            <p:ph type="title"/>
+          </p:nvPr>
+        </p:nvSpPr>
+        <p:spPr/>
+        <p:txBody>
+          <a:bodyPr/>
+          <a:lstStyle/>
+          <a:p>
+            <a:r>
+              <a:rPr lang="zh-CN" altLang="en-US" dirty="0"/>
+              <a:t>购物意图分析与识别</a:t>
+            </a:r>
+          </a:p>
+        </p:txBody>
+      </p:sp>
+      <p:sp>
+        <p:nvSpPr>
+          <p:cNvPr id="3" name="内容占位符 2">
+            <a:extLst>
+              <a:ext uri="{FF2B5EF4-FFF2-40B4-BE49-F238E27FC236}">
+                <a16:creationId xmlns:a16="http://schemas.microsoft.com/office/drawing/2014/main" id="{1B46FFC8-6CAB-445A-AD39-DB4FF9A780BF}"/>
+              </a:ext>
+            </a:extLst>
+          </p:cNvPr>
+          <p:cNvSpPr>
+            <a:spLocks noGrp="1"/>
+          </p:cNvSpPr>
+          <p:nvPr>
+            <p:ph idx="1"/>
+          </p:nvPr>
+        </p:nvSpPr>
+        <p:spPr/>
+        <p:txBody>
+          <a:bodyPr/>
+          <a:lstStyle/>
+          <a:p>
+            <a:r>
+              <a:rPr lang="zh-CN" altLang="en-US" dirty="0"/>
+              <a:t>研究内容</a:t>
+            </a:r>
+            <a:endParaRPr lang="en-US" altLang="zh-CN" dirty="0"/>
+          </a:p>
+          <a:p>
+            <a:pPr lvl="1"/>
+            <a:r>
+              <a:rPr lang="zh-CN" altLang="en-US" dirty="0"/>
+              <a:t>针对用户</a:t>
+            </a:r>
+            <a:r>
+              <a:rPr lang="en-US" altLang="zh-CN" dirty="0"/>
+              <a:t>query</a:t>
+            </a:r>
+            <a:r>
+              <a:rPr lang="zh-CN" altLang="en-US" dirty="0"/>
+              <a:t>数据的用户意图识别</a:t>
+            </a:r>
+            <a:endParaRPr lang="en-US" altLang="zh-CN" dirty="0"/>
+          </a:p>
+          <a:p>
+            <a:pPr lvl="1"/>
+            <a:r>
+              <a:rPr lang="zh-CN" altLang="en-US" dirty="0"/>
+              <a:t>结合用户意图的购物预测</a:t>
+            </a:r>
+            <a:endParaRPr lang="en-US" altLang="zh-CN" dirty="0"/>
+          </a:p>
+          <a:p>
+            <a:r>
+              <a:rPr lang="zh-CN" altLang="en-US" dirty="0"/>
+              <a:t>研究进展</a:t>
+            </a:r>
+            <a:endParaRPr lang="en-US" altLang="zh-CN" dirty="0"/>
+          </a:p>
+          <a:p>
+            <a:pPr lvl="1"/>
+            <a:r>
+              <a:rPr lang="zh-CN" altLang="en-US" dirty="0"/>
+              <a:t>发现了不同用户意图类型的代表性</a:t>
+            </a:r>
+            <a:r>
+              <a:rPr lang="en-US" altLang="zh-CN" dirty="0"/>
+              <a:t>query session</a:t>
+            </a:r>
+            <a:r>
+              <a:rPr lang="zh-CN" altLang="en-US" dirty="0"/>
+              <a:t>结构特征</a:t>
+            </a:r>
+            <a:endParaRPr lang="en-US" altLang="zh-CN" dirty="0"/>
+          </a:p>
+          <a:p>
+            <a:pPr lvl="1"/>
+            <a:r>
+              <a:rPr lang="zh-CN" altLang="en-US" dirty="0"/>
+              <a:t>利用</a:t>
+            </a:r>
+            <a:r>
+              <a:rPr lang="en-US" altLang="zh-CN" dirty="0"/>
+              <a:t>query session</a:t>
+            </a:r>
+            <a:r>
+              <a:rPr lang="zh-CN" altLang="en-US" dirty="0"/>
+              <a:t>结构特征，提高用户意图识别分类准确率</a:t>
+            </a:r>
+            <a:r>
+              <a:rPr lang="en-US" altLang="zh-CN"/>
+              <a:t>4%</a:t>
+            </a:r>
+          </a:p>
+          <a:p>
+            <a:pPr marL="457200" lvl="1" indent="0">
+              <a:buNone/>
+            </a:pPr>
+            <a:endParaRPr lang="en-US" altLang="zh-CN" dirty="0"/>
+          </a:p>
+          <a:p>
+            <a:pPr lvl="1"/>
+            <a:endParaRPr lang="zh-CN" altLang="en-US" dirty="0"/>
+          </a:p>
+        </p:txBody>
+      </p:sp>
+    </p:spTree>
+    <p:extLst>
+      <p:ext uri="{BB962C8B-B14F-4D97-AF65-F5344CB8AC3E}">
+        <p14:creationId xmlns:p14="http://schemas.microsoft.com/office/powerpoint/2010/main" val="2132010199"/>
       </p:ext>
     </p:extLst>
   </p:cSld>
